--- a/docs/src/images/IVCT Container design.pptx
+++ b/docs/src/images/IVCT Container design.pptx
@@ -7,8 +7,9 @@
   <p:sldIdLst>
     <p:sldId id="256" r:id="rId2"/>
     <p:sldId id="257" r:id="rId3"/>
-    <p:sldId id="258" r:id="rId4"/>
-    <p:sldId id="259" r:id="rId5"/>
+    <p:sldId id="261" r:id="rId4"/>
+    <p:sldId id="258" r:id="rId5"/>
+    <p:sldId id="259" r:id="rId6"/>
   </p:sldIdLst>
   <p:sldSz cx="12192000" cy="6858000"/>
   <p:notesSz cx="6858000" cy="9144000"/>
@@ -264,7 +265,7 @@
           <a:p>
             <a:fld id="{96D79E8F-36EA-4E7D-864E-EAC3DF581472}" type="datetimeFigureOut">
               <a:rPr lang="en-GB" smtClean="0"/>
-              <a:t>06/08/2019</a:t>
+              <a:t>07/08/2019</a:t>
             </a:fld>
             <a:endParaRPr lang="en-GB"/>
           </a:p>
@@ -464,7 +465,7 @@
           <a:p>
             <a:fld id="{96D79E8F-36EA-4E7D-864E-EAC3DF581472}" type="datetimeFigureOut">
               <a:rPr lang="en-GB" smtClean="0"/>
-              <a:t>06/08/2019</a:t>
+              <a:t>07/08/2019</a:t>
             </a:fld>
             <a:endParaRPr lang="en-GB"/>
           </a:p>
@@ -674,7 +675,7 @@
           <a:p>
             <a:fld id="{96D79E8F-36EA-4E7D-864E-EAC3DF581472}" type="datetimeFigureOut">
               <a:rPr lang="en-GB" smtClean="0"/>
-              <a:t>06/08/2019</a:t>
+              <a:t>07/08/2019</a:t>
             </a:fld>
             <a:endParaRPr lang="en-GB"/>
           </a:p>
@@ -874,7 +875,7 @@
           <a:p>
             <a:fld id="{96D79E8F-36EA-4E7D-864E-EAC3DF581472}" type="datetimeFigureOut">
               <a:rPr lang="en-GB" smtClean="0"/>
-              <a:t>06/08/2019</a:t>
+              <a:t>07/08/2019</a:t>
             </a:fld>
             <a:endParaRPr lang="en-GB"/>
           </a:p>
@@ -1150,7 +1151,7 @@
           <a:p>
             <a:fld id="{96D79E8F-36EA-4E7D-864E-EAC3DF581472}" type="datetimeFigureOut">
               <a:rPr lang="en-GB" smtClean="0"/>
-              <a:t>06/08/2019</a:t>
+              <a:t>07/08/2019</a:t>
             </a:fld>
             <a:endParaRPr lang="en-GB"/>
           </a:p>
@@ -1418,7 +1419,7 @@
           <a:p>
             <a:fld id="{96D79E8F-36EA-4E7D-864E-EAC3DF581472}" type="datetimeFigureOut">
               <a:rPr lang="en-GB" smtClean="0"/>
-              <a:t>06/08/2019</a:t>
+              <a:t>07/08/2019</a:t>
             </a:fld>
             <a:endParaRPr lang="en-GB"/>
           </a:p>
@@ -1833,7 +1834,7 @@
           <a:p>
             <a:fld id="{96D79E8F-36EA-4E7D-864E-EAC3DF581472}" type="datetimeFigureOut">
               <a:rPr lang="en-GB" smtClean="0"/>
-              <a:t>06/08/2019</a:t>
+              <a:t>07/08/2019</a:t>
             </a:fld>
             <a:endParaRPr lang="en-GB"/>
           </a:p>
@@ -1975,7 +1976,7 @@
           <a:p>
             <a:fld id="{96D79E8F-36EA-4E7D-864E-EAC3DF581472}" type="datetimeFigureOut">
               <a:rPr lang="en-GB" smtClean="0"/>
-              <a:t>06/08/2019</a:t>
+              <a:t>07/08/2019</a:t>
             </a:fld>
             <a:endParaRPr lang="en-GB"/>
           </a:p>
@@ -2088,7 +2089,7 @@
           <a:p>
             <a:fld id="{96D79E8F-36EA-4E7D-864E-EAC3DF581472}" type="datetimeFigureOut">
               <a:rPr lang="en-GB" smtClean="0"/>
-              <a:t>06/08/2019</a:t>
+              <a:t>07/08/2019</a:t>
             </a:fld>
             <a:endParaRPr lang="en-GB"/>
           </a:p>
@@ -2401,7 +2402,7 @@
           <a:p>
             <a:fld id="{96D79E8F-36EA-4E7D-864E-EAC3DF581472}" type="datetimeFigureOut">
               <a:rPr lang="en-GB" smtClean="0"/>
-              <a:t>06/08/2019</a:t>
+              <a:t>07/08/2019</a:t>
             </a:fld>
             <a:endParaRPr lang="en-GB"/>
           </a:p>
@@ -2690,7 +2691,7 @@
           <a:p>
             <a:fld id="{96D79E8F-36EA-4E7D-864E-EAC3DF581472}" type="datetimeFigureOut">
               <a:rPr lang="en-GB" smtClean="0"/>
-              <a:t>06/08/2019</a:t>
+              <a:t>07/08/2019</a:t>
             </a:fld>
             <a:endParaRPr lang="en-GB"/>
           </a:p>
@@ -2933,7 +2934,7 @@
           <a:p>
             <a:fld id="{96D79E8F-36EA-4E7D-864E-EAC3DF581472}" type="datetimeFigureOut">
               <a:rPr lang="en-GB" smtClean="0"/>
-              <a:t>06/08/2019</a:t>
+              <a:t>07/08/2019</a:t>
             </a:fld>
             <a:endParaRPr lang="en-GB"/>
           </a:p>
@@ -6330,6 +6331,976 @@
           <a:p>
             <a:r>
               <a:rPr lang="en-GB"/>
+              <a:t>IVCT and SUT Host</a:t>
+            </a:r>
+          </a:p>
+        </p:txBody>
+      </p:sp>
+      <p:grpSp>
+        <p:nvGrpSpPr>
+          <p:cNvPr id="6" name="Group 5">
+            <a:extLst>
+              <a:ext uri="{FF2B5EF4-FFF2-40B4-BE49-F238E27FC236}">
+                <a16:creationId xmlns:a16="http://schemas.microsoft.com/office/drawing/2014/main" id="{128FBCE7-4C58-4D0E-98E1-08F36FC2EA13}"/>
+              </a:ext>
+            </a:extLst>
+          </p:cNvPr>
+          <p:cNvGrpSpPr/>
+          <p:nvPr/>
+        </p:nvGrpSpPr>
+        <p:grpSpPr>
+          <a:xfrm>
+            <a:off x="2533456" y="2377051"/>
+            <a:ext cx="6136325" cy="2927790"/>
+            <a:chOff x="704656" y="2524285"/>
+            <a:chExt cx="6136325" cy="2927790"/>
+          </a:xfrm>
+        </p:grpSpPr>
+        <p:sp>
+          <p:nvSpPr>
+            <p:cNvPr id="5" name="Rectangle 4">
+              <a:extLst>
+                <a:ext uri="{FF2B5EF4-FFF2-40B4-BE49-F238E27FC236}">
+                  <a16:creationId xmlns:a16="http://schemas.microsoft.com/office/drawing/2014/main" id="{D2FA776A-E9DC-4246-B1D1-D08F84B760B5}"/>
+                </a:ext>
+              </a:extLst>
+            </p:cNvPr>
+            <p:cNvSpPr>
+              <a:spLocks noChangeAspect="1"/>
+            </p:cNvSpPr>
+            <p:nvPr/>
+          </p:nvSpPr>
+          <p:spPr>
+            <a:xfrm>
+              <a:off x="704656" y="2524285"/>
+              <a:ext cx="2847869" cy="2413348"/>
+            </a:xfrm>
+            <a:prstGeom prst="rect">
+              <a:avLst/>
+            </a:prstGeom>
+            <a:noFill/>
+            <a:ln w="25400">
+              <a:solidFill>
+                <a:schemeClr val="tx1"/>
+              </a:solidFill>
+            </a:ln>
+          </p:spPr>
+          <p:style>
+            <a:lnRef idx="2">
+              <a:schemeClr val="accent1">
+                <a:shade val="50000"/>
+              </a:schemeClr>
+            </a:lnRef>
+            <a:fillRef idx="1">
+              <a:schemeClr val="accent1"/>
+            </a:fillRef>
+            <a:effectRef idx="0">
+              <a:schemeClr val="accent1"/>
+            </a:effectRef>
+            <a:fontRef idx="minor">
+              <a:schemeClr val="lt1"/>
+            </a:fontRef>
+          </p:style>
+          <p:txBody>
+            <a:bodyPr rtlCol="0" anchor="t" anchorCtr="0"/>
+            <a:lstStyle/>
+            <a:p>
+              <a:pPr algn="ctr"/>
+              <a:r>
+                <a:rPr lang="en-GB">
+                  <a:solidFill>
+                    <a:schemeClr val="tx1"/>
+                  </a:solidFill>
+                </a:rPr>
+                <a:t>IVCT Host</a:t>
+              </a:r>
+            </a:p>
+          </p:txBody>
+        </p:sp>
+        <p:pic>
+          <p:nvPicPr>
+            <p:cNvPr id="13" name="Picture 12">
+              <a:extLst>
+                <a:ext uri="{FF2B5EF4-FFF2-40B4-BE49-F238E27FC236}">
+                  <a16:creationId xmlns:a16="http://schemas.microsoft.com/office/drawing/2014/main" id="{6528BD0B-9A0A-487B-9526-381B4D61DFE0}"/>
+                </a:ext>
+              </a:extLst>
+            </p:cNvPr>
+            <p:cNvPicPr>
+              <a:picLocks noChangeAspect="1"/>
+            </p:cNvPicPr>
+            <p:nvPr/>
+          </p:nvPicPr>
+          <p:blipFill>
+            <a:blip r:embed="rId2">
+              <a:extLst>
+                <a:ext uri="{28A0092B-C50C-407E-A947-70E740481C1C}">
+                  <a14:useLocalDpi xmlns:a14="http://schemas.microsoft.com/office/drawing/2010/main" val="0"/>
+                </a:ext>
+              </a:extLst>
+            </a:blip>
+            <a:stretch>
+              <a:fillRect/>
+            </a:stretch>
+          </p:blipFill>
+          <p:spPr>
+            <a:xfrm>
+              <a:off x="784169" y="3092599"/>
+              <a:ext cx="2696263" cy="1413042"/>
+            </a:xfrm>
+            <a:prstGeom prst="rect">
+              <a:avLst/>
+            </a:prstGeom>
+          </p:spPr>
+        </p:pic>
+        <p:sp>
+          <p:nvSpPr>
+            <p:cNvPr id="14" name="Rectangle 13">
+              <a:extLst>
+                <a:ext uri="{FF2B5EF4-FFF2-40B4-BE49-F238E27FC236}">
+                  <a16:creationId xmlns:a16="http://schemas.microsoft.com/office/drawing/2014/main" id="{CDE7EF88-E3A9-4A68-8724-37508A728C8A}"/>
+                </a:ext>
+              </a:extLst>
+            </p:cNvPr>
+            <p:cNvSpPr>
+              <a:spLocks noChangeAspect="1"/>
+            </p:cNvSpPr>
+            <p:nvPr/>
+          </p:nvSpPr>
+          <p:spPr>
+            <a:xfrm>
+              <a:off x="1374245" y="3936211"/>
+              <a:ext cx="362816" cy="362816"/>
+            </a:xfrm>
+            <a:prstGeom prst="rect">
+              <a:avLst/>
+            </a:prstGeom>
+            <a:solidFill>
+              <a:srgbClr val="00B0F0"/>
+            </a:solidFill>
+            <a:ln w="9525" cap="flat" cmpd="sng" algn="ctr">
+              <a:solidFill>
+                <a:sysClr val="windowText" lastClr="000000"/>
+              </a:solidFill>
+              <a:prstDash val="solid"/>
+            </a:ln>
+            <a:effectLst>
+              <a:outerShdw blurRad="40000" dist="23000" dir="5400000" rotWithShape="0">
+                <a:srgbClr val="000000">
+                  <a:alpha val="35000"/>
+                </a:srgbClr>
+              </a:outerShdw>
+            </a:effectLst>
+          </p:spPr>
+          <p:txBody>
+            <a:bodyPr rot="0" spcFirstLastPara="0" vertOverflow="overflow" horzOverflow="overflow" vert="horz" wrap="square" lIns="91440" tIns="45720" rIns="91440" bIns="45720" numCol="1" spcCol="0" rtlCol="0" fromWordArt="0" anchor="ctr" anchorCtr="0" forceAA="0" compatLnSpc="1">
+              <a:prstTxWarp prst="textNoShape">
+                <a:avLst/>
+              </a:prstTxWarp>
+              <a:noAutofit/>
+            </a:bodyPr>
+            <a:lstStyle/>
+            <a:p>
+              <a:pPr algn="ctr" defTabSz="457200"/>
+              <a:endParaRPr lang="en-GB" sz="800" kern="0">
+                <a:solidFill>
+                  <a:prstClr val="black"/>
+                </a:solidFill>
+                <a:latin typeface="Arial"/>
+              </a:endParaRPr>
+            </a:p>
+          </p:txBody>
+        </p:sp>
+        <p:sp>
+          <p:nvSpPr>
+            <p:cNvPr id="15" name="Rectangle 14">
+              <a:extLst>
+                <a:ext uri="{FF2B5EF4-FFF2-40B4-BE49-F238E27FC236}">
+                  <a16:creationId xmlns:a16="http://schemas.microsoft.com/office/drawing/2014/main" id="{F64C0CF7-B5C4-4561-BCCD-5735959C96F8}"/>
+                </a:ext>
+              </a:extLst>
+            </p:cNvPr>
+            <p:cNvSpPr>
+              <a:spLocks noChangeAspect="1"/>
+            </p:cNvSpPr>
+            <p:nvPr/>
+          </p:nvSpPr>
+          <p:spPr>
+            <a:xfrm>
+              <a:off x="1783444" y="3936213"/>
+              <a:ext cx="362816" cy="362816"/>
+            </a:xfrm>
+            <a:prstGeom prst="rect">
+              <a:avLst/>
+            </a:prstGeom>
+            <a:solidFill>
+              <a:srgbClr val="00B0F0"/>
+            </a:solidFill>
+            <a:ln w="9525" cap="flat" cmpd="sng" algn="ctr">
+              <a:solidFill>
+                <a:sysClr val="windowText" lastClr="000000"/>
+              </a:solidFill>
+              <a:prstDash val="solid"/>
+            </a:ln>
+            <a:effectLst>
+              <a:outerShdw blurRad="40000" dist="23000" dir="5400000" rotWithShape="0">
+                <a:srgbClr val="000000">
+                  <a:alpha val="35000"/>
+                </a:srgbClr>
+              </a:outerShdw>
+            </a:effectLst>
+          </p:spPr>
+          <p:txBody>
+            <a:bodyPr rot="0" spcFirstLastPara="0" vertOverflow="overflow" horzOverflow="overflow" vert="horz" wrap="square" lIns="91440" tIns="45720" rIns="91440" bIns="45720" numCol="1" spcCol="0" rtlCol="0" fromWordArt="0" anchor="ctr" anchorCtr="0" forceAA="0" compatLnSpc="1">
+              <a:prstTxWarp prst="textNoShape">
+                <a:avLst/>
+              </a:prstTxWarp>
+              <a:noAutofit/>
+            </a:bodyPr>
+            <a:lstStyle/>
+            <a:p>
+              <a:pPr algn="ctr" defTabSz="457200"/>
+              <a:endParaRPr lang="en-GB" sz="800" kern="0">
+                <a:solidFill>
+                  <a:prstClr val="black"/>
+                </a:solidFill>
+                <a:latin typeface="Arial"/>
+              </a:endParaRPr>
+            </a:p>
+          </p:txBody>
+        </p:sp>
+        <p:sp>
+          <p:nvSpPr>
+            <p:cNvPr id="16" name="Rectangle 15">
+              <a:extLst>
+                <a:ext uri="{FF2B5EF4-FFF2-40B4-BE49-F238E27FC236}">
+                  <a16:creationId xmlns:a16="http://schemas.microsoft.com/office/drawing/2014/main" id="{8A01EF84-1360-45D6-ADEE-166D2394A1D3}"/>
+                </a:ext>
+              </a:extLst>
+            </p:cNvPr>
+            <p:cNvSpPr>
+              <a:spLocks noChangeAspect="1"/>
+            </p:cNvSpPr>
+            <p:nvPr/>
+          </p:nvSpPr>
+          <p:spPr>
+            <a:xfrm>
+              <a:off x="2184337" y="3936212"/>
+              <a:ext cx="362816" cy="362816"/>
+            </a:xfrm>
+            <a:prstGeom prst="rect">
+              <a:avLst/>
+            </a:prstGeom>
+            <a:solidFill>
+              <a:srgbClr val="00B0F0"/>
+            </a:solidFill>
+            <a:ln w="9525" cap="flat" cmpd="sng" algn="ctr">
+              <a:solidFill>
+                <a:sysClr val="windowText" lastClr="000000"/>
+              </a:solidFill>
+              <a:prstDash val="solid"/>
+            </a:ln>
+            <a:effectLst>
+              <a:outerShdw blurRad="40000" dist="23000" dir="5400000" rotWithShape="0">
+                <a:srgbClr val="000000">
+                  <a:alpha val="35000"/>
+                </a:srgbClr>
+              </a:outerShdw>
+            </a:effectLst>
+          </p:spPr>
+          <p:txBody>
+            <a:bodyPr rot="0" spcFirstLastPara="0" vertOverflow="overflow" horzOverflow="overflow" vert="horz" wrap="square" lIns="91440" tIns="45720" rIns="91440" bIns="45720" numCol="1" spcCol="0" rtlCol="0" fromWordArt="0" anchor="ctr" anchorCtr="0" forceAA="0" compatLnSpc="1">
+              <a:prstTxWarp prst="textNoShape">
+                <a:avLst/>
+              </a:prstTxWarp>
+              <a:noAutofit/>
+            </a:bodyPr>
+            <a:lstStyle/>
+            <a:p>
+              <a:pPr algn="ctr" defTabSz="457200"/>
+              <a:endParaRPr lang="en-GB" sz="800" kern="0">
+                <a:solidFill>
+                  <a:prstClr val="black"/>
+                </a:solidFill>
+                <a:latin typeface="Arial"/>
+              </a:endParaRPr>
+            </a:p>
+          </p:txBody>
+        </p:sp>
+        <p:sp>
+          <p:nvSpPr>
+            <p:cNvPr id="17" name="Rectangle 16">
+              <a:extLst>
+                <a:ext uri="{FF2B5EF4-FFF2-40B4-BE49-F238E27FC236}">
+                  <a16:creationId xmlns:a16="http://schemas.microsoft.com/office/drawing/2014/main" id="{8F82442F-8B47-44CF-B8FA-8912574418CF}"/>
+                </a:ext>
+              </a:extLst>
+            </p:cNvPr>
+            <p:cNvSpPr>
+              <a:spLocks noChangeAspect="1"/>
+            </p:cNvSpPr>
+            <p:nvPr/>
+          </p:nvSpPr>
+          <p:spPr>
+            <a:xfrm>
+              <a:off x="2596788" y="3936211"/>
+              <a:ext cx="362816" cy="362816"/>
+            </a:xfrm>
+            <a:prstGeom prst="rect">
+              <a:avLst/>
+            </a:prstGeom>
+            <a:solidFill>
+              <a:srgbClr val="00B0F0"/>
+            </a:solidFill>
+            <a:ln w="9525" cap="flat" cmpd="sng" algn="ctr">
+              <a:solidFill>
+                <a:sysClr val="windowText" lastClr="000000"/>
+              </a:solidFill>
+              <a:prstDash val="solid"/>
+            </a:ln>
+            <a:effectLst>
+              <a:outerShdw blurRad="40000" dist="23000" dir="5400000" rotWithShape="0">
+                <a:srgbClr val="000000">
+                  <a:alpha val="35000"/>
+                </a:srgbClr>
+              </a:outerShdw>
+            </a:effectLst>
+          </p:spPr>
+          <p:txBody>
+            <a:bodyPr rot="0" spcFirstLastPara="0" vertOverflow="overflow" horzOverflow="overflow" vert="horz" wrap="square" lIns="91440" tIns="45720" rIns="91440" bIns="45720" numCol="1" spcCol="0" rtlCol="0" fromWordArt="0" anchor="ctr" anchorCtr="0" forceAA="0" compatLnSpc="1">
+              <a:prstTxWarp prst="textNoShape">
+                <a:avLst/>
+              </a:prstTxWarp>
+              <a:noAutofit/>
+            </a:bodyPr>
+            <a:lstStyle/>
+            <a:p>
+              <a:pPr algn="ctr" defTabSz="457200"/>
+              <a:endParaRPr lang="en-GB" sz="800" kern="0">
+                <a:solidFill>
+                  <a:prstClr val="black"/>
+                </a:solidFill>
+                <a:latin typeface="Arial"/>
+              </a:endParaRPr>
+            </a:p>
+          </p:txBody>
+        </p:sp>
+        <p:sp>
+          <p:nvSpPr>
+            <p:cNvPr id="22" name="Rectangle 21">
+              <a:extLst>
+                <a:ext uri="{FF2B5EF4-FFF2-40B4-BE49-F238E27FC236}">
+                  <a16:creationId xmlns:a16="http://schemas.microsoft.com/office/drawing/2014/main" id="{83F704DB-EFAC-44C4-8D26-F4AE877138E0}"/>
+                </a:ext>
+              </a:extLst>
+            </p:cNvPr>
+            <p:cNvSpPr>
+              <a:spLocks noChangeAspect="1"/>
+            </p:cNvSpPr>
+            <p:nvPr/>
+          </p:nvSpPr>
+          <p:spPr>
+            <a:xfrm>
+              <a:off x="3993112" y="2524285"/>
+              <a:ext cx="2847869" cy="2413348"/>
+            </a:xfrm>
+            <a:prstGeom prst="rect">
+              <a:avLst/>
+            </a:prstGeom>
+            <a:noFill/>
+            <a:ln w="25400">
+              <a:solidFill>
+                <a:schemeClr val="tx1"/>
+              </a:solidFill>
+            </a:ln>
+          </p:spPr>
+          <p:style>
+            <a:lnRef idx="2">
+              <a:schemeClr val="accent1">
+                <a:shade val="50000"/>
+              </a:schemeClr>
+            </a:lnRef>
+            <a:fillRef idx="1">
+              <a:schemeClr val="accent1"/>
+            </a:fillRef>
+            <a:effectRef idx="0">
+              <a:schemeClr val="accent1"/>
+            </a:effectRef>
+            <a:fontRef idx="minor">
+              <a:schemeClr val="lt1"/>
+            </a:fontRef>
+          </p:style>
+          <p:txBody>
+            <a:bodyPr rtlCol="0" anchor="t" anchorCtr="0"/>
+            <a:lstStyle/>
+            <a:p>
+              <a:pPr algn="ctr"/>
+              <a:r>
+                <a:rPr lang="en-GB">
+                  <a:solidFill>
+                    <a:schemeClr val="tx1"/>
+                  </a:solidFill>
+                </a:rPr>
+                <a:t>SUT Host</a:t>
+              </a:r>
+            </a:p>
+          </p:txBody>
+        </p:sp>
+        <p:sp>
+          <p:nvSpPr>
+            <p:cNvPr id="23" name="Rectangle 22">
+              <a:extLst>
+                <a:ext uri="{FF2B5EF4-FFF2-40B4-BE49-F238E27FC236}">
+                  <a16:creationId xmlns:a16="http://schemas.microsoft.com/office/drawing/2014/main" id="{C250A036-1512-41BF-A4C4-5B06BA38FA80}"/>
+                </a:ext>
+              </a:extLst>
+            </p:cNvPr>
+            <p:cNvSpPr>
+              <a:spLocks noChangeAspect="1"/>
+            </p:cNvSpPr>
+            <p:nvPr/>
+          </p:nvSpPr>
+          <p:spPr>
+            <a:xfrm>
+              <a:off x="4188481" y="3269597"/>
+              <a:ext cx="1017104" cy="1017104"/>
+            </a:xfrm>
+            <a:prstGeom prst="rect">
+              <a:avLst/>
+            </a:prstGeom>
+            <a:solidFill>
+              <a:schemeClr val="accent6">
+                <a:lumMod val="60000"/>
+                <a:lumOff val="40000"/>
+              </a:schemeClr>
+            </a:solidFill>
+            <a:ln>
+              <a:solidFill>
+                <a:schemeClr val="tx1"/>
+              </a:solidFill>
+            </a:ln>
+          </p:spPr>
+          <p:style>
+            <a:lnRef idx="2">
+              <a:schemeClr val="accent1">
+                <a:shade val="50000"/>
+              </a:schemeClr>
+            </a:lnRef>
+            <a:fillRef idx="1">
+              <a:schemeClr val="accent1"/>
+            </a:fillRef>
+            <a:effectRef idx="0">
+              <a:schemeClr val="accent1"/>
+            </a:effectRef>
+            <a:fontRef idx="minor">
+              <a:schemeClr val="lt1"/>
+            </a:fontRef>
+          </p:style>
+          <p:txBody>
+            <a:bodyPr rtlCol="0" anchor="ctr"/>
+            <a:lstStyle/>
+            <a:p>
+              <a:pPr algn="ctr"/>
+              <a:r>
+                <a:rPr lang="en-GB" b="1">
+                  <a:solidFill>
+                    <a:schemeClr val="tx1"/>
+                  </a:solidFill>
+                </a:rPr>
+                <a:t>SUT</a:t>
+              </a:r>
+            </a:p>
+          </p:txBody>
+        </p:sp>
+        <p:cxnSp>
+          <p:nvCxnSpPr>
+            <p:cNvPr id="25" name="Straight Connector 24">
+              <a:extLst>
+                <a:ext uri="{FF2B5EF4-FFF2-40B4-BE49-F238E27FC236}">
+                  <a16:creationId xmlns:a16="http://schemas.microsoft.com/office/drawing/2014/main" id="{A94AF31D-C462-4C77-99A6-29F72A2330EF}"/>
+                </a:ext>
+              </a:extLst>
+            </p:cNvPr>
+            <p:cNvCxnSpPr>
+              <a:cxnSpLocks/>
+            </p:cNvCxnSpPr>
+            <p:nvPr/>
+          </p:nvCxnSpPr>
+          <p:spPr>
+            <a:xfrm>
+              <a:off x="1283084" y="5442468"/>
+              <a:ext cx="5118644" cy="3"/>
+            </a:xfrm>
+            <a:prstGeom prst="line">
+              <a:avLst/>
+            </a:prstGeom>
+            <a:ln w="19050"/>
+          </p:spPr>
+          <p:style>
+            <a:lnRef idx="1">
+              <a:schemeClr val="accent1"/>
+            </a:lnRef>
+            <a:fillRef idx="0">
+              <a:schemeClr val="accent1"/>
+            </a:fillRef>
+            <a:effectRef idx="0">
+              <a:schemeClr val="accent1"/>
+            </a:effectRef>
+            <a:fontRef idx="minor">
+              <a:schemeClr val="tx1"/>
+            </a:fontRef>
+          </p:style>
+        </p:cxnSp>
+        <p:sp>
+          <p:nvSpPr>
+            <p:cNvPr id="26" name="Rectangle 25">
+              <a:extLst>
+                <a:ext uri="{FF2B5EF4-FFF2-40B4-BE49-F238E27FC236}">
+                  <a16:creationId xmlns:a16="http://schemas.microsoft.com/office/drawing/2014/main" id="{F4D65394-A5C7-49D4-851E-D5B5D2EA71F2}"/>
+                </a:ext>
+              </a:extLst>
+            </p:cNvPr>
+            <p:cNvSpPr>
+              <a:spLocks noChangeAspect="1"/>
+            </p:cNvSpPr>
+            <p:nvPr/>
+          </p:nvSpPr>
+          <p:spPr>
+            <a:xfrm>
+              <a:off x="5535619" y="3100515"/>
+              <a:ext cx="1017104" cy="1017104"/>
+            </a:xfrm>
+            <a:prstGeom prst="rect">
+              <a:avLst/>
+            </a:prstGeom>
+            <a:solidFill>
+              <a:schemeClr val="accent6">
+                <a:lumMod val="60000"/>
+                <a:lumOff val="40000"/>
+              </a:schemeClr>
+            </a:solidFill>
+            <a:ln>
+              <a:solidFill>
+                <a:schemeClr val="tx1"/>
+              </a:solidFill>
+            </a:ln>
+          </p:spPr>
+          <p:style>
+            <a:lnRef idx="2">
+              <a:schemeClr val="accent1">
+                <a:shade val="50000"/>
+              </a:schemeClr>
+            </a:lnRef>
+            <a:fillRef idx="1">
+              <a:schemeClr val="accent1"/>
+            </a:fillRef>
+            <a:effectRef idx="0">
+              <a:schemeClr val="accent1"/>
+            </a:effectRef>
+            <a:fontRef idx="minor">
+              <a:schemeClr val="lt1"/>
+            </a:fontRef>
+          </p:style>
+          <p:txBody>
+            <a:bodyPr rtlCol="0" anchor="ctr"/>
+            <a:lstStyle/>
+            <a:p>
+              <a:pPr algn="ctr"/>
+              <a:r>
+                <a:rPr lang="en-GB" b="1">
+                  <a:solidFill>
+                    <a:schemeClr val="tx1"/>
+                  </a:solidFill>
+                </a:rPr>
+                <a:t>Pitch CRC</a:t>
+              </a:r>
+            </a:p>
+          </p:txBody>
+        </p:sp>
+        <p:sp>
+          <p:nvSpPr>
+            <p:cNvPr id="28" name="Oval 27">
+              <a:extLst>
+                <a:ext uri="{FF2B5EF4-FFF2-40B4-BE49-F238E27FC236}">
+                  <a16:creationId xmlns:a16="http://schemas.microsoft.com/office/drawing/2014/main" id="{AA835AFD-41D6-4A2F-B581-31FB5F2142C9}"/>
+                </a:ext>
+              </a:extLst>
+            </p:cNvPr>
+            <p:cNvSpPr>
+              <a:spLocks noChangeAspect="1"/>
+            </p:cNvSpPr>
+            <p:nvPr/>
+          </p:nvSpPr>
+          <p:spPr>
+            <a:xfrm>
+              <a:off x="5315605" y="4887177"/>
+              <a:ext cx="124277" cy="124277"/>
+            </a:xfrm>
+            <a:prstGeom prst="ellipse">
+              <a:avLst/>
+            </a:prstGeom>
+            <a:solidFill>
+              <a:schemeClr val="accent5">
+                <a:lumMod val="20000"/>
+                <a:lumOff val="80000"/>
+              </a:schemeClr>
+            </a:solidFill>
+          </p:spPr>
+          <p:style>
+            <a:lnRef idx="2">
+              <a:schemeClr val="accent1">
+                <a:shade val="50000"/>
+              </a:schemeClr>
+            </a:lnRef>
+            <a:fillRef idx="1">
+              <a:schemeClr val="accent1"/>
+            </a:fillRef>
+            <a:effectRef idx="0">
+              <a:schemeClr val="accent1"/>
+            </a:effectRef>
+            <a:fontRef idx="minor">
+              <a:schemeClr val="lt1"/>
+            </a:fontRef>
+          </p:style>
+          <p:txBody>
+            <a:bodyPr rtlCol="0" anchor="ctr"/>
+            <a:lstStyle/>
+            <a:p>
+              <a:pPr algn="ctr"/>
+              <a:endParaRPr lang="en-GB"/>
+            </a:p>
+          </p:txBody>
+        </p:sp>
+        <p:sp>
+          <p:nvSpPr>
+            <p:cNvPr id="81" name="Oval 80">
+              <a:extLst>
+                <a:ext uri="{FF2B5EF4-FFF2-40B4-BE49-F238E27FC236}">
+                  <a16:creationId xmlns:a16="http://schemas.microsoft.com/office/drawing/2014/main" id="{320DD254-33DA-4BBB-AF3A-30B61F564C90}"/>
+                </a:ext>
+              </a:extLst>
+            </p:cNvPr>
+            <p:cNvSpPr>
+              <a:spLocks noChangeAspect="1"/>
+            </p:cNvSpPr>
+            <p:nvPr/>
+          </p:nvSpPr>
+          <p:spPr>
+            <a:xfrm>
+              <a:off x="2060060" y="4882124"/>
+              <a:ext cx="124277" cy="124277"/>
+            </a:xfrm>
+            <a:prstGeom prst="ellipse">
+              <a:avLst/>
+            </a:prstGeom>
+            <a:solidFill>
+              <a:schemeClr val="accent5">
+                <a:lumMod val="20000"/>
+                <a:lumOff val="80000"/>
+              </a:schemeClr>
+            </a:solidFill>
+          </p:spPr>
+          <p:style>
+            <a:lnRef idx="2">
+              <a:schemeClr val="accent1">
+                <a:shade val="50000"/>
+              </a:schemeClr>
+            </a:lnRef>
+            <a:fillRef idx="1">
+              <a:schemeClr val="accent1"/>
+            </a:fillRef>
+            <a:effectRef idx="0">
+              <a:schemeClr val="accent1"/>
+            </a:effectRef>
+            <a:fontRef idx="minor">
+              <a:schemeClr val="lt1"/>
+            </a:fontRef>
+          </p:style>
+          <p:txBody>
+            <a:bodyPr rtlCol="0" anchor="ctr"/>
+            <a:lstStyle/>
+            <a:p>
+              <a:pPr algn="ctr"/>
+              <a:endParaRPr lang="en-GB"/>
+            </a:p>
+          </p:txBody>
+        </p:sp>
+        <p:cxnSp>
+          <p:nvCxnSpPr>
+            <p:cNvPr id="97" name="Straight Connector 96">
+              <a:extLst>
+                <a:ext uri="{FF2B5EF4-FFF2-40B4-BE49-F238E27FC236}">
+                  <a16:creationId xmlns:a16="http://schemas.microsoft.com/office/drawing/2014/main" id="{EF3B5C93-E93A-4658-BB30-DE4D4A60EBA7}"/>
+                </a:ext>
+              </a:extLst>
+            </p:cNvPr>
+            <p:cNvCxnSpPr>
+              <a:cxnSpLocks/>
+            </p:cNvCxnSpPr>
+            <p:nvPr/>
+          </p:nvCxnSpPr>
+          <p:spPr>
+            <a:xfrm>
+              <a:off x="2118856" y="4984465"/>
+              <a:ext cx="0" cy="467610"/>
+            </a:xfrm>
+            <a:prstGeom prst="line">
+              <a:avLst/>
+            </a:prstGeom>
+            <a:ln w="19050"/>
+          </p:spPr>
+          <p:style>
+            <a:lnRef idx="1">
+              <a:schemeClr val="accent1"/>
+            </a:lnRef>
+            <a:fillRef idx="0">
+              <a:schemeClr val="accent1"/>
+            </a:fillRef>
+            <a:effectRef idx="0">
+              <a:schemeClr val="accent1"/>
+            </a:effectRef>
+            <a:fontRef idx="minor">
+              <a:schemeClr val="tx1"/>
+            </a:fontRef>
+          </p:style>
+        </p:cxnSp>
+        <p:cxnSp>
+          <p:nvCxnSpPr>
+            <p:cNvPr id="101" name="Straight Connector 100">
+              <a:extLst>
+                <a:ext uri="{FF2B5EF4-FFF2-40B4-BE49-F238E27FC236}">
+                  <a16:creationId xmlns:a16="http://schemas.microsoft.com/office/drawing/2014/main" id="{1B0950A0-3FB1-402C-B6DB-F90D9C4601C5}"/>
+                </a:ext>
+              </a:extLst>
+            </p:cNvPr>
+            <p:cNvCxnSpPr>
+              <a:cxnSpLocks/>
+              <a:stCxn id="28" idx="4"/>
+            </p:cNvCxnSpPr>
+            <p:nvPr/>
+          </p:nvCxnSpPr>
+          <p:spPr>
+            <a:xfrm>
+              <a:off x="5377744" y="5011454"/>
+              <a:ext cx="0" cy="429015"/>
+            </a:xfrm>
+            <a:prstGeom prst="line">
+              <a:avLst/>
+            </a:prstGeom>
+            <a:ln w="19050"/>
+          </p:spPr>
+          <p:style>
+            <a:lnRef idx="1">
+              <a:schemeClr val="accent1"/>
+            </a:lnRef>
+            <a:fillRef idx="0">
+              <a:schemeClr val="accent1"/>
+            </a:fillRef>
+            <a:effectRef idx="0">
+              <a:schemeClr val="accent1"/>
+            </a:effectRef>
+            <a:fontRef idx="minor">
+              <a:schemeClr val="tx1"/>
+            </a:fontRef>
+          </p:style>
+        </p:cxnSp>
+        <p:sp>
+          <p:nvSpPr>
+            <p:cNvPr id="3" name="TextBox 2">
+              <a:extLst>
+                <a:ext uri="{FF2B5EF4-FFF2-40B4-BE49-F238E27FC236}">
+                  <a16:creationId xmlns:a16="http://schemas.microsoft.com/office/drawing/2014/main" id="{050B2E51-C6AF-48ED-A47A-DED700CD51E1}"/>
+                </a:ext>
+              </a:extLst>
+            </p:cNvPr>
+            <p:cNvSpPr txBox="1"/>
+            <p:nvPr/>
+          </p:nvSpPr>
+          <p:spPr>
+            <a:xfrm>
+              <a:off x="2106120" y="3191219"/>
+              <a:ext cx="614912" cy="369332"/>
+            </a:xfrm>
+            <a:prstGeom prst="rect">
+              <a:avLst/>
+            </a:prstGeom>
+            <a:noFill/>
+          </p:spPr>
+          <p:txBody>
+            <a:bodyPr wrap="none" rtlCol="0">
+              <a:spAutoFit/>
+            </a:bodyPr>
+            <a:lstStyle/>
+            <a:p>
+              <a:r>
+                <a:rPr lang="en-GB" b="1"/>
+                <a:t>IVCT</a:t>
+              </a:r>
+            </a:p>
+          </p:txBody>
+        </p:sp>
+        <p:sp>
+          <p:nvSpPr>
+            <p:cNvPr id="4" name="TextBox 3">
+              <a:extLst>
+                <a:ext uri="{FF2B5EF4-FFF2-40B4-BE49-F238E27FC236}">
+                  <a16:creationId xmlns:a16="http://schemas.microsoft.com/office/drawing/2014/main" id="{492C161B-E1D7-4078-A43C-A724F154885A}"/>
+                </a:ext>
+              </a:extLst>
+            </p:cNvPr>
+            <p:cNvSpPr txBox="1"/>
+            <p:nvPr/>
+          </p:nvSpPr>
+          <p:spPr>
+            <a:xfrm>
+              <a:off x="3100825" y="5196247"/>
+              <a:ext cx="1173719" cy="246221"/>
+            </a:xfrm>
+            <a:prstGeom prst="rect">
+              <a:avLst/>
+            </a:prstGeom>
+            <a:noFill/>
+          </p:spPr>
+          <p:txBody>
+            <a:bodyPr wrap="none" rtlCol="0">
+              <a:spAutoFit/>
+            </a:bodyPr>
+            <a:lstStyle>
+              <a:defPPr>
+                <a:defRPr lang="nl-NL"/>
+              </a:defPPr>
+              <a:lvl1pPr>
+                <a:defRPr sz="1000" b="1"/>
+              </a:lvl1pPr>
+            </a:lstStyle>
+            <a:p>
+              <a:r>
+                <a:rPr lang="en-GB"/>
+                <a:t>local area network</a:t>
+              </a:r>
+            </a:p>
+          </p:txBody>
+        </p:sp>
+        <p:sp>
+          <p:nvSpPr>
+            <p:cNvPr id="41" name="Rectangle 40">
+              <a:extLst>
+                <a:ext uri="{FF2B5EF4-FFF2-40B4-BE49-F238E27FC236}">
+                  <a16:creationId xmlns:a16="http://schemas.microsoft.com/office/drawing/2014/main" id="{7C6D96F3-3CF7-49C9-8F47-68C89608129B}"/>
+                </a:ext>
+              </a:extLst>
+            </p:cNvPr>
+            <p:cNvSpPr>
+              <a:spLocks noChangeAspect="1"/>
+            </p:cNvSpPr>
+            <p:nvPr/>
+          </p:nvSpPr>
+          <p:spPr>
+            <a:xfrm>
+              <a:off x="5646172" y="3790475"/>
+              <a:ext cx="1017104" cy="1017104"/>
+            </a:xfrm>
+            <a:prstGeom prst="rect">
+              <a:avLst/>
+            </a:prstGeom>
+            <a:solidFill>
+              <a:schemeClr val="accent6">
+                <a:lumMod val="60000"/>
+                <a:lumOff val="40000"/>
+              </a:schemeClr>
+            </a:solidFill>
+            <a:ln>
+              <a:solidFill>
+                <a:schemeClr val="tx1"/>
+              </a:solidFill>
+            </a:ln>
+          </p:spPr>
+          <p:style>
+            <a:lnRef idx="2">
+              <a:schemeClr val="accent1">
+                <a:shade val="50000"/>
+              </a:schemeClr>
+            </a:lnRef>
+            <a:fillRef idx="1">
+              <a:schemeClr val="accent1"/>
+            </a:fillRef>
+            <a:effectRef idx="0">
+              <a:schemeClr val="accent1"/>
+            </a:effectRef>
+            <a:fontRef idx="minor">
+              <a:schemeClr val="lt1"/>
+            </a:fontRef>
+          </p:style>
+          <p:txBody>
+            <a:bodyPr rtlCol="0" anchor="ctr"/>
+            <a:lstStyle/>
+            <a:p>
+              <a:pPr algn="ctr"/>
+              <a:r>
+                <a:rPr lang="en-GB" b="1">
+                  <a:solidFill>
+                    <a:schemeClr val="tx1"/>
+                  </a:solidFill>
+                </a:rPr>
+                <a:t>MaK RTI Exec</a:t>
+              </a:r>
+            </a:p>
+          </p:txBody>
+        </p:sp>
+      </p:grpSp>
+    </p:spTree>
+    <p:extLst>
+      <p:ext uri="{BB962C8B-B14F-4D97-AF65-F5344CB8AC3E}">
+        <p14:creationId xmlns:p14="http://schemas.microsoft.com/office/powerpoint/2010/main" val="2072359153"/>
+      </p:ext>
+    </p:extLst>
+  </p:cSld>
+  <p:clrMapOvr>
+    <a:masterClrMapping/>
+  </p:clrMapOvr>
+</p:sld>
+</file>
+
+<file path=ppt/slides/slide4.xml><?xml version="1.0" encoding="utf-8"?>
+<p:sld xmlns:a="http://schemas.openxmlformats.org/drawingml/2006/main" xmlns:r="http://schemas.openxmlformats.org/officeDocument/2006/relationships" xmlns:p="http://schemas.openxmlformats.org/presentationml/2006/main">
+  <p:cSld>
+    <p:spTree>
+      <p:nvGrpSpPr>
+        <p:cNvPr id="1" name=""/>
+        <p:cNvGrpSpPr/>
+        <p:nvPr/>
+      </p:nvGrpSpPr>
+      <p:grpSpPr>
+        <a:xfrm>
+          <a:off x="0" y="0"/>
+          <a:ext cx="0" cy="0"/>
+          <a:chOff x="0" y="0"/>
+          <a:chExt cx="0" cy="0"/>
+        </a:xfrm>
+      </p:grpSpPr>
+      <p:sp>
+        <p:nvSpPr>
+          <p:cNvPr id="2" name="Title 1">
+            <a:extLst>
+              <a:ext uri="{FF2B5EF4-FFF2-40B4-BE49-F238E27FC236}">
+                <a16:creationId xmlns:a16="http://schemas.microsoft.com/office/drawing/2014/main" id="{10FE08BE-34AB-4512-A93A-41E8D4DE4C9B}"/>
+              </a:ext>
+            </a:extLst>
+          </p:cNvPr>
+          <p:cNvSpPr>
+            <a:spLocks noGrp="1"/>
+          </p:cNvSpPr>
+          <p:nvPr>
+            <p:ph type="title"/>
+          </p:nvPr>
+        </p:nvSpPr>
+        <p:spPr/>
+        <p:txBody>
+          <a:bodyPr/>
+          <a:lstStyle/>
+          <a:p>
+            <a:r>
+              <a:rPr lang="en-GB"/>
               <a:t>Overlay mode</a:t>
             </a:r>
           </a:p>
@@ -8031,7 +9002,7 @@
 </p:sld>
 </file>
 
-<file path=ppt/slides/slide4.xml><?xml version="1.0" encoding="utf-8"?>
+<file path=ppt/slides/slide5.xml><?xml version="1.0" encoding="utf-8"?>
 <p:sld xmlns:a="http://schemas.openxmlformats.org/drawingml/2006/main" xmlns:r="http://schemas.openxmlformats.org/officeDocument/2006/relationships" xmlns:p="http://schemas.openxmlformats.org/presentationml/2006/main">
   <p:cSld>
     <p:spTree>

--- a/docs/src/images/IVCT Container design.pptx
+++ b/docs/src/images/IVCT Container design.pptx
@@ -6,7 +6,7 @@
   </p:sldMasterIdLst>
   <p:sldIdLst>
     <p:sldId id="256" r:id="rId2"/>
-    <p:sldId id="257" r:id="rId3"/>
+    <p:sldId id="262" r:id="rId3"/>
     <p:sldId id="261" r:id="rId4"/>
     <p:sldId id="258" r:id="rId5"/>
     <p:sldId id="259" r:id="rId6"/>
@@ -265,7 +265,7 @@
           <a:p>
             <a:fld id="{96D79E8F-36EA-4E7D-864E-EAC3DF581472}" type="datetimeFigureOut">
               <a:rPr lang="en-GB" smtClean="0"/>
-              <a:t>07/08/2019</a:t>
+              <a:t>09/08/2019</a:t>
             </a:fld>
             <a:endParaRPr lang="en-GB"/>
           </a:p>
@@ -465,7 +465,7 @@
           <a:p>
             <a:fld id="{96D79E8F-36EA-4E7D-864E-EAC3DF581472}" type="datetimeFigureOut">
               <a:rPr lang="en-GB" smtClean="0"/>
-              <a:t>07/08/2019</a:t>
+              <a:t>09/08/2019</a:t>
             </a:fld>
             <a:endParaRPr lang="en-GB"/>
           </a:p>
@@ -675,7 +675,7 @@
           <a:p>
             <a:fld id="{96D79E8F-36EA-4E7D-864E-EAC3DF581472}" type="datetimeFigureOut">
               <a:rPr lang="en-GB" smtClean="0"/>
-              <a:t>07/08/2019</a:t>
+              <a:t>09/08/2019</a:t>
             </a:fld>
             <a:endParaRPr lang="en-GB"/>
           </a:p>
@@ -875,7 +875,7 @@
           <a:p>
             <a:fld id="{96D79E8F-36EA-4E7D-864E-EAC3DF581472}" type="datetimeFigureOut">
               <a:rPr lang="en-GB" smtClean="0"/>
-              <a:t>07/08/2019</a:t>
+              <a:t>09/08/2019</a:t>
             </a:fld>
             <a:endParaRPr lang="en-GB"/>
           </a:p>
@@ -1151,7 +1151,7 @@
           <a:p>
             <a:fld id="{96D79E8F-36EA-4E7D-864E-EAC3DF581472}" type="datetimeFigureOut">
               <a:rPr lang="en-GB" smtClean="0"/>
-              <a:t>07/08/2019</a:t>
+              <a:t>09/08/2019</a:t>
             </a:fld>
             <a:endParaRPr lang="en-GB"/>
           </a:p>
@@ -1419,7 +1419,7 @@
           <a:p>
             <a:fld id="{96D79E8F-36EA-4E7D-864E-EAC3DF581472}" type="datetimeFigureOut">
               <a:rPr lang="en-GB" smtClean="0"/>
-              <a:t>07/08/2019</a:t>
+              <a:t>09/08/2019</a:t>
             </a:fld>
             <a:endParaRPr lang="en-GB"/>
           </a:p>
@@ -1834,7 +1834,7 @@
           <a:p>
             <a:fld id="{96D79E8F-36EA-4E7D-864E-EAC3DF581472}" type="datetimeFigureOut">
               <a:rPr lang="en-GB" smtClean="0"/>
-              <a:t>07/08/2019</a:t>
+              <a:t>09/08/2019</a:t>
             </a:fld>
             <a:endParaRPr lang="en-GB"/>
           </a:p>
@@ -1976,7 +1976,7 @@
           <a:p>
             <a:fld id="{96D79E8F-36EA-4E7D-864E-EAC3DF581472}" type="datetimeFigureOut">
               <a:rPr lang="en-GB" smtClean="0"/>
-              <a:t>07/08/2019</a:t>
+              <a:t>09/08/2019</a:t>
             </a:fld>
             <a:endParaRPr lang="en-GB"/>
           </a:p>
@@ -2089,7 +2089,7 @@
           <a:p>
             <a:fld id="{96D79E8F-36EA-4E7D-864E-EAC3DF581472}" type="datetimeFigureOut">
               <a:rPr lang="en-GB" smtClean="0"/>
-              <a:t>07/08/2019</a:t>
+              <a:t>09/08/2019</a:t>
             </a:fld>
             <a:endParaRPr lang="en-GB"/>
           </a:p>
@@ -2402,7 +2402,7 @@
           <a:p>
             <a:fld id="{96D79E8F-36EA-4E7D-864E-EAC3DF581472}" type="datetimeFigureOut">
               <a:rPr lang="en-GB" smtClean="0"/>
-              <a:t>07/08/2019</a:t>
+              <a:t>09/08/2019</a:t>
             </a:fld>
             <a:endParaRPr lang="en-GB"/>
           </a:p>
@@ -2691,7 +2691,7 @@
           <a:p>
             <a:fld id="{96D79E8F-36EA-4E7D-864E-EAC3DF581472}" type="datetimeFigureOut">
               <a:rPr lang="en-GB" smtClean="0"/>
-              <a:t>07/08/2019</a:t>
+              <a:t>09/08/2019</a:t>
             </a:fld>
             <a:endParaRPr lang="en-GB"/>
           </a:p>
@@ -2934,7 +2934,7 @@
           <a:p>
             <a:fld id="{96D79E8F-36EA-4E7D-864E-EAC3DF581472}" type="datetimeFigureOut">
               <a:rPr lang="en-GB" smtClean="0"/>
-              <a:t>07/08/2019</a:t>
+              <a:t>09/08/2019</a:t>
             </a:fld>
             <a:endParaRPr lang="en-GB"/>
           </a:p>
@@ -3469,10 +3469,10 @@
       </p:sp>
       <p:grpSp>
         <p:nvGrpSpPr>
-          <p:cNvPr id="7" name="Group 6">
+          <p:cNvPr id="21" name="Group 20">
             <a:extLst>
               <a:ext uri="{FF2B5EF4-FFF2-40B4-BE49-F238E27FC236}">
-                <a16:creationId xmlns:a16="http://schemas.microsoft.com/office/drawing/2014/main" id="{8077A9E1-F43D-4226-A731-D83699E94847}"/>
+                <a16:creationId xmlns:a16="http://schemas.microsoft.com/office/drawing/2014/main" id="{B665CD20-8A91-4A36-B90D-336340E770F3}"/>
               </a:ext>
             </a:extLst>
           </p:cNvPr>
@@ -3481,18 +3481,18 @@
         </p:nvGrpSpPr>
         <p:grpSpPr>
           <a:xfrm>
-            <a:off x="2735939" y="1724538"/>
-            <a:ext cx="7109899" cy="4740239"/>
-            <a:chOff x="2735939" y="1724538"/>
-            <a:chExt cx="7109899" cy="4740239"/>
+            <a:off x="2296190" y="1838977"/>
+            <a:ext cx="7273427" cy="4174860"/>
+            <a:chOff x="2296190" y="1838977"/>
+            <a:chExt cx="7273427" cy="4174860"/>
           </a:xfrm>
         </p:grpSpPr>
         <p:sp>
           <p:nvSpPr>
-            <p:cNvPr id="41" name="Rectangle 40">
-              <a:extLst>
-                <a:ext uri="{FF2B5EF4-FFF2-40B4-BE49-F238E27FC236}">
-                  <a16:creationId xmlns:a16="http://schemas.microsoft.com/office/drawing/2014/main" id="{7081800F-896B-436E-BBEC-363475E6F74B}"/>
+            <p:cNvPr id="96" name="Rectangle 95">
+              <a:extLst>
+                <a:ext uri="{FF2B5EF4-FFF2-40B4-BE49-F238E27FC236}">
+                  <a16:creationId xmlns:a16="http://schemas.microsoft.com/office/drawing/2014/main" id="{CFCB7D3B-E3ED-4B71-9EC9-B6EA28B90EF5}"/>
                 </a:ext>
               </a:extLst>
             </p:cNvPr>
@@ -3501,7 +3501,864 @@
           </p:nvSpPr>
           <p:spPr>
             <a:xfrm>
-              <a:off x="4457480" y="3263400"/>
+              <a:off x="7250214" y="4354491"/>
+              <a:ext cx="790545" cy="702018"/>
+            </a:xfrm>
+            <a:prstGeom prst="rect">
+              <a:avLst/>
+            </a:prstGeom>
+            <a:solidFill>
+              <a:srgbClr val="00B0F0"/>
+            </a:solidFill>
+            <a:ln w="9525" cap="flat" cmpd="sng" algn="ctr">
+              <a:solidFill>
+                <a:sysClr val="windowText" lastClr="000000"/>
+              </a:solidFill>
+              <a:prstDash val="solid"/>
+            </a:ln>
+            <a:effectLst>
+              <a:outerShdw blurRad="40000" dist="23000" dir="5400000" rotWithShape="0">
+                <a:srgbClr val="000000">
+                  <a:alpha val="35000"/>
+                </a:srgbClr>
+              </a:outerShdw>
+            </a:effectLst>
+          </p:spPr>
+          <p:txBody>
+            <a:bodyPr rot="0" spcFirstLastPara="0" vertOverflow="overflow" horzOverflow="overflow" vert="horz" wrap="square" lIns="91440" tIns="45720" rIns="91440" bIns="45720" numCol="1" spcCol="0" rtlCol="0" fromWordArt="0" anchor="ctr" anchorCtr="0" forceAA="0" compatLnSpc="1">
+              <a:prstTxWarp prst="textNoShape">
+                <a:avLst/>
+              </a:prstTxWarp>
+              <a:noAutofit/>
+            </a:bodyPr>
+            <a:lstStyle/>
+            <a:p>
+              <a:pPr marL="0" marR="0" lvl="0" indent="0" algn="ctr" defTabSz="457200" eaLnBrk="1" fontAlgn="auto" latinLnBrk="0" hangingPunct="1">
+                <a:lnSpc>
+                  <a:spcPct val="100000"/>
+                </a:lnSpc>
+                <a:spcBef>
+                  <a:spcPts val="0"/>
+                </a:spcBef>
+                <a:spcAft>
+                  <a:spcPts val="0"/>
+                </a:spcAft>
+                <a:buClrTx/>
+                <a:buSzTx/>
+                <a:buFontTx/>
+                <a:buNone/>
+                <a:tabLst/>
+                <a:defRPr/>
+              </a:pPr>
+              <a:r>
+                <a:rPr kumimoji="0" lang="en-GB" sz="800" b="0" i="0" u="none" strike="noStrike" kern="0" cap="none" spc="0" normalizeH="0" baseline="0" noProof="0">
+                  <a:ln>
+                    <a:noFill/>
+                  </a:ln>
+                  <a:solidFill>
+                    <a:prstClr val="black"/>
+                  </a:solidFill>
+                  <a:effectLst/>
+                  <a:uLnTx/>
+                  <a:uFillTx/>
+                  <a:latin typeface="Arial"/>
+                  <a:ea typeface="+mn-ea"/>
+                  <a:cs typeface="+mn-cs"/>
+                </a:rPr>
+                <a:t> IVCT TC </a:t>
+              </a:r>
+              <a:r>
+                <a:rPr kumimoji="0" lang="en-GB" sz="800" b="0" i="0" u="none" strike="noStrike" kern="0" cap="none" spc="0" normalizeH="0" baseline="0" noProof="0" dirty="0">
+                  <a:ln>
+                    <a:noFill/>
+                  </a:ln>
+                  <a:solidFill>
+                    <a:prstClr val="black"/>
+                  </a:solidFill>
+                  <a:effectLst/>
+                  <a:uLnTx/>
+                  <a:uFillTx/>
+                  <a:latin typeface="Arial"/>
+                  <a:ea typeface="+mn-ea"/>
+                  <a:cs typeface="+mn-cs"/>
+                </a:rPr>
+                <a:t>Runner Application image</a:t>
+              </a:r>
+            </a:p>
+          </p:txBody>
+        </p:sp>
+        <p:cxnSp>
+          <p:nvCxnSpPr>
+            <p:cNvPr id="106" name="Straight Arrow Connector 105">
+              <a:extLst>
+                <a:ext uri="{FF2B5EF4-FFF2-40B4-BE49-F238E27FC236}">
+                  <a16:creationId xmlns:a16="http://schemas.microsoft.com/office/drawing/2014/main" id="{4B6E4212-7F03-401C-A53C-EA49175C8B03}"/>
+                </a:ext>
+              </a:extLst>
+            </p:cNvPr>
+            <p:cNvCxnSpPr>
+              <a:cxnSpLocks/>
+              <a:stCxn id="86" idx="1"/>
+              <a:endCxn id="91" idx="0"/>
+            </p:cNvCxnSpPr>
+            <p:nvPr/>
+          </p:nvCxnSpPr>
+          <p:spPr>
+            <a:xfrm flipH="1">
+              <a:off x="3887390" y="4707559"/>
+              <a:ext cx="562731" cy="149"/>
+            </a:xfrm>
+            <a:prstGeom prst="straightConnector1">
+              <a:avLst/>
+            </a:prstGeom>
+            <a:noFill/>
+            <a:ln w="25400" cap="flat" cmpd="sng" algn="ctr">
+              <a:solidFill>
+                <a:sysClr val="windowText" lastClr="000000"/>
+              </a:solidFill>
+              <a:prstDash val="solid"/>
+              <a:round/>
+              <a:headEnd type="none" w="lg" len="lg"/>
+              <a:tailEnd type="none"/>
+            </a:ln>
+            <a:effectLst/>
+          </p:spPr>
+        </p:cxnSp>
+        <p:cxnSp>
+          <p:nvCxnSpPr>
+            <p:cNvPr id="58" name="Straight Arrow Connector 57">
+              <a:extLst>
+                <a:ext uri="{FF2B5EF4-FFF2-40B4-BE49-F238E27FC236}">
+                  <a16:creationId xmlns:a16="http://schemas.microsoft.com/office/drawing/2014/main" id="{732F0FE0-A77B-4F84-B772-4FE687E9B658}"/>
+                </a:ext>
+              </a:extLst>
+            </p:cNvPr>
+            <p:cNvCxnSpPr>
+              <a:cxnSpLocks/>
+              <a:stCxn id="86" idx="3"/>
+              <a:endCxn id="55" idx="1"/>
+            </p:cNvCxnSpPr>
+            <p:nvPr/>
+          </p:nvCxnSpPr>
+          <p:spPr>
+            <a:xfrm>
+              <a:off x="5240666" y="4707559"/>
+              <a:ext cx="612334" cy="2998"/>
+            </a:xfrm>
+            <a:prstGeom prst="straightConnector1">
+              <a:avLst/>
+            </a:prstGeom>
+            <a:noFill/>
+            <a:ln w="25400" cap="flat" cmpd="sng" algn="ctr">
+              <a:solidFill>
+                <a:sysClr val="windowText" lastClr="000000"/>
+              </a:solidFill>
+              <a:prstDash val="solid"/>
+              <a:round/>
+              <a:headEnd type="none" w="lg" len="lg"/>
+              <a:tailEnd type="none"/>
+            </a:ln>
+            <a:effectLst/>
+          </p:spPr>
+        </p:cxnSp>
+        <p:sp>
+          <p:nvSpPr>
+            <p:cNvPr id="59" name="Flowchart: Decision 58">
+              <a:extLst>
+                <a:ext uri="{FF2B5EF4-FFF2-40B4-BE49-F238E27FC236}">
+                  <a16:creationId xmlns:a16="http://schemas.microsoft.com/office/drawing/2014/main" id="{18A484F8-9711-403A-BBDC-113E766A8F1E}"/>
+                </a:ext>
+              </a:extLst>
+            </p:cNvPr>
+            <p:cNvSpPr>
+              <a:spLocks noChangeAspect="1"/>
+            </p:cNvSpPr>
+            <p:nvPr/>
+          </p:nvSpPr>
+          <p:spPr>
+            <a:xfrm>
+              <a:off x="5257036" y="4635551"/>
+              <a:ext cx="234056" cy="144016"/>
+            </a:xfrm>
+            <a:prstGeom prst="flowChartDecision">
+              <a:avLst/>
+            </a:prstGeom>
+            <a:solidFill>
+              <a:sysClr val="window" lastClr="FFFFFF"/>
+            </a:solidFill>
+            <a:ln w="25400" cap="flat" cmpd="sng" algn="ctr">
+              <a:solidFill>
+                <a:sysClr val="windowText" lastClr="000000"/>
+              </a:solidFill>
+              <a:prstDash val="solid"/>
+            </a:ln>
+            <a:effectLst/>
+          </p:spPr>
+          <p:txBody>
+            <a:bodyPr rtlCol="0" anchor="ctr"/>
+            <a:lstStyle/>
+            <a:p>
+              <a:pPr marL="0" marR="0" lvl="0" indent="0" algn="ctr" defTabSz="457200" eaLnBrk="1" fontAlgn="auto" latinLnBrk="0" hangingPunct="1">
+                <a:lnSpc>
+                  <a:spcPct val="100000"/>
+                </a:lnSpc>
+                <a:spcBef>
+                  <a:spcPts val="0"/>
+                </a:spcBef>
+                <a:spcAft>
+                  <a:spcPts val="0"/>
+                </a:spcAft>
+                <a:buClrTx/>
+                <a:buSzTx/>
+                <a:buFontTx/>
+                <a:buNone/>
+                <a:tabLst/>
+                <a:defRPr/>
+              </a:pPr>
+              <a:endParaRPr kumimoji="0" lang="en-GB" sz="1800" b="0" i="0" u="none" strike="noStrike" kern="0" cap="none" spc="0" normalizeH="0" baseline="0" noProof="0">
+                <a:ln>
+                  <a:noFill/>
+                </a:ln>
+                <a:solidFill>
+                  <a:prstClr val="white"/>
+                </a:solidFill>
+                <a:effectLst/>
+                <a:uLnTx/>
+                <a:uFillTx/>
+                <a:latin typeface="Arial"/>
+                <a:ea typeface="+mn-ea"/>
+                <a:cs typeface="+mn-cs"/>
+              </a:endParaRPr>
+            </a:p>
+          </p:txBody>
+        </p:sp>
+        <p:sp>
+          <p:nvSpPr>
+            <p:cNvPr id="61" name="Rectangle 60">
+              <a:extLst>
+                <a:ext uri="{FF2B5EF4-FFF2-40B4-BE49-F238E27FC236}">
+                  <a16:creationId xmlns:a16="http://schemas.microsoft.com/office/drawing/2014/main" id="{EEB819CD-2E74-46E8-A918-42A3560726DE}"/>
+                </a:ext>
+              </a:extLst>
+            </p:cNvPr>
+            <p:cNvSpPr/>
+            <p:nvPr/>
+          </p:nvSpPr>
+          <p:spPr>
+            <a:xfrm>
+              <a:off x="5852999" y="5311819"/>
+              <a:ext cx="790545" cy="702018"/>
+            </a:xfrm>
+            <a:prstGeom prst="rect">
+              <a:avLst/>
+            </a:prstGeom>
+            <a:solidFill>
+              <a:schemeClr val="bg2"/>
+            </a:solidFill>
+            <a:ln w="9525" cap="flat" cmpd="sng" algn="ctr">
+              <a:solidFill>
+                <a:sysClr val="windowText" lastClr="000000"/>
+              </a:solidFill>
+              <a:prstDash val="solid"/>
+            </a:ln>
+            <a:effectLst>
+              <a:outerShdw blurRad="40000" dist="23000" dir="5400000" rotWithShape="0">
+                <a:srgbClr val="000000">
+                  <a:alpha val="35000"/>
+                </a:srgbClr>
+              </a:outerShdw>
+            </a:effectLst>
+          </p:spPr>
+          <p:txBody>
+            <a:bodyPr rot="0" spcFirstLastPara="0" vertOverflow="overflow" horzOverflow="overflow" vert="horz" wrap="square" lIns="91440" tIns="45720" rIns="91440" bIns="45720" numCol="1" spcCol="0" rtlCol="0" fromWordArt="0" anchor="ctr" anchorCtr="0" forceAA="0" compatLnSpc="1">
+              <a:prstTxWarp prst="textNoShape">
+                <a:avLst/>
+              </a:prstTxWarp>
+              <a:noAutofit/>
+            </a:bodyPr>
+            <a:lstStyle/>
+            <a:p>
+              <a:pPr marL="0" marR="0" lvl="0" indent="0" algn="ctr" defTabSz="457200" eaLnBrk="1" fontAlgn="auto" latinLnBrk="0" hangingPunct="1">
+                <a:lnSpc>
+                  <a:spcPct val="100000"/>
+                </a:lnSpc>
+                <a:spcBef>
+                  <a:spcPts val="0"/>
+                </a:spcBef>
+                <a:spcAft>
+                  <a:spcPts val="0"/>
+                </a:spcAft>
+                <a:buClrTx/>
+                <a:buSzTx/>
+                <a:buFontTx/>
+                <a:buNone/>
+                <a:tabLst/>
+                <a:defRPr/>
+              </a:pPr>
+              <a:r>
+                <a:rPr kumimoji="0" lang="en-GB" sz="800" b="0" i="0" u="none" strike="noStrike" kern="0" cap="none" spc="0" normalizeH="0" baseline="0" noProof="0" dirty="0">
+                  <a:ln>
+                    <a:noFill/>
+                  </a:ln>
+                  <a:solidFill>
+                    <a:prstClr val="black"/>
+                  </a:solidFill>
+                  <a:effectLst/>
+                  <a:uLnTx/>
+                  <a:uFillTx/>
+                  <a:latin typeface="Arial"/>
+                  <a:ea typeface="+mn-ea"/>
+                  <a:cs typeface="+mn-cs"/>
+                </a:rPr>
+                <a:t>Test Suite image</a:t>
+              </a:r>
+            </a:p>
+          </p:txBody>
+        </p:sp>
+        <p:sp>
+          <p:nvSpPr>
+            <p:cNvPr id="71" name="TextBox 70">
+              <a:extLst>
+                <a:ext uri="{FF2B5EF4-FFF2-40B4-BE49-F238E27FC236}">
+                  <a16:creationId xmlns:a16="http://schemas.microsoft.com/office/drawing/2014/main" id="{3CC6A329-D4BB-4B4F-ADEE-0F833FCA1ED3}"/>
+                </a:ext>
+              </a:extLst>
+            </p:cNvPr>
+            <p:cNvSpPr txBox="1"/>
+            <p:nvPr/>
+          </p:nvSpPr>
+          <p:spPr>
+            <a:xfrm>
+              <a:off x="6831038" y="5402460"/>
+              <a:ext cx="603050" cy="246221"/>
+            </a:xfrm>
+            <a:prstGeom prst="rect">
+              <a:avLst/>
+            </a:prstGeom>
+            <a:noFill/>
+          </p:spPr>
+          <p:txBody>
+            <a:bodyPr wrap="none" rtlCol="0">
+              <a:spAutoFit/>
+            </a:bodyPr>
+            <a:lstStyle/>
+            <a:p>
+              <a:pPr defTabSz="457200"/>
+              <a:r>
+                <a:rPr lang="en-GB" sz="1000" dirty="0">
+                  <a:solidFill>
+                    <a:prstClr val="black"/>
+                  </a:solidFill>
+                  <a:latin typeface="Arial"/>
+                </a:rPr>
+                <a:t>mounts</a:t>
+              </a:r>
+            </a:p>
+          </p:txBody>
+        </p:sp>
+        <p:sp>
+          <p:nvSpPr>
+            <p:cNvPr id="72" name="TextBox 71">
+              <a:extLst>
+                <a:ext uri="{FF2B5EF4-FFF2-40B4-BE49-F238E27FC236}">
+                  <a16:creationId xmlns:a16="http://schemas.microsoft.com/office/drawing/2014/main" id="{361376EB-DA3F-408C-B2E3-F4D9873CFFC7}"/>
+                </a:ext>
+              </a:extLst>
+            </p:cNvPr>
+            <p:cNvSpPr txBox="1"/>
+            <p:nvPr/>
+          </p:nvSpPr>
+          <p:spPr>
+            <a:xfrm>
+              <a:off x="5097377" y="5402460"/>
+              <a:ext cx="603050" cy="246221"/>
+            </a:xfrm>
+            <a:prstGeom prst="rect">
+              <a:avLst/>
+            </a:prstGeom>
+            <a:noFill/>
+          </p:spPr>
+          <p:txBody>
+            <a:bodyPr wrap="none" rtlCol="0">
+              <a:spAutoFit/>
+            </a:bodyPr>
+            <a:lstStyle/>
+            <a:p>
+              <a:pPr defTabSz="457200"/>
+              <a:r>
+                <a:rPr lang="en-GB" sz="1000" dirty="0">
+                  <a:solidFill>
+                    <a:prstClr val="black"/>
+                  </a:solidFill>
+                  <a:latin typeface="Arial"/>
+                </a:rPr>
+                <a:t>mounts</a:t>
+              </a:r>
+            </a:p>
+          </p:txBody>
+        </p:sp>
+        <p:sp>
+          <p:nvSpPr>
+            <p:cNvPr id="73" name="TextBox 72">
+              <a:extLst>
+                <a:ext uri="{FF2B5EF4-FFF2-40B4-BE49-F238E27FC236}">
+                  <a16:creationId xmlns:a16="http://schemas.microsoft.com/office/drawing/2014/main" id="{7C022F0D-1E69-40FD-B0FF-3FC12B5BD3C8}"/>
+                </a:ext>
+              </a:extLst>
+            </p:cNvPr>
+            <p:cNvSpPr txBox="1"/>
+            <p:nvPr/>
+          </p:nvSpPr>
+          <p:spPr>
+            <a:xfrm>
+              <a:off x="5257036" y="4366256"/>
+              <a:ext cx="603050" cy="246221"/>
+            </a:xfrm>
+            <a:prstGeom prst="rect">
+              <a:avLst/>
+            </a:prstGeom>
+            <a:noFill/>
+          </p:spPr>
+          <p:txBody>
+            <a:bodyPr wrap="none" rtlCol="0">
+              <a:spAutoFit/>
+            </a:bodyPr>
+            <a:lstStyle/>
+            <a:p>
+              <a:pPr defTabSz="457200"/>
+              <a:r>
+                <a:rPr lang="en-GB" sz="1000" dirty="0">
+                  <a:solidFill>
+                    <a:prstClr val="black"/>
+                  </a:solidFill>
+                  <a:latin typeface="Arial"/>
+                </a:rPr>
+                <a:t>mounts</a:t>
+              </a:r>
+            </a:p>
+          </p:txBody>
+        </p:sp>
+        <p:sp>
+          <p:nvSpPr>
+            <p:cNvPr id="75" name="Rectangle 74">
+              <a:extLst>
+                <a:ext uri="{FF2B5EF4-FFF2-40B4-BE49-F238E27FC236}">
+                  <a16:creationId xmlns:a16="http://schemas.microsoft.com/office/drawing/2014/main" id="{EB31FF7D-2F6F-4D85-ACA8-A7DCDCB9456A}"/>
+                </a:ext>
+              </a:extLst>
+            </p:cNvPr>
+            <p:cNvSpPr/>
+            <p:nvPr/>
+          </p:nvSpPr>
+          <p:spPr>
+            <a:xfrm>
+              <a:off x="3198911" y="2402088"/>
+              <a:ext cx="790545" cy="702018"/>
+            </a:xfrm>
+            <a:prstGeom prst="rect">
+              <a:avLst/>
+            </a:prstGeom>
+            <a:solidFill>
+              <a:sysClr val="window" lastClr="FFFFFF"/>
+            </a:solidFill>
+            <a:ln w="9525" cap="flat" cmpd="sng" algn="ctr">
+              <a:solidFill>
+                <a:sysClr val="windowText" lastClr="000000"/>
+              </a:solidFill>
+              <a:prstDash val="solid"/>
+            </a:ln>
+            <a:effectLst>
+              <a:outerShdw blurRad="40000" dist="23000" dir="5400000" rotWithShape="0">
+                <a:srgbClr val="000000">
+                  <a:alpha val="35000"/>
+                </a:srgbClr>
+              </a:outerShdw>
+            </a:effectLst>
+          </p:spPr>
+          <p:txBody>
+            <a:bodyPr rot="0" spcFirstLastPara="0" vertOverflow="overflow" horzOverflow="overflow" vert="horz" wrap="square" lIns="91440" tIns="45720" rIns="91440" bIns="45720" numCol="1" spcCol="0" rtlCol="0" fromWordArt="0" anchor="ctr" anchorCtr="0" forceAA="0" compatLnSpc="1">
+              <a:prstTxWarp prst="textNoShape">
+                <a:avLst/>
+              </a:prstTxWarp>
+              <a:noAutofit/>
+            </a:bodyPr>
+            <a:lstStyle/>
+            <a:p>
+              <a:pPr algn="ctr" defTabSz="457200"/>
+              <a:r>
+                <a:rPr lang="en-GB" sz="800" kern="0" dirty="0">
+                  <a:solidFill>
+                    <a:prstClr val="black"/>
+                  </a:solidFill>
+                  <a:latin typeface="Arial"/>
+                </a:rPr>
+                <a:t>Pitch CRC image</a:t>
+              </a:r>
+            </a:p>
+          </p:txBody>
+        </p:sp>
+        <p:sp>
+          <p:nvSpPr>
+            <p:cNvPr id="76" name="TextBox 75">
+              <a:extLst>
+                <a:ext uri="{FF2B5EF4-FFF2-40B4-BE49-F238E27FC236}">
+                  <a16:creationId xmlns:a16="http://schemas.microsoft.com/office/drawing/2014/main" id="{109E605F-26D8-499C-9A8C-7704FBB97F9E}"/>
+                </a:ext>
+              </a:extLst>
+            </p:cNvPr>
+            <p:cNvSpPr txBox="1"/>
+            <p:nvPr/>
+          </p:nvSpPr>
+          <p:spPr>
+            <a:xfrm>
+              <a:off x="3141677" y="3225582"/>
+              <a:ext cx="1300356" cy="246221"/>
+            </a:xfrm>
+            <a:prstGeom prst="rect">
+              <a:avLst/>
+            </a:prstGeom>
+            <a:noFill/>
+          </p:spPr>
+          <p:txBody>
+            <a:bodyPr wrap="none" rtlCol="0">
+              <a:spAutoFit/>
+            </a:bodyPr>
+            <a:lstStyle/>
+            <a:p>
+              <a:pPr defTabSz="457200"/>
+              <a:r>
+                <a:rPr lang="en-GB" sz="1000" i="1">
+                  <a:solidFill>
+                    <a:prstClr val="black"/>
+                  </a:solidFill>
+                  <a:latin typeface="Arial"/>
+                </a:rPr>
+                <a:t>RTI specific images</a:t>
+              </a:r>
+              <a:endParaRPr lang="en-GB" sz="1000" i="1" dirty="0">
+                <a:solidFill>
+                  <a:prstClr val="black"/>
+                </a:solidFill>
+                <a:latin typeface="Arial"/>
+              </a:endParaRPr>
+            </a:p>
+          </p:txBody>
+        </p:sp>
+        <p:sp>
+          <p:nvSpPr>
+            <p:cNvPr id="77" name="Rectangle 76">
+              <a:extLst>
+                <a:ext uri="{FF2B5EF4-FFF2-40B4-BE49-F238E27FC236}">
+                  <a16:creationId xmlns:a16="http://schemas.microsoft.com/office/drawing/2014/main" id="{E31C6711-4CF0-4BDF-BF4B-8B8BC8FAC23C}"/>
+                </a:ext>
+              </a:extLst>
+            </p:cNvPr>
+            <p:cNvSpPr/>
+            <p:nvPr/>
+          </p:nvSpPr>
+          <p:spPr>
+            <a:xfrm>
+              <a:off x="2296190" y="3253982"/>
+              <a:ext cx="790545" cy="702018"/>
+            </a:xfrm>
+            <a:prstGeom prst="rect">
+              <a:avLst/>
+            </a:prstGeom>
+            <a:solidFill>
+              <a:sysClr val="window" lastClr="FFFFFF"/>
+            </a:solidFill>
+            <a:ln w="9525" cap="flat" cmpd="sng" algn="ctr">
+              <a:solidFill>
+                <a:sysClr val="windowText" lastClr="000000"/>
+              </a:solidFill>
+              <a:prstDash val="solid"/>
+            </a:ln>
+            <a:effectLst>
+              <a:outerShdw blurRad="40000" dist="23000" dir="5400000" rotWithShape="0">
+                <a:srgbClr val="000000">
+                  <a:alpha val="35000"/>
+                </a:srgbClr>
+              </a:outerShdw>
+            </a:effectLst>
+          </p:spPr>
+          <p:txBody>
+            <a:bodyPr rot="0" spcFirstLastPara="0" vertOverflow="overflow" horzOverflow="overflow" vert="horz" wrap="square" lIns="91440" tIns="45720" rIns="91440" bIns="45720" numCol="1" spcCol="0" rtlCol="0" fromWordArt="0" anchor="ctr" anchorCtr="0" forceAA="0" compatLnSpc="1">
+              <a:prstTxWarp prst="textNoShape">
+                <a:avLst/>
+              </a:prstTxWarp>
+              <a:noAutofit/>
+            </a:bodyPr>
+            <a:lstStyle/>
+            <a:p>
+              <a:pPr algn="ctr" defTabSz="457200"/>
+              <a:r>
+                <a:rPr lang="en-GB" sz="800" kern="0" dirty="0">
+                  <a:solidFill>
+                    <a:prstClr val="black"/>
+                  </a:solidFill>
+                  <a:latin typeface="Arial"/>
+                </a:rPr>
+                <a:t>Pitch Booster image</a:t>
+              </a:r>
+            </a:p>
+          </p:txBody>
+        </p:sp>
+        <p:sp>
+          <p:nvSpPr>
+            <p:cNvPr id="81" name="Rectangle 80">
+              <a:extLst>
+                <a:ext uri="{FF2B5EF4-FFF2-40B4-BE49-F238E27FC236}">
+                  <a16:creationId xmlns:a16="http://schemas.microsoft.com/office/drawing/2014/main" id="{B3422A81-38AE-4B53-9474-19EA3BD724C8}"/>
+                </a:ext>
+              </a:extLst>
+            </p:cNvPr>
+            <p:cNvSpPr/>
+            <p:nvPr/>
+          </p:nvSpPr>
+          <p:spPr>
+            <a:xfrm>
+              <a:off x="2296191" y="2402088"/>
+              <a:ext cx="790545" cy="702018"/>
+            </a:xfrm>
+            <a:prstGeom prst="rect">
+              <a:avLst/>
+            </a:prstGeom>
+            <a:solidFill>
+              <a:sysClr val="window" lastClr="FFFFFF"/>
+            </a:solidFill>
+            <a:ln w="9525" cap="flat" cmpd="sng" algn="ctr">
+              <a:solidFill>
+                <a:sysClr val="windowText" lastClr="000000"/>
+              </a:solidFill>
+              <a:prstDash val="solid"/>
+            </a:ln>
+            <a:effectLst>
+              <a:outerShdw blurRad="40000" dist="23000" dir="5400000" rotWithShape="0">
+                <a:srgbClr val="000000">
+                  <a:alpha val="35000"/>
+                </a:srgbClr>
+              </a:outerShdw>
+            </a:effectLst>
+          </p:spPr>
+          <p:txBody>
+            <a:bodyPr rot="0" spcFirstLastPara="0" vertOverflow="overflow" horzOverflow="overflow" vert="horz" wrap="square" lIns="91440" tIns="45720" rIns="91440" bIns="45720" numCol="1" spcCol="0" rtlCol="0" fromWordArt="0" anchor="ctr" anchorCtr="0" forceAA="0" compatLnSpc="1">
+              <a:prstTxWarp prst="textNoShape">
+                <a:avLst/>
+              </a:prstTxWarp>
+              <a:noAutofit/>
+            </a:bodyPr>
+            <a:lstStyle/>
+            <a:p>
+              <a:pPr algn="ctr" defTabSz="457200"/>
+              <a:r>
+                <a:rPr lang="en-GB" sz="800" kern="0">
+                  <a:solidFill>
+                    <a:prstClr val="black"/>
+                  </a:solidFill>
+                  <a:latin typeface="Arial"/>
+                </a:rPr>
+                <a:t>VTMaK RTI Exec image</a:t>
+              </a:r>
+              <a:endParaRPr lang="en-GB" sz="800" kern="0" dirty="0">
+                <a:solidFill>
+                  <a:prstClr val="black"/>
+                </a:solidFill>
+                <a:latin typeface="Arial"/>
+              </a:endParaRPr>
+            </a:p>
+          </p:txBody>
+        </p:sp>
+        <p:sp>
+          <p:nvSpPr>
+            <p:cNvPr id="82" name="TextBox 81">
+              <a:extLst>
+                <a:ext uri="{FF2B5EF4-FFF2-40B4-BE49-F238E27FC236}">
+                  <a16:creationId xmlns:a16="http://schemas.microsoft.com/office/drawing/2014/main" id="{ED28F82A-5ED5-440B-A13C-6A7192F54338}"/>
+                </a:ext>
+              </a:extLst>
+            </p:cNvPr>
+            <p:cNvSpPr txBox="1"/>
+            <p:nvPr/>
+          </p:nvSpPr>
+          <p:spPr>
+            <a:xfrm>
+              <a:off x="7803512" y="3449484"/>
+              <a:ext cx="1766105" cy="553998"/>
+            </a:xfrm>
+            <a:prstGeom prst="rect">
+              <a:avLst/>
+            </a:prstGeom>
+            <a:noFill/>
+          </p:spPr>
+          <p:txBody>
+            <a:bodyPr wrap="square" rtlCol="0">
+              <a:spAutoFit/>
+            </a:bodyPr>
+            <a:lstStyle/>
+            <a:p>
+              <a:pPr defTabSz="457200"/>
+              <a:r>
+                <a:rPr lang="en-GB" sz="1000" i="1">
+                  <a:solidFill>
+                    <a:prstClr val="black"/>
+                  </a:solidFill>
+                  <a:latin typeface="Arial"/>
+                </a:rPr>
+                <a:t>There is an LRC Base image for specific RTIs (Pitch, VTMaK, Portico)</a:t>
+              </a:r>
+              <a:endParaRPr lang="en-GB" sz="1000" i="1" dirty="0">
+                <a:solidFill>
+                  <a:prstClr val="black"/>
+                </a:solidFill>
+                <a:latin typeface="Arial"/>
+              </a:endParaRPr>
+            </a:p>
+          </p:txBody>
+        </p:sp>
+        <p:grpSp>
+          <p:nvGrpSpPr>
+            <p:cNvPr id="139" name="Group 138">
+              <a:extLst>
+                <a:ext uri="{FF2B5EF4-FFF2-40B4-BE49-F238E27FC236}">
+                  <a16:creationId xmlns:a16="http://schemas.microsoft.com/office/drawing/2014/main" id="{F038715C-E98F-4ECA-8680-B0D71D237218}"/>
+                </a:ext>
+              </a:extLst>
+            </p:cNvPr>
+            <p:cNvGrpSpPr/>
+            <p:nvPr/>
+          </p:nvGrpSpPr>
+          <p:grpSpPr>
+            <a:xfrm rot="5400000">
+              <a:off x="5957308" y="3996094"/>
+              <a:ext cx="582127" cy="144777"/>
+              <a:chOff x="5188180" y="2971746"/>
+              <a:chExt cx="862837" cy="226685"/>
+            </a:xfrm>
+          </p:grpSpPr>
+          <p:cxnSp>
+            <p:nvCxnSpPr>
+              <p:cNvPr id="140" name="Straight Arrow Connector 139">
+                <a:extLst>
+                  <a:ext uri="{FF2B5EF4-FFF2-40B4-BE49-F238E27FC236}">
+                    <a16:creationId xmlns:a16="http://schemas.microsoft.com/office/drawing/2014/main" id="{4349F94E-7901-4EBF-A7D2-C457152113DC}"/>
+                  </a:ext>
+                </a:extLst>
+              </p:cNvPr>
+              <p:cNvCxnSpPr>
+                <a:cxnSpLocks/>
+                <a:stCxn id="79" idx="2"/>
+                <a:endCxn id="55" idx="0"/>
+              </p:cNvCxnSpPr>
+              <p:nvPr/>
+            </p:nvCxnSpPr>
+            <p:spPr>
+              <a:xfrm rot="16200000">
+                <a:off x="5619599" y="2653824"/>
+                <a:ext cx="0" cy="862837"/>
+              </a:xfrm>
+              <a:prstGeom prst="straightConnector1">
+                <a:avLst/>
+              </a:prstGeom>
+              <a:noFill/>
+              <a:ln w="25400" cap="flat" cmpd="sng" algn="ctr">
+                <a:solidFill>
+                  <a:sysClr val="windowText" lastClr="000000"/>
+                </a:solidFill>
+                <a:prstDash val="solid"/>
+                <a:round/>
+                <a:headEnd type="none" w="lg" len="lg"/>
+                <a:tailEnd type="none"/>
+              </a:ln>
+              <a:effectLst/>
+            </p:spPr>
+          </p:cxnSp>
+          <p:sp>
+            <p:nvSpPr>
+              <p:cNvPr id="141" name="Flowchart: Decision 140">
+                <a:extLst>
+                  <a:ext uri="{FF2B5EF4-FFF2-40B4-BE49-F238E27FC236}">
+                    <a16:creationId xmlns:a16="http://schemas.microsoft.com/office/drawing/2014/main" id="{DC79200C-264D-4E13-BAA8-DD9E4104C7A2}"/>
+                  </a:ext>
+                </a:extLst>
+              </p:cNvPr>
+              <p:cNvSpPr>
+                <a:spLocks noChangeAspect="1"/>
+              </p:cNvSpPr>
+              <p:nvPr/>
+            </p:nvSpPr>
+            <p:spPr>
+              <a:xfrm>
+                <a:off x="5197115" y="2971746"/>
+                <a:ext cx="338336" cy="226685"/>
+              </a:xfrm>
+              <a:prstGeom prst="flowChartDecision">
+                <a:avLst/>
+              </a:prstGeom>
+              <a:solidFill>
+                <a:sysClr val="window" lastClr="FFFFFF"/>
+              </a:solidFill>
+              <a:ln w="25400" cap="flat" cmpd="sng" algn="ctr">
+                <a:solidFill>
+                  <a:sysClr val="windowText" lastClr="000000"/>
+                </a:solidFill>
+                <a:prstDash val="solid"/>
+              </a:ln>
+              <a:effectLst/>
+            </p:spPr>
+            <p:txBody>
+              <a:bodyPr rtlCol="0" anchor="ctr"/>
+              <a:lstStyle/>
+              <a:p>
+                <a:pPr marL="0" marR="0" lvl="0" indent="0" algn="ctr" defTabSz="457200" eaLnBrk="1" fontAlgn="auto" latinLnBrk="0" hangingPunct="1">
+                  <a:lnSpc>
+                    <a:spcPct val="100000"/>
+                  </a:lnSpc>
+                  <a:spcBef>
+                    <a:spcPts val="0"/>
+                  </a:spcBef>
+                  <a:spcAft>
+                    <a:spcPts val="0"/>
+                  </a:spcAft>
+                  <a:buClrTx/>
+                  <a:buSzTx/>
+                  <a:buFontTx/>
+                  <a:buNone/>
+                  <a:tabLst/>
+                  <a:defRPr/>
+                </a:pPr>
+                <a:endParaRPr kumimoji="0" lang="en-GB" sz="1800" b="0" i="0" u="none" strike="noStrike" kern="0" cap="none" spc="0" normalizeH="0" baseline="0" noProof="0">
+                  <a:ln>
+                    <a:noFill/>
+                  </a:ln>
+                  <a:solidFill>
+                    <a:prstClr val="white"/>
+                  </a:solidFill>
+                  <a:effectLst/>
+                  <a:uLnTx/>
+                  <a:uFillTx/>
+                  <a:latin typeface="Arial"/>
+                  <a:ea typeface="+mn-ea"/>
+                  <a:cs typeface="+mn-cs"/>
+                </a:endParaRPr>
+              </a:p>
+            </p:txBody>
+          </p:sp>
+        </p:grpSp>
+        <p:sp>
+          <p:nvSpPr>
+            <p:cNvPr id="79" name="Rectangle 78">
+              <a:extLst>
+                <a:ext uri="{FF2B5EF4-FFF2-40B4-BE49-F238E27FC236}">
+                  <a16:creationId xmlns:a16="http://schemas.microsoft.com/office/drawing/2014/main" id="{77601163-4812-40FE-9F0D-B4EA5743789C}"/>
+                </a:ext>
+              </a:extLst>
+            </p:cNvPr>
+            <p:cNvSpPr/>
+            <p:nvPr/>
+          </p:nvSpPr>
+          <p:spPr>
+            <a:xfrm>
+              <a:off x="5853000" y="3075403"/>
               <a:ext cx="790545" cy="702018"/>
             </a:xfrm>
             <a:prstGeom prst="rect">
@@ -3589,10 +4446,10 @@
         </p:sp>
         <p:sp>
           <p:nvSpPr>
-            <p:cNvPr id="42" name="Rectangle 41">
-              <a:extLst>
-                <a:ext uri="{FF2B5EF4-FFF2-40B4-BE49-F238E27FC236}">
-                  <a16:creationId xmlns:a16="http://schemas.microsoft.com/office/drawing/2014/main" id="{C882672A-7DD7-41BC-8AE8-7C0BF7B94795}"/>
+            <p:cNvPr id="86" name="Rectangle 85">
+              <a:extLst>
+                <a:ext uri="{FF2B5EF4-FFF2-40B4-BE49-F238E27FC236}">
+                  <a16:creationId xmlns:a16="http://schemas.microsoft.com/office/drawing/2014/main" id="{895E5872-7305-4F11-A6B8-93084FF76829}"/>
                 </a:ext>
               </a:extLst>
             </p:cNvPr>
@@ -3601,7 +4458,7 @@
           </p:nvSpPr>
           <p:spPr>
             <a:xfrm>
-              <a:off x="5866344" y="4532361"/>
+              <a:off x="4450121" y="4356550"/>
               <a:ext cx="790545" cy="702018"/>
             </a:xfrm>
             <a:prstGeom prst="rect">
@@ -3689,10 +4546,10 @@
         </p:sp>
         <p:sp>
           <p:nvSpPr>
-            <p:cNvPr id="43" name="Rectangle 42">
-              <a:extLst>
-                <a:ext uri="{FF2B5EF4-FFF2-40B4-BE49-F238E27FC236}">
-                  <a16:creationId xmlns:a16="http://schemas.microsoft.com/office/drawing/2014/main" id="{AD5EF2F9-FF80-4E06-A1FD-C73AECE2D30E}"/>
+            <p:cNvPr id="87" name="Rectangle 86">
+              <a:extLst>
+                <a:ext uri="{FF2B5EF4-FFF2-40B4-BE49-F238E27FC236}">
+                  <a16:creationId xmlns:a16="http://schemas.microsoft.com/office/drawing/2014/main" id="{69C7CB5F-F284-488B-AA45-5A23B243DBEF}"/>
                 </a:ext>
               </a:extLst>
             </p:cNvPr>
@@ -3701,7 +4558,7 @@
           </p:nvSpPr>
           <p:spPr>
             <a:xfrm>
-              <a:off x="5866342" y="5762759"/>
+              <a:off x="3086736" y="4354488"/>
               <a:ext cx="790545" cy="702018"/>
             </a:xfrm>
             <a:prstGeom prst="rect">
@@ -3746,139 +4603,83 @@
             </a:p>
           </p:txBody>
         </p:sp>
-        <p:grpSp>
-          <p:nvGrpSpPr>
-            <p:cNvPr id="44" name="Group 43">
-              <a:extLst>
-                <a:ext uri="{FF2B5EF4-FFF2-40B4-BE49-F238E27FC236}">
-                  <a16:creationId xmlns:a16="http://schemas.microsoft.com/office/drawing/2014/main" id="{B6FEDF78-2767-49EA-867D-2E3D210339A4}"/>
-                </a:ext>
-              </a:extLst>
-            </p:cNvPr>
-            <p:cNvGrpSpPr/>
-            <p:nvPr/>
-          </p:nvGrpSpPr>
-          <p:grpSpPr>
-            <a:xfrm rot="10800000">
-              <a:off x="6195059" y="5234378"/>
-              <a:ext cx="138944" cy="528379"/>
-              <a:chOff x="1691680" y="2759224"/>
-              <a:chExt cx="288032" cy="813792"/>
-            </a:xfrm>
-          </p:grpSpPr>
-          <p:cxnSp>
-            <p:nvCxnSpPr>
-              <p:cNvPr id="45" name="Straight Arrow Connector 44">
-                <a:extLst>
-                  <a:ext uri="{FF2B5EF4-FFF2-40B4-BE49-F238E27FC236}">
-                    <a16:creationId xmlns:a16="http://schemas.microsoft.com/office/drawing/2014/main" id="{E5754A8A-B65E-4D9B-8AC7-42D7AE7ECD27}"/>
-                  </a:ext>
-                </a:extLst>
-              </p:cNvPr>
-              <p:cNvCxnSpPr>
-                <a:cxnSpLocks/>
-              </p:cNvCxnSpPr>
-              <p:nvPr/>
-            </p:nvCxnSpPr>
-            <p:spPr>
-              <a:xfrm>
-                <a:off x="1835696" y="2759224"/>
-                <a:ext cx="0" cy="813792"/>
-              </a:xfrm>
-              <a:prstGeom prst="straightConnector1">
-                <a:avLst/>
-              </a:prstGeom>
-              <a:noFill/>
-              <a:ln w="25400" cap="flat" cmpd="sng" algn="ctr">
-                <a:solidFill>
-                  <a:sysClr val="windowText" lastClr="000000"/>
-                </a:solidFill>
-                <a:prstDash val="solid"/>
-                <a:round/>
-                <a:headEnd type="none" w="lg" len="lg"/>
-                <a:tailEnd type="none"/>
-              </a:ln>
-              <a:effectLst/>
-            </p:spPr>
-          </p:cxnSp>
-          <p:sp>
-            <p:nvSpPr>
-              <p:cNvPr id="46" name="Isosceles Triangle 45">
-                <a:extLst>
-                  <a:ext uri="{FF2B5EF4-FFF2-40B4-BE49-F238E27FC236}">
-                    <a16:creationId xmlns:a16="http://schemas.microsoft.com/office/drawing/2014/main" id="{BB5C9EB6-13FE-4FB5-8B6F-95EB0D482CD5}"/>
-                  </a:ext>
-                </a:extLst>
-              </p:cNvPr>
-              <p:cNvSpPr>
-                <a:spLocks noChangeAspect="1"/>
-              </p:cNvSpPr>
-              <p:nvPr/>
-            </p:nvSpPr>
-            <p:spPr>
-              <a:xfrm>
-                <a:off x="1691680" y="2780928"/>
-                <a:ext cx="288032" cy="248304"/>
-              </a:xfrm>
-              <a:prstGeom prst="triangle">
-                <a:avLst/>
-              </a:prstGeom>
-              <a:solidFill>
-                <a:sysClr val="window" lastClr="FFFFFF"/>
-              </a:solidFill>
-              <a:ln w="25400" cap="flat" cmpd="sng" algn="ctr">
-                <a:solidFill>
-                  <a:sysClr val="windowText" lastClr="000000"/>
-                </a:solidFill>
-                <a:prstDash val="solid"/>
-              </a:ln>
-              <a:effectLst/>
-            </p:spPr>
-            <p:txBody>
-              <a:bodyPr rtlCol="0" anchor="ctr"/>
-              <a:lstStyle/>
-              <a:p>
-                <a:pPr marL="0" marR="0" lvl="0" indent="0" algn="ctr" defTabSz="457200" eaLnBrk="1" fontAlgn="auto" latinLnBrk="0" hangingPunct="1">
-                  <a:lnSpc>
-                    <a:spcPct val="100000"/>
-                  </a:lnSpc>
-                  <a:spcBef>
-                    <a:spcPts val="0"/>
-                  </a:spcBef>
-                  <a:spcAft>
-                    <a:spcPts val="0"/>
-                  </a:spcAft>
-                  <a:buClrTx/>
-                  <a:buSzTx/>
-                  <a:buFontTx/>
-                  <a:buNone/>
-                  <a:tabLst/>
-                  <a:defRPr/>
-                </a:pPr>
-                <a:endParaRPr kumimoji="0" lang="en-GB" sz="1800" b="0" i="0" u="none" strike="noStrike" kern="0" cap="none" spc="0" normalizeH="0" baseline="0" noProof="0">
-                  <a:ln>
-                    <a:noFill/>
-                  </a:ln>
-                  <a:solidFill>
-                    <a:prstClr val="white"/>
-                  </a:solidFill>
-                  <a:effectLst/>
-                  <a:uLnTx/>
-                  <a:uFillTx/>
-                  <a:latin typeface="Arial"/>
-                  <a:ea typeface="+mn-ea"/>
-                  <a:cs typeface="+mn-cs"/>
-                </a:endParaRPr>
-              </a:p>
-            </p:txBody>
-          </p:sp>
-        </p:grpSp>
         <p:sp>
           <p:nvSpPr>
-            <p:cNvPr id="47" name="Rectangle 46">
-              <a:extLst>
-                <a:ext uri="{FF2B5EF4-FFF2-40B4-BE49-F238E27FC236}">
-                  <a16:creationId xmlns:a16="http://schemas.microsoft.com/office/drawing/2014/main" id="{9B4C75A7-4F17-44A9-8330-6AB17C780FB6}"/>
+            <p:cNvPr id="91" name="Isosceles Triangle 90">
+              <a:extLst>
+                <a:ext uri="{FF2B5EF4-FFF2-40B4-BE49-F238E27FC236}">
+                  <a16:creationId xmlns:a16="http://schemas.microsoft.com/office/drawing/2014/main" id="{4BAC46E5-5EEC-4DA0-A5EE-6979D957C6D4}"/>
+                </a:ext>
+              </a:extLst>
+            </p:cNvPr>
+            <p:cNvSpPr>
+              <a:spLocks noChangeAspect="1"/>
+            </p:cNvSpPr>
+            <p:nvPr/>
+          </p:nvSpPr>
+          <p:spPr>
+            <a:xfrm rot="16200000">
+              <a:off x="3898527" y="4627098"/>
+              <a:ext cx="138944" cy="161219"/>
+            </a:xfrm>
+            <a:prstGeom prst="triangle">
+              <a:avLst/>
+            </a:prstGeom>
+            <a:solidFill>
+              <a:sysClr val="window" lastClr="FFFFFF"/>
+            </a:solidFill>
+            <a:ln w="25400" cap="flat" cmpd="sng" algn="ctr">
+              <a:solidFill>
+                <a:sysClr val="windowText" lastClr="000000"/>
+              </a:solidFill>
+              <a:prstDash val="solid"/>
+            </a:ln>
+            <a:effectLst/>
+          </p:spPr>
+          <p:txBody>
+            <a:bodyPr rtlCol="0" anchor="ctr"/>
+            <a:lstStyle/>
+            <a:p>
+              <a:pPr marL="0" marR="0" lvl="0" indent="0" algn="ctr" defTabSz="457200" eaLnBrk="1" fontAlgn="auto" latinLnBrk="0" hangingPunct="1">
+                <a:lnSpc>
+                  <a:spcPct val="100000"/>
+                </a:lnSpc>
+                <a:spcBef>
+                  <a:spcPts val="0"/>
+                </a:spcBef>
+                <a:spcAft>
+                  <a:spcPts val="0"/>
+                </a:spcAft>
+                <a:buClrTx/>
+                <a:buSzTx/>
+                <a:buFontTx/>
+                <a:buNone/>
+                <a:tabLst/>
+                <a:defRPr/>
+              </a:pPr>
+              <a:endParaRPr kumimoji="0" lang="en-GB" sz="1800" b="0" i="0" u="none" strike="noStrike" kern="0" cap="none" spc="0" normalizeH="0" baseline="0" noProof="0">
+                <a:ln>
+                  <a:noFill/>
+                </a:ln>
+                <a:solidFill>
+                  <a:prstClr val="white"/>
+                </a:solidFill>
+                <a:effectLst/>
+                <a:uLnTx/>
+                <a:uFillTx/>
+                <a:latin typeface="Arial"/>
+                <a:ea typeface="+mn-ea"/>
+                <a:cs typeface="+mn-cs"/>
+              </a:endParaRPr>
+            </a:p>
+          </p:txBody>
+        </p:sp>
+        <p:sp>
+          <p:nvSpPr>
+            <p:cNvPr id="92" name="Rectangle 91">
+              <a:extLst>
+                <a:ext uri="{FF2B5EF4-FFF2-40B4-BE49-F238E27FC236}">
+                  <a16:creationId xmlns:a16="http://schemas.microsoft.com/office/drawing/2014/main" id="{BAAC3848-C5CF-4A94-AFBF-048F2CFEF509}"/>
                 </a:ext>
               </a:extLst>
             </p:cNvPr>
@@ -3887,7 +4688,7 @@
           </p:nvSpPr>
           <p:spPr>
             <a:xfrm>
-              <a:off x="7272441" y="2011913"/>
+              <a:off x="8653091" y="4361931"/>
               <a:ext cx="790545" cy="702018"/>
             </a:xfrm>
             <a:prstGeom prst="rect">
@@ -3973,177 +4774,78 @@
             </a:p>
           </p:txBody>
         </p:sp>
-        <p:grpSp>
-          <p:nvGrpSpPr>
-            <p:cNvPr id="48" name="Group 47">
-              <a:extLst>
-                <a:ext uri="{FF2B5EF4-FFF2-40B4-BE49-F238E27FC236}">
-                  <a16:creationId xmlns:a16="http://schemas.microsoft.com/office/drawing/2014/main" id="{A656764D-28D2-44D6-A951-7C9E504390A8}"/>
-                </a:ext>
-              </a:extLst>
-            </p:cNvPr>
-            <p:cNvGrpSpPr/>
-            <p:nvPr/>
-          </p:nvGrpSpPr>
-          <p:grpSpPr>
-            <a:xfrm>
-              <a:off x="7595326" y="2723512"/>
-              <a:ext cx="144777" cy="539635"/>
-              <a:chOff x="1691680" y="2759224"/>
-              <a:chExt cx="288032" cy="813792"/>
-            </a:xfrm>
-          </p:grpSpPr>
-          <p:cxnSp>
-            <p:nvCxnSpPr>
-              <p:cNvPr id="49" name="Straight Arrow Connector 48">
-                <a:extLst>
-                  <a:ext uri="{FF2B5EF4-FFF2-40B4-BE49-F238E27FC236}">
-                    <a16:creationId xmlns:a16="http://schemas.microsoft.com/office/drawing/2014/main" id="{6B83BB5F-F721-4961-AD51-DE60E0AC8167}"/>
-                  </a:ext>
-                </a:extLst>
-              </p:cNvPr>
-              <p:cNvCxnSpPr>
-                <a:cxnSpLocks/>
-              </p:cNvCxnSpPr>
-              <p:nvPr/>
-            </p:nvCxnSpPr>
-            <p:spPr>
-              <a:xfrm>
-                <a:off x="1835696" y="2759224"/>
-                <a:ext cx="0" cy="813792"/>
-              </a:xfrm>
-              <a:prstGeom prst="straightConnector1">
-                <a:avLst/>
-              </a:prstGeom>
-              <a:noFill/>
-              <a:ln w="25400" cap="flat" cmpd="sng" algn="ctr">
-                <a:solidFill>
-                  <a:sysClr val="windowText" lastClr="000000"/>
-                </a:solidFill>
-                <a:prstDash val="solid"/>
-                <a:round/>
-                <a:headEnd type="none" w="lg" len="lg"/>
-                <a:tailEnd type="none"/>
-              </a:ln>
-              <a:effectLst/>
-            </p:spPr>
-          </p:cxnSp>
-          <p:sp>
-            <p:nvSpPr>
-              <p:cNvPr id="50" name="Isosceles Triangle 49">
-                <a:extLst>
-                  <a:ext uri="{FF2B5EF4-FFF2-40B4-BE49-F238E27FC236}">
-                    <a16:creationId xmlns:a16="http://schemas.microsoft.com/office/drawing/2014/main" id="{F1EB25C8-DACA-467D-B717-BCC90B7B9B73}"/>
-                  </a:ext>
-                </a:extLst>
-              </p:cNvPr>
-              <p:cNvSpPr>
-                <a:spLocks noChangeAspect="1"/>
-              </p:cNvSpPr>
-              <p:nvPr/>
-            </p:nvSpPr>
-            <p:spPr>
-              <a:xfrm>
-                <a:off x="1691680" y="2780928"/>
-                <a:ext cx="288032" cy="248304"/>
-              </a:xfrm>
-              <a:prstGeom prst="triangle">
-                <a:avLst/>
-              </a:prstGeom>
+        <p:cxnSp>
+          <p:nvCxnSpPr>
+            <p:cNvPr id="94" name="Straight Arrow Connector 93">
+              <a:extLst>
+                <a:ext uri="{FF2B5EF4-FFF2-40B4-BE49-F238E27FC236}">
+                  <a16:creationId xmlns:a16="http://schemas.microsoft.com/office/drawing/2014/main" id="{76252450-2EDA-4CCB-A1CB-A9B1DA8A986F}"/>
+                </a:ext>
+              </a:extLst>
+            </p:cNvPr>
+            <p:cNvCxnSpPr>
+              <a:cxnSpLocks/>
+              <a:stCxn id="92" idx="1"/>
+              <a:endCxn id="96" idx="3"/>
+            </p:cNvCxnSpPr>
+            <p:nvPr/>
+          </p:nvCxnSpPr>
+          <p:spPr>
+            <a:xfrm flipH="1" flipV="1">
+              <a:off x="8040759" y="4705500"/>
+              <a:ext cx="612332" cy="7440"/>
+            </a:xfrm>
+            <a:prstGeom prst="straightConnector1">
+              <a:avLst/>
+            </a:prstGeom>
+            <a:noFill/>
+            <a:ln w="25400" cap="flat" cmpd="sng" algn="ctr">
               <a:solidFill>
-                <a:sysClr val="window" lastClr="FFFFFF"/>
+                <a:sysClr val="windowText" lastClr="000000"/>
               </a:solidFill>
-              <a:ln w="25400" cap="flat" cmpd="sng" algn="ctr">
-                <a:solidFill>
-                  <a:sysClr val="windowText" lastClr="000000"/>
-                </a:solidFill>
-                <a:prstDash val="solid"/>
-              </a:ln>
-              <a:effectLst/>
-            </p:spPr>
-            <p:txBody>
-              <a:bodyPr rtlCol="0" anchor="ctr"/>
-              <a:lstStyle/>
-              <a:p>
-                <a:pPr marL="0" marR="0" lvl="0" indent="0" algn="ctr" defTabSz="457200" eaLnBrk="1" fontAlgn="auto" latinLnBrk="0" hangingPunct="1">
-                  <a:lnSpc>
-                    <a:spcPct val="100000"/>
-                  </a:lnSpc>
-                  <a:spcBef>
-                    <a:spcPts val="0"/>
-                  </a:spcBef>
-                  <a:spcAft>
-                    <a:spcPts val="0"/>
-                  </a:spcAft>
-                  <a:buClrTx/>
-                  <a:buSzTx/>
-                  <a:buFontTx/>
-                  <a:buNone/>
-                  <a:tabLst/>
-                  <a:defRPr/>
-                </a:pPr>
-                <a:endParaRPr kumimoji="0" lang="en-GB" sz="1800" b="0" i="0" u="none" strike="noStrike" kern="0" cap="none" spc="0" normalizeH="0" baseline="0" noProof="0">
-                  <a:ln>
-                    <a:noFill/>
-                  </a:ln>
-                  <a:solidFill>
-                    <a:prstClr val="white"/>
-                  </a:solidFill>
-                  <a:effectLst/>
-                  <a:uLnTx/>
-                  <a:uFillTx/>
-                  <a:latin typeface="Arial"/>
-                  <a:ea typeface="+mn-ea"/>
-                  <a:cs typeface="+mn-cs"/>
-                </a:endParaRPr>
-              </a:p>
-            </p:txBody>
-          </p:sp>
-        </p:grpSp>
+              <a:prstDash val="solid"/>
+              <a:round/>
+              <a:headEnd type="none" w="lg" len="lg"/>
+              <a:tailEnd type="none"/>
+            </a:ln>
+            <a:effectLst/>
+          </p:spPr>
+        </p:cxnSp>
         <p:sp>
           <p:nvSpPr>
-            <p:cNvPr id="51" name="Rectangle 50">
-              <a:extLst>
-                <a:ext uri="{FF2B5EF4-FFF2-40B4-BE49-F238E27FC236}">
-                  <a16:creationId xmlns:a16="http://schemas.microsoft.com/office/drawing/2014/main" id="{3C48DD96-A93C-4B96-ACFD-B4EF70B5931C}"/>
-                </a:ext>
-              </a:extLst>
-            </p:cNvPr>
-            <p:cNvSpPr/>
+            <p:cNvPr id="95" name="Isosceles Triangle 94">
+              <a:extLst>
+                <a:ext uri="{FF2B5EF4-FFF2-40B4-BE49-F238E27FC236}">
+                  <a16:creationId xmlns:a16="http://schemas.microsoft.com/office/drawing/2014/main" id="{014A0969-401C-4324-9D15-17AE05405B58}"/>
+                </a:ext>
+              </a:extLst>
+            </p:cNvPr>
+            <p:cNvSpPr>
+              <a:spLocks noChangeAspect="1"/>
+            </p:cNvSpPr>
             <p:nvPr/>
           </p:nvSpPr>
           <p:spPr>
-            <a:xfrm>
-              <a:off x="7272443" y="3267933"/>
-              <a:ext cx="790545" cy="702018"/>
-            </a:xfrm>
-            <a:prstGeom prst="rect">
+            <a:xfrm rot="5400000">
+              <a:off x="8482871" y="4623171"/>
+              <a:ext cx="144777" cy="164653"/>
+            </a:xfrm>
+            <a:prstGeom prst="triangle">
               <a:avLst/>
             </a:prstGeom>
             <a:solidFill>
-              <a:srgbClr val="00B0F0"/>
+              <a:sysClr val="window" lastClr="FFFFFF"/>
             </a:solidFill>
-            <a:ln w="9525" cap="flat" cmpd="sng" algn="ctr">
+            <a:ln w="25400" cap="flat" cmpd="sng" algn="ctr">
               <a:solidFill>
                 <a:sysClr val="windowText" lastClr="000000"/>
               </a:solidFill>
               <a:prstDash val="solid"/>
             </a:ln>
-            <a:effectLst>
-              <a:outerShdw blurRad="40000" dist="23000" dir="5400000" rotWithShape="0">
-                <a:srgbClr val="000000">
-                  <a:alpha val="35000"/>
-                </a:srgbClr>
-              </a:outerShdw>
-            </a:effectLst>
+            <a:effectLst/>
           </p:spPr>
           <p:txBody>
-            <a:bodyPr rot="0" spcFirstLastPara="0" vertOverflow="overflow" horzOverflow="overflow" vert="horz" wrap="square" lIns="91440" tIns="45720" rIns="91440" bIns="45720" numCol="1" spcCol="0" rtlCol="0" fromWordArt="0" anchor="ctr" anchorCtr="0" forceAA="0" compatLnSpc="1">
-              <a:prstTxWarp prst="textNoShape">
-                <a:avLst/>
-              </a:prstTxWarp>
-              <a:noAutofit/>
-            </a:bodyPr>
+            <a:bodyPr rtlCol="0" anchor="ctr"/>
             <a:lstStyle/>
             <a:p>
               <a:pPr marL="0" marR="0" lvl="0" indent="0" algn="ctr" defTabSz="457200" eaLnBrk="1" fontAlgn="auto" latinLnBrk="0" hangingPunct="1">
@@ -4163,445 +4865,29 @@
                 <a:tabLst/>
                 <a:defRPr/>
               </a:pPr>
-              <a:r>
-                <a:rPr kumimoji="0" lang="en-GB" sz="800" b="0" i="0" u="none" strike="noStrike" kern="0" cap="none" spc="0" normalizeH="0" baseline="0" noProof="0">
-                  <a:ln>
-                    <a:noFill/>
-                  </a:ln>
-                  <a:solidFill>
-                    <a:prstClr val="black"/>
-                  </a:solidFill>
-                  <a:effectLst/>
-                  <a:uLnTx/>
-                  <a:uFillTx/>
-                  <a:latin typeface="Arial"/>
-                  <a:ea typeface="+mn-ea"/>
-                  <a:cs typeface="+mn-cs"/>
-                </a:rPr>
-                <a:t> IVCT TC </a:t>
-              </a:r>
-              <a:r>
-                <a:rPr kumimoji="0" lang="en-GB" sz="800" b="0" i="0" u="none" strike="noStrike" kern="0" cap="none" spc="0" normalizeH="0" baseline="0" noProof="0" dirty="0">
-                  <a:ln>
-                    <a:noFill/>
-                  </a:ln>
-                  <a:solidFill>
-                    <a:prstClr val="black"/>
-                  </a:solidFill>
-                  <a:effectLst/>
-                  <a:uLnTx/>
-                  <a:uFillTx/>
-                  <a:latin typeface="Arial"/>
-                  <a:ea typeface="+mn-ea"/>
-                  <a:cs typeface="+mn-cs"/>
-                </a:rPr>
-                <a:t>Runner Application image</a:t>
-              </a:r>
-            </a:p>
-          </p:txBody>
-        </p:sp>
-        <p:grpSp>
-          <p:nvGrpSpPr>
-            <p:cNvPr id="52" name="Group 51">
-              <a:extLst>
-                <a:ext uri="{FF2B5EF4-FFF2-40B4-BE49-F238E27FC236}">
-                  <a16:creationId xmlns:a16="http://schemas.microsoft.com/office/drawing/2014/main" id="{A0171FFA-6713-4B57-A08A-19C3C718349E}"/>
-                </a:ext>
-              </a:extLst>
-            </p:cNvPr>
-            <p:cNvGrpSpPr/>
-            <p:nvPr/>
-          </p:nvGrpSpPr>
-          <p:grpSpPr>
-            <a:xfrm rot="5400000">
-              <a:off x="7375466" y="4207378"/>
-              <a:ext cx="582976" cy="144777"/>
-              <a:chOff x="5220072" y="2986291"/>
-              <a:chExt cx="864096" cy="226685"/>
-            </a:xfrm>
-          </p:grpSpPr>
-          <p:cxnSp>
-            <p:nvCxnSpPr>
-              <p:cNvPr id="53" name="Straight Arrow Connector 52">
-                <a:extLst>
-                  <a:ext uri="{FF2B5EF4-FFF2-40B4-BE49-F238E27FC236}">
-                    <a16:creationId xmlns:a16="http://schemas.microsoft.com/office/drawing/2014/main" id="{656FA902-96C4-4427-888F-E41139D06742}"/>
-                  </a:ext>
-                </a:extLst>
-              </p:cNvPr>
-              <p:cNvCxnSpPr>
-                <a:cxnSpLocks/>
-              </p:cNvCxnSpPr>
-              <p:nvPr/>
-            </p:nvCxnSpPr>
-            <p:spPr>
-              <a:xfrm>
-                <a:off x="5220072" y="3094112"/>
-                <a:ext cx="864096" cy="0"/>
-              </a:xfrm>
-              <a:prstGeom prst="straightConnector1">
-                <a:avLst/>
-              </a:prstGeom>
-              <a:noFill/>
-              <a:ln w="25400" cap="flat" cmpd="sng" algn="ctr">
+              <a:endParaRPr kumimoji="0" lang="en-GB" sz="1800" b="0" i="0" u="none" strike="noStrike" kern="0" cap="none" spc="0" normalizeH="0" baseline="0" noProof="0">
+                <a:ln>
+                  <a:noFill/>
+                </a:ln>
                 <a:solidFill>
-                  <a:sysClr val="windowText" lastClr="000000"/>
+                  <a:prstClr val="white"/>
                 </a:solidFill>
-                <a:prstDash val="solid"/>
-                <a:round/>
-                <a:headEnd type="none" w="lg" len="lg"/>
-                <a:tailEnd type="none"/>
-              </a:ln>
-              <a:effectLst/>
-            </p:spPr>
-          </p:cxnSp>
-          <p:sp>
-            <p:nvSpPr>
-              <p:cNvPr id="54" name="Flowchart: Decision 53">
-                <a:extLst>
-                  <a:ext uri="{FF2B5EF4-FFF2-40B4-BE49-F238E27FC236}">
-                    <a16:creationId xmlns:a16="http://schemas.microsoft.com/office/drawing/2014/main" id="{DCECC5F4-FC5B-47EC-8372-D7AD81AA5140}"/>
-                  </a:ext>
-                </a:extLst>
-              </p:cNvPr>
-              <p:cNvSpPr>
-                <a:spLocks noChangeAspect="1"/>
-              </p:cNvSpPr>
-              <p:nvPr/>
-            </p:nvSpPr>
-            <p:spPr>
-              <a:xfrm>
-                <a:off x="5220072" y="2986291"/>
-                <a:ext cx="338336" cy="226685"/>
-              </a:xfrm>
-              <a:prstGeom prst="flowChartDecision">
-                <a:avLst/>
-              </a:prstGeom>
-              <a:solidFill>
-                <a:sysClr val="window" lastClr="FFFFFF"/>
-              </a:solidFill>
-              <a:ln w="25400" cap="flat" cmpd="sng" algn="ctr">
-                <a:solidFill>
-                  <a:sysClr val="windowText" lastClr="000000"/>
-                </a:solidFill>
-                <a:prstDash val="solid"/>
-              </a:ln>
-              <a:effectLst/>
-            </p:spPr>
-            <p:txBody>
-              <a:bodyPr rtlCol="0" anchor="ctr"/>
-              <a:lstStyle/>
-              <a:p>
-                <a:pPr marL="0" marR="0" lvl="0" indent="0" algn="ctr" defTabSz="457200" eaLnBrk="1" fontAlgn="auto" latinLnBrk="0" hangingPunct="1">
-                  <a:lnSpc>
-                    <a:spcPct val="100000"/>
-                  </a:lnSpc>
-                  <a:spcBef>
-                    <a:spcPts val="0"/>
-                  </a:spcBef>
-                  <a:spcAft>
-                    <a:spcPts val="0"/>
-                  </a:spcAft>
-                  <a:buClrTx/>
-                  <a:buSzTx/>
-                  <a:buFontTx/>
-                  <a:buNone/>
-                  <a:tabLst/>
-                  <a:defRPr/>
-                </a:pPr>
-                <a:endParaRPr kumimoji="0" lang="en-GB" sz="1800" b="0" i="0" u="none" strike="noStrike" kern="0" cap="none" spc="0" normalizeH="0" baseline="0" noProof="0">
-                  <a:ln>
-                    <a:noFill/>
-                  </a:ln>
-                  <a:solidFill>
-                    <a:prstClr val="white"/>
-                  </a:solidFill>
-                  <a:effectLst/>
-                  <a:uLnTx/>
-                  <a:uFillTx/>
-                  <a:latin typeface="Arial"/>
-                  <a:ea typeface="+mn-ea"/>
-                  <a:cs typeface="+mn-cs"/>
-                </a:endParaRPr>
-              </a:p>
-            </p:txBody>
-          </p:sp>
-        </p:grpSp>
-        <p:sp>
-          <p:nvSpPr>
-            <p:cNvPr id="55" name="Rectangle 54">
-              <a:extLst>
-                <a:ext uri="{FF2B5EF4-FFF2-40B4-BE49-F238E27FC236}">
-                  <a16:creationId xmlns:a16="http://schemas.microsoft.com/office/drawing/2014/main" id="{F2FE8DB1-29AA-45C5-B42A-4B91F4B889DC}"/>
-                </a:ext>
-              </a:extLst>
-            </p:cNvPr>
-            <p:cNvSpPr/>
-            <p:nvPr/>
-          </p:nvSpPr>
-          <p:spPr>
-            <a:xfrm>
-              <a:off x="8681305" y="3262398"/>
-              <a:ext cx="790545" cy="702018"/>
-            </a:xfrm>
-            <a:prstGeom prst="rect">
-              <a:avLst/>
-            </a:prstGeom>
-            <a:solidFill>
-              <a:schemeClr val="bg2"/>
-            </a:solidFill>
-            <a:ln w="9525" cap="flat" cmpd="sng" algn="ctr">
-              <a:solidFill>
-                <a:sysClr val="windowText" lastClr="000000"/>
-              </a:solidFill>
-              <a:prstDash val="solid"/>
-            </a:ln>
-            <a:effectLst>
-              <a:outerShdw blurRad="40000" dist="23000" dir="5400000" rotWithShape="0">
-                <a:srgbClr val="000000">
-                  <a:alpha val="35000"/>
-                </a:srgbClr>
-              </a:outerShdw>
-            </a:effectLst>
-          </p:spPr>
-          <p:txBody>
-            <a:bodyPr rot="0" spcFirstLastPara="0" vertOverflow="overflow" horzOverflow="overflow" vert="horz" wrap="square" lIns="91440" tIns="45720" rIns="91440" bIns="45720" numCol="1" spcCol="0" rtlCol="0" fromWordArt="0" anchor="ctr" anchorCtr="0" forceAA="0" compatLnSpc="1">
-              <a:prstTxWarp prst="textNoShape">
-                <a:avLst/>
-              </a:prstTxWarp>
-              <a:noAutofit/>
-            </a:bodyPr>
-            <a:lstStyle/>
-            <a:p>
-              <a:pPr algn="ctr" defTabSz="457200"/>
-              <a:r>
-                <a:rPr lang="en-GB" sz="800" kern="0" dirty="0">
-                  <a:solidFill>
-                    <a:prstClr val="black"/>
-                  </a:solidFill>
-                  <a:latin typeface="Arial"/>
-                </a:rPr>
-                <a:t>Runtime Config image</a:t>
-              </a:r>
-            </a:p>
-          </p:txBody>
-        </p:sp>
-        <p:grpSp>
-          <p:nvGrpSpPr>
-            <p:cNvPr id="57" name="Group 56">
-              <a:extLst>
-                <a:ext uri="{FF2B5EF4-FFF2-40B4-BE49-F238E27FC236}">
-                  <a16:creationId xmlns:a16="http://schemas.microsoft.com/office/drawing/2014/main" id="{8606CF23-32CA-42EB-9539-F0C2934DFF4B}"/>
-                </a:ext>
-              </a:extLst>
-            </p:cNvPr>
-            <p:cNvGrpSpPr/>
-            <p:nvPr/>
-          </p:nvGrpSpPr>
-          <p:grpSpPr>
-            <a:xfrm>
-              <a:off x="8079733" y="3537721"/>
-              <a:ext cx="597768" cy="144016"/>
-              <a:chOff x="5220072" y="2986291"/>
-              <a:chExt cx="864096" cy="226685"/>
-            </a:xfrm>
-          </p:grpSpPr>
-          <p:cxnSp>
-            <p:nvCxnSpPr>
-              <p:cNvPr id="58" name="Straight Arrow Connector 57">
-                <a:extLst>
-                  <a:ext uri="{FF2B5EF4-FFF2-40B4-BE49-F238E27FC236}">
-                    <a16:creationId xmlns:a16="http://schemas.microsoft.com/office/drawing/2014/main" id="{732F0FE0-A77B-4F84-B772-4FE687E9B658}"/>
-                  </a:ext>
-                </a:extLst>
-              </p:cNvPr>
-              <p:cNvCxnSpPr>
-                <a:cxnSpLocks/>
-              </p:cNvCxnSpPr>
-              <p:nvPr/>
-            </p:nvCxnSpPr>
-            <p:spPr>
-              <a:xfrm>
-                <a:off x="5220072" y="3094540"/>
-                <a:ext cx="864096" cy="0"/>
-              </a:xfrm>
-              <a:prstGeom prst="straightConnector1">
-                <a:avLst/>
-              </a:prstGeom>
-              <a:noFill/>
-              <a:ln w="25400" cap="flat" cmpd="sng" algn="ctr">
-                <a:solidFill>
-                  <a:sysClr val="windowText" lastClr="000000"/>
-                </a:solidFill>
-                <a:prstDash val="solid"/>
-                <a:round/>
-                <a:headEnd type="none" w="lg" len="lg"/>
-                <a:tailEnd type="none"/>
-              </a:ln>
-              <a:effectLst/>
-            </p:spPr>
-          </p:cxnSp>
-          <p:sp>
-            <p:nvSpPr>
-              <p:cNvPr id="59" name="Flowchart: Decision 58">
-                <a:extLst>
-                  <a:ext uri="{FF2B5EF4-FFF2-40B4-BE49-F238E27FC236}">
-                    <a16:creationId xmlns:a16="http://schemas.microsoft.com/office/drawing/2014/main" id="{18A484F8-9711-403A-BBDC-113E766A8F1E}"/>
-                  </a:ext>
-                </a:extLst>
-              </p:cNvPr>
-              <p:cNvSpPr>
-                <a:spLocks noChangeAspect="1"/>
-              </p:cNvSpPr>
-              <p:nvPr/>
-            </p:nvSpPr>
-            <p:spPr>
-              <a:xfrm>
-                <a:off x="5220072" y="2986291"/>
-                <a:ext cx="338336" cy="226685"/>
-              </a:xfrm>
-              <a:prstGeom prst="flowChartDecision">
-                <a:avLst/>
-              </a:prstGeom>
-              <a:solidFill>
-                <a:sysClr val="window" lastClr="FFFFFF"/>
-              </a:solidFill>
-              <a:ln w="25400" cap="flat" cmpd="sng" algn="ctr">
-                <a:solidFill>
-                  <a:sysClr val="windowText" lastClr="000000"/>
-                </a:solidFill>
-                <a:prstDash val="solid"/>
-              </a:ln>
-              <a:effectLst/>
-            </p:spPr>
-            <p:txBody>
-              <a:bodyPr rtlCol="0" anchor="ctr"/>
-              <a:lstStyle/>
-              <a:p>
-                <a:pPr marL="0" marR="0" lvl="0" indent="0" algn="ctr" defTabSz="457200" eaLnBrk="1" fontAlgn="auto" latinLnBrk="0" hangingPunct="1">
-                  <a:lnSpc>
-                    <a:spcPct val="100000"/>
-                  </a:lnSpc>
-                  <a:spcBef>
-                    <a:spcPts val="0"/>
-                  </a:spcBef>
-                  <a:spcAft>
-                    <a:spcPts val="0"/>
-                  </a:spcAft>
-                  <a:buClrTx/>
-                  <a:buSzTx/>
-                  <a:buFontTx/>
-                  <a:buNone/>
-                  <a:tabLst/>
-                  <a:defRPr/>
-                </a:pPr>
-                <a:endParaRPr kumimoji="0" lang="en-GB" sz="1800" b="0" i="0" u="none" strike="noStrike" kern="0" cap="none" spc="0" normalizeH="0" baseline="0" noProof="0">
-                  <a:ln>
-                    <a:noFill/>
-                  </a:ln>
-                  <a:solidFill>
-                    <a:prstClr val="white"/>
-                  </a:solidFill>
-                  <a:effectLst/>
-                  <a:uLnTx/>
-                  <a:uFillTx/>
-                  <a:latin typeface="Arial"/>
-                  <a:ea typeface="+mn-ea"/>
-                  <a:cs typeface="+mn-cs"/>
-                </a:endParaRPr>
-              </a:p>
-            </p:txBody>
-          </p:sp>
-        </p:grpSp>
-        <p:sp>
-          <p:nvSpPr>
-            <p:cNvPr id="61" name="Rectangle 60">
-              <a:extLst>
-                <a:ext uri="{FF2B5EF4-FFF2-40B4-BE49-F238E27FC236}">
-                  <a16:creationId xmlns:a16="http://schemas.microsoft.com/office/drawing/2014/main" id="{EEB819CD-2E74-46E8-A918-42A3560726DE}"/>
-                </a:ext>
-              </a:extLst>
-            </p:cNvPr>
-            <p:cNvSpPr/>
-            <p:nvPr/>
-          </p:nvSpPr>
-          <p:spPr>
-            <a:xfrm>
-              <a:off x="7271681" y="4527943"/>
-              <a:ext cx="790545" cy="702018"/>
-            </a:xfrm>
-            <a:prstGeom prst="rect">
-              <a:avLst/>
-            </a:prstGeom>
-            <a:solidFill>
-              <a:schemeClr val="bg2"/>
-            </a:solidFill>
-            <a:ln w="9525" cap="flat" cmpd="sng" algn="ctr">
-              <a:solidFill>
-                <a:sysClr val="windowText" lastClr="000000"/>
-              </a:solidFill>
-              <a:prstDash val="solid"/>
-            </a:ln>
-            <a:effectLst>
-              <a:outerShdw blurRad="40000" dist="23000" dir="5400000" rotWithShape="0">
-                <a:srgbClr val="000000">
-                  <a:alpha val="35000"/>
-                </a:srgbClr>
-              </a:outerShdw>
-            </a:effectLst>
-          </p:spPr>
-          <p:txBody>
-            <a:bodyPr rot="0" spcFirstLastPara="0" vertOverflow="overflow" horzOverflow="overflow" vert="horz" wrap="square" lIns="91440" tIns="45720" rIns="91440" bIns="45720" numCol="1" spcCol="0" rtlCol="0" fromWordArt="0" anchor="ctr" anchorCtr="0" forceAA="0" compatLnSpc="1">
-              <a:prstTxWarp prst="textNoShape">
-                <a:avLst/>
-              </a:prstTxWarp>
-              <a:noAutofit/>
-            </a:bodyPr>
-            <a:lstStyle/>
-            <a:p>
-              <a:pPr marL="0" marR="0" lvl="0" indent="0" algn="ctr" defTabSz="457200" eaLnBrk="1" fontAlgn="auto" latinLnBrk="0" hangingPunct="1">
-                <a:lnSpc>
-                  <a:spcPct val="100000"/>
-                </a:lnSpc>
-                <a:spcBef>
-                  <a:spcPts val="0"/>
-                </a:spcBef>
-                <a:spcAft>
-                  <a:spcPts val="0"/>
-                </a:spcAft>
-                <a:buClrTx/>
-                <a:buSzTx/>
-                <a:buFontTx/>
-                <a:buNone/>
-                <a:tabLst/>
-                <a:defRPr/>
-              </a:pPr>
-              <a:r>
-                <a:rPr kumimoji="0" lang="en-GB" sz="800" b="0" i="0" u="none" strike="noStrike" kern="0" cap="none" spc="0" normalizeH="0" baseline="0" noProof="0" dirty="0">
-                  <a:ln>
-                    <a:noFill/>
-                  </a:ln>
-                  <a:solidFill>
-                    <a:prstClr val="black"/>
-                  </a:solidFill>
-                  <a:effectLst/>
-                  <a:uLnTx/>
-                  <a:uFillTx/>
-                  <a:latin typeface="Arial"/>
-                  <a:ea typeface="+mn-ea"/>
-                  <a:cs typeface="+mn-cs"/>
-                </a:rPr>
-                <a:t>Test Suite image</a:t>
-              </a:r>
+                <a:effectLst/>
+                <a:uLnTx/>
+                <a:uFillTx/>
+                <a:latin typeface="Arial"/>
+                <a:ea typeface="+mn-ea"/>
+                <a:cs typeface="+mn-cs"/>
+              </a:endParaRPr>
             </a:p>
           </p:txBody>
         </p:sp>
         <p:sp>
           <p:nvSpPr>
-            <p:cNvPr id="62" name="Rectangle 61">
-              <a:extLst>
-                <a:ext uri="{FF2B5EF4-FFF2-40B4-BE49-F238E27FC236}">
-                  <a16:creationId xmlns:a16="http://schemas.microsoft.com/office/drawing/2014/main" id="{E2961894-F91D-4869-BEF9-D86460C993F0}"/>
+            <p:cNvPr id="97" name="Rectangle 96">
+              <a:extLst>
+                <a:ext uri="{FF2B5EF4-FFF2-40B4-BE49-F238E27FC236}">
+                  <a16:creationId xmlns:a16="http://schemas.microsoft.com/office/drawing/2014/main" id="{2690ECE0-F87E-4FCF-A765-7AF05FDFD39D}"/>
                 </a:ext>
               </a:extLst>
             </p:cNvPr>
@@ -4610,7 +4896,7 @@
           </p:nvSpPr>
           <p:spPr>
             <a:xfrm>
-              <a:off x="5866342" y="3267934"/>
+              <a:off x="5853201" y="1838977"/>
               <a:ext cx="790545" cy="702018"/>
             </a:xfrm>
             <a:prstGeom prst="rect">
@@ -4657,425 +4943,19 @@
         </p:sp>
         <p:sp>
           <p:nvSpPr>
-            <p:cNvPr id="67" name="Flowchart: Magnetic Disk 66">
-              <a:extLst>
-                <a:ext uri="{FF2B5EF4-FFF2-40B4-BE49-F238E27FC236}">
-                  <a16:creationId xmlns:a16="http://schemas.microsoft.com/office/drawing/2014/main" id="{5B773666-8121-4DED-A6FD-5D70674D4F2C}"/>
-                </a:ext>
-              </a:extLst>
-            </p:cNvPr>
-            <p:cNvSpPr/>
+            <p:cNvPr id="98" name="TextBox 97">
+              <a:extLst>
+                <a:ext uri="{FF2B5EF4-FFF2-40B4-BE49-F238E27FC236}">
+                  <a16:creationId xmlns:a16="http://schemas.microsoft.com/office/drawing/2014/main" id="{AD464764-74F9-4CFA-8001-26E5524A55F4}"/>
+                </a:ext>
+              </a:extLst>
+            </p:cNvPr>
+            <p:cNvSpPr txBox="1"/>
             <p:nvPr/>
           </p:nvSpPr>
           <p:spPr>
             <a:xfrm>
-              <a:off x="2964687" y="3651182"/>
-              <a:ext cx="897211" cy="400110"/>
-            </a:xfrm>
-            <a:prstGeom prst="flowChartMagneticDisk">
-              <a:avLst/>
-            </a:prstGeom>
-            <a:solidFill>
-              <a:schemeClr val="bg2"/>
-            </a:solidFill>
-            <a:ln w="9525" cap="flat" cmpd="sng" algn="ctr">
-              <a:solidFill>
-                <a:sysClr val="windowText" lastClr="000000"/>
-              </a:solidFill>
-              <a:prstDash val="solid"/>
-            </a:ln>
-            <a:effectLst>
-              <a:outerShdw blurRad="40000" dist="23000" dir="5400000" rotWithShape="0">
-                <a:srgbClr val="000000">
-                  <a:alpha val="35000"/>
-                </a:srgbClr>
-              </a:outerShdw>
-            </a:effectLst>
-          </p:spPr>
-          <p:txBody>
-            <a:bodyPr rot="0" spcFirstLastPara="0" vertOverflow="overflow" horzOverflow="overflow" vert="horz" wrap="square" lIns="91440" tIns="45720" rIns="91440" bIns="45720" numCol="1" spcCol="0" rtlCol="0" fromWordArt="0" anchor="ctr" anchorCtr="0" forceAA="0" compatLnSpc="1">
-              <a:prstTxWarp prst="textNoShape">
-                <a:avLst/>
-              </a:prstTxWarp>
-              <a:noAutofit/>
-            </a:bodyPr>
-            <a:lstStyle/>
-            <a:p>
-              <a:pPr algn="ctr" defTabSz="457200"/>
-              <a:r>
-                <a:rPr lang="en-GB" sz="800" kern="0" dirty="0">
-                  <a:solidFill>
-                    <a:prstClr val="black"/>
-                  </a:solidFill>
-                  <a:latin typeface="Arial"/>
-                </a:rPr>
-                <a:t>Logfiles</a:t>
-              </a:r>
-            </a:p>
-          </p:txBody>
-        </p:sp>
-        <p:sp>
-          <p:nvSpPr>
-            <p:cNvPr id="69" name="Flowchart: Magnetic Disk 68">
-              <a:extLst>
-                <a:ext uri="{FF2B5EF4-FFF2-40B4-BE49-F238E27FC236}">
-                  <a16:creationId xmlns:a16="http://schemas.microsoft.com/office/drawing/2014/main" id="{F3DE774D-6E8C-4149-A630-5A9279C486D5}"/>
-                </a:ext>
-              </a:extLst>
-            </p:cNvPr>
-            <p:cNvSpPr/>
-            <p:nvPr/>
-          </p:nvSpPr>
-          <p:spPr>
-            <a:xfrm>
-              <a:off x="2969541" y="3179291"/>
-              <a:ext cx="897211" cy="400110"/>
-            </a:xfrm>
-            <a:prstGeom prst="flowChartMagneticDisk">
-              <a:avLst/>
-            </a:prstGeom>
-            <a:solidFill>
-              <a:schemeClr val="bg2"/>
-            </a:solidFill>
-            <a:ln w="9525" cap="flat" cmpd="sng" algn="ctr">
-              <a:solidFill>
-                <a:sysClr val="windowText" lastClr="000000"/>
-              </a:solidFill>
-              <a:prstDash val="solid"/>
-            </a:ln>
-            <a:effectLst>
-              <a:outerShdw blurRad="40000" dist="23000" dir="5400000" rotWithShape="0">
-                <a:srgbClr val="000000">
-                  <a:alpha val="35000"/>
-                </a:srgbClr>
-              </a:outerShdw>
-            </a:effectLst>
-          </p:spPr>
-          <p:txBody>
-            <a:bodyPr rot="0" spcFirstLastPara="0" vertOverflow="overflow" horzOverflow="overflow" vert="horz" wrap="square" lIns="91440" tIns="45720" rIns="91440" bIns="45720" numCol="1" spcCol="0" rtlCol="0" fromWordArt="0" anchor="ctr" anchorCtr="0" forceAA="0" compatLnSpc="1">
-              <a:prstTxWarp prst="textNoShape">
-                <a:avLst/>
-              </a:prstTxWarp>
-              <a:noAutofit/>
-            </a:bodyPr>
-            <a:lstStyle/>
-            <a:p>
-              <a:pPr algn="ctr" defTabSz="457200"/>
-              <a:r>
-                <a:rPr lang="en-GB" sz="800" kern="0" dirty="0">
-                  <a:solidFill>
-                    <a:prstClr val="black"/>
-                  </a:solidFill>
-                  <a:latin typeface="Arial"/>
-                </a:rPr>
-                <a:t>Test reports</a:t>
-              </a:r>
-            </a:p>
-          </p:txBody>
-        </p:sp>
-        <p:sp>
-          <p:nvSpPr>
-            <p:cNvPr id="71" name="TextBox 70">
-              <a:extLst>
-                <a:ext uri="{FF2B5EF4-FFF2-40B4-BE49-F238E27FC236}">
-                  <a16:creationId xmlns:a16="http://schemas.microsoft.com/office/drawing/2014/main" id="{3CC6A329-D4BB-4B4F-ADEE-0F833FCA1ED3}"/>
-                </a:ext>
-              </a:extLst>
-            </p:cNvPr>
-            <p:cNvSpPr txBox="1"/>
-            <p:nvPr/>
-          </p:nvSpPr>
-          <p:spPr>
-            <a:xfrm>
-              <a:off x="7685447" y="4142299"/>
-              <a:ext cx="603050" cy="246221"/>
-            </a:xfrm>
-            <a:prstGeom prst="rect">
-              <a:avLst/>
-            </a:prstGeom>
-            <a:noFill/>
-          </p:spPr>
-          <p:txBody>
-            <a:bodyPr wrap="none" rtlCol="0">
-              <a:spAutoFit/>
-            </a:bodyPr>
-            <a:lstStyle/>
-            <a:p>
-              <a:pPr defTabSz="457200"/>
-              <a:r>
-                <a:rPr lang="en-GB" sz="1000" dirty="0">
-                  <a:solidFill>
-                    <a:prstClr val="black"/>
-                  </a:solidFill>
-                  <a:latin typeface="Arial"/>
-                </a:rPr>
-                <a:t>mounts</a:t>
-              </a:r>
-            </a:p>
-          </p:txBody>
-        </p:sp>
-        <p:sp>
-          <p:nvSpPr>
-            <p:cNvPr id="72" name="TextBox 71">
-              <a:extLst>
-                <a:ext uri="{FF2B5EF4-FFF2-40B4-BE49-F238E27FC236}">
-                  <a16:creationId xmlns:a16="http://schemas.microsoft.com/office/drawing/2014/main" id="{361376EB-DA3F-408C-B2E3-F4D9873CFFC7}"/>
-                </a:ext>
-              </a:extLst>
-            </p:cNvPr>
-            <p:cNvSpPr txBox="1"/>
-            <p:nvPr/>
-          </p:nvSpPr>
-          <p:spPr>
-            <a:xfrm>
-              <a:off x="8070740" y="3309840"/>
-              <a:ext cx="603050" cy="246221"/>
-            </a:xfrm>
-            <a:prstGeom prst="rect">
-              <a:avLst/>
-            </a:prstGeom>
-            <a:noFill/>
-          </p:spPr>
-          <p:txBody>
-            <a:bodyPr wrap="none" rtlCol="0">
-              <a:spAutoFit/>
-            </a:bodyPr>
-            <a:lstStyle/>
-            <a:p>
-              <a:pPr defTabSz="457200"/>
-              <a:r>
-                <a:rPr lang="en-GB" sz="1000" dirty="0">
-                  <a:solidFill>
-                    <a:prstClr val="black"/>
-                  </a:solidFill>
-                  <a:latin typeface="Arial"/>
-                </a:rPr>
-                <a:t>mounts</a:t>
-              </a:r>
-            </a:p>
-          </p:txBody>
-        </p:sp>
-        <p:sp>
-          <p:nvSpPr>
-            <p:cNvPr id="73" name="TextBox 72">
-              <a:extLst>
-                <a:ext uri="{FF2B5EF4-FFF2-40B4-BE49-F238E27FC236}">
-                  <a16:creationId xmlns:a16="http://schemas.microsoft.com/office/drawing/2014/main" id="{7C022F0D-1E69-40FD-B0FF-3FC12B5BD3C8}"/>
-                </a:ext>
-              </a:extLst>
-            </p:cNvPr>
-            <p:cNvSpPr txBox="1"/>
-            <p:nvPr/>
-          </p:nvSpPr>
-          <p:spPr>
-            <a:xfrm>
-              <a:off x="6671513" y="4568649"/>
-              <a:ext cx="603050" cy="246221"/>
-            </a:xfrm>
-            <a:prstGeom prst="rect">
-              <a:avLst/>
-            </a:prstGeom>
-            <a:noFill/>
-          </p:spPr>
-          <p:txBody>
-            <a:bodyPr wrap="none" rtlCol="0">
-              <a:spAutoFit/>
-            </a:bodyPr>
-            <a:lstStyle/>
-            <a:p>
-              <a:pPr defTabSz="457200"/>
-              <a:r>
-                <a:rPr lang="en-GB" sz="1000" dirty="0">
-                  <a:solidFill>
-                    <a:prstClr val="black"/>
-                  </a:solidFill>
-                  <a:latin typeface="Arial"/>
-                </a:rPr>
-                <a:t>mounts</a:t>
-              </a:r>
-            </a:p>
-          </p:txBody>
-        </p:sp>
-        <p:sp>
-          <p:nvSpPr>
-            <p:cNvPr id="75" name="Rectangle 74">
-              <a:extLst>
-                <a:ext uri="{FF2B5EF4-FFF2-40B4-BE49-F238E27FC236}">
-                  <a16:creationId xmlns:a16="http://schemas.microsoft.com/office/drawing/2014/main" id="{EB31FF7D-2F6F-4D85-ACA8-A7DCDCB9456A}"/>
-                </a:ext>
-              </a:extLst>
-            </p:cNvPr>
-            <p:cNvSpPr/>
-            <p:nvPr/>
-          </p:nvSpPr>
-          <p:spPr>
-            <a:xfrm>
-              <a:off x="5200573" y="2014962"/>
-              <a:ext cx="790545" cy="702018"/>
-            </a:xfrm>
-            <a:prstGeom prst="rect">
-              <a:avLst/>
-            </a:prstGeom>
-            <a:solidFill>
-              <a:sysClr val="window" lastClr="FFFFFF"/>
-            </a:solidFill>
-            <a:ln w="9525" cap="flat" cmpd="sng" algn="ctr">
-              <a:solidFill>
-                <a:sysClr val="windowText" lastClr="000000"/>
-              </a:solidFill>
-              <a:prstDash val="solid"/>
-            </a:ln>
-            <a:effectLst>
-              <a:outerShdw blurRad="40000" dist="23000" dir="5400000" rotWithShape="0">
-                <a:srgbClr val="000000">
-                  <a:alpha val="35000"/>
-                </a:srgbClr>
-              </a:outerShdw>
-            </a:effectLst>
-          </p:spPr>
-          <p:txBody>
-            <a:bodyPr rot="0" spcFirstLastPara="0" vertOverflow="overflow" horzOverflow="overflow" vert="horz" wrap="square" lIns="91440" tIns="45720" rIns="91440" bIns="45720" numCol="1" spcCol="0" rtlCol="0" fromWordArt="0" anchor="ctr" anchorCtr="0" forceAA="0" compatLnSpc="1">
-              <a:prstTxWarp prst="textNoShape">
-                <a:avLst/>
-              </a:prstTxWarp>
-              <a:noAutofit/>
-            </a:bodyPr>
-            <a:lstStyle/>
-            <a:p>
-              <a:pPr algn="ctr" defTabSz="457200"/>
-              <a:r>
-                <a:rPr lang="en-GB" sz="800" kern="0" dirty="0">
-                  <a:solidFill>
-                    <a:prstClr val="black"/>
-                  </a:solidFill>
-                  <a:latin typeface="Arial"/>
-                </a:rPr>
-                <a:t>Pitch CRC image</a:t>
-              </a:r>
-            </a:p>
-          </p:txBody>
-        </p:sp>
-        <p:sp>
-          <p:nvSpPr>
-            <p:cNvPr id="76" name="TextBox 75">
-              <a:extLst>
-                <a:ext uri="{FF2B5EF4-FFF2-40B4-BE49-F238E27FC236}">
-                  <a16:creationId xmlns:a16="http://schemas.microsoft.com/office/drawing/2014/main" id="{109E605F-26D8-499C-9A8C-7704FBB97F9E}"/>
-                </a:ext>
-              </a:extLst>
-            </p:cNvPr>
-            <p:cNvSpPr txBox="1"/>
-            <p:nvPr/>
-          </p:nvSpPr>
-          <p:spPr>
-            <a:xfrm>
-              <a:off x="4945667" y="1724538"/>
-              <a:ext cx="1300356" cy="246221"/>
-            </a:xfrm>
-            <a:prstGeom prst="rect">
-              <a:avLst/>
-            </a:prstGeom>
-            <a:noFill/>
-          </p:spPr>
-          <p:txBody>
-            <a:bodyPr wrap="none" rtlCol="0">
-              <a:spAutoFit/>
-            </a:bodyPr>
-            <a:lstStyle/>
-            <a:p>
-              <a:pPr defTabSz="457200"/>
-              <a:r>
-                <a:rPr lang="en-GB" sz="1000" i="1">
-                  <a:solidFill>
-                    <a:prstClr val="black"/>
-                  </a:solidFill>
-                  <a:latin typeface="Arial"/>
-                </a:rPr>
-                <a:t>RTI specific images</a:t>
-              </a:r>
-              <a:endParaRPr lang="en-GB" sz="1000" i="1" dirty="0">
-                <a:solidFill>
-                  <a:prstClr val="black"/>
-                </a:solidFill>
-                <a:latin typeface="Arial"/>
-              </a:endParaRPr>
-            </a:p>
-          </p:txBody>
-        </p:sp>
-        <p:sp>
-          <p:nvSpPr>
-            <p:cNvPr id="77" name="Rectangle 76">
-              <a:extLst>
-                <a:ext uri="{FF2B5EF4-FFF2-40B4-BE49-F238E27FC236}">
-                  <a16:creationId xmlns:a16="http://schemas.microsoft.com/office/drawing/2014/main" id="{E31C6711-4CF0-4BDF-BF4B-8B8BC8FAC23C}"/>
-                </a:ext>
-              </a:extLst>
-            </p:cNvPr>
-            <p:cNvSpPr/>
-            <p:nvPr/>
-          </p:nvSpPr>
-          <p:spPr>
-            <a:xfrm>
-              <a:off x="4294957" y="2017340"/>
-              <a:ext cx="790545" cy="702018"/>
-            </a:xfrm>
-            <a:prstGeom prst="rect">
-              <a:avLst/>
-            </a:prstGeom>
-            <a:solidFill>
-              <a:sysClr val="window" lastClr="FFFFFF"/>
-            </a:solidFill>
-            <a:ln w="9525" cap="flat" cmpd="sng" algn="ctr">
-              <a:solidFill>
-                <a:sysClr val="windowText" lastClr="000000"/>
-              </a:solidFill>
-              <a:prstDash val="solid"/>
-            </a:ln>
-            <a:effectLst>
-              <a:outerShdw blurRad="40000" dist="23000" dir="5400000" rotWithShape="0">
-                <a:srgbClr val="000000">
-                  <a:alpha val="35000"/>
-                </a:srgbClr>
-              </a:outerShdw>
-            </a:effectLst>
-          </p:spPr>
-          <p:txBody>
-            <a:bodyPr rot="0" spcFirstLastPara="0" vertOverflow="overflow" horzOverflow="overflow" vert="horz" wrap="square" lIns="91440" tIns="45720" rIns="91440" bIns="45720" numCol="1" spcCol="0" rtlCol="0" fromWordArt="0" anchor="ctr" anchorCtr="0" forceAA="0" compatLnSpc="1">
-              <a:prstTxWarp prst="textNoShape">
-                <a:avLst/>
-              </a:prstTxWarp>
-              <a:noAutofit/>
-            </a:bodyPr>
-            <a:lstStyle/>
-            <a:p>
-              <a:pPr algn="ctr" defTabSz="457200"/>
-              <a:r>
-                <a:rPr lang="en-GB" sz="800" kern="0" dirty="0">
-                  <a:solidFill>
-                    <a:prstClr val="black"/>
-                  </a:solidFill>
-                  <a:latin typeface="Arial"/>
-                </a:rPr>
-                <a:t>Pitch Booster image</a:t>
-              </a:r>
-            </a:p>
-          </p:txBody>
-        </p:sp>
-        <p:sp>
-          <p:nvSpPr>
-            <p:cNvPr id="78" name="TextBox 77">
-              <a:extLst>
-                <a:ext uri="{FF2B5EF4-FFF2-40B4-BE49-F238E27FC236}">
-                  <a16:creationId xmlns:a16="http://schemas.microsoft.com/office/drawing/2014/main" id="{16A27FC5-6B5C-4E67-9530-B8641E897C7D}"/>
-                </a:ext>
-              </a:extLst>
-            </p:cNvPr>
-            <p:cNvSpPr txBox="1"/>
-            <p:nvPr/>
-          </p:nvSpPr>
-          <p:spPr>
-            <a:xfrm>
-              <a:off x="7658196" y="2947749"/>
+              <a:off x="8056264" y="4385745"/>
               <a:ext cx="630301" cy="246221"/>
             </a:xfrm>
             <a:prstGeom prst="rect">
@@ -5110,10 +4990,10 @@
         </p:sp>
         <p:sp>
           <p:nvSpPr>
-            <p:cNvPr id="80" name="TextBox 79">
-              <a:extLst>
-                <a:ext uri="{FF2B5EF4-FFF2-40B4-BE49-F238E27FC236}">
-                  <a16:creationId xmlns:a16="http://schemas.microsoft.com/office/drawing/2014/main" id="{86D8DEE2-D0A4-43D1-9C94-6681DA35CE0E}"/>
+            <p:cNvPr id="99" name="TextBox 98">
+              <a:extLst>
+                <a:ext uri="{FF2B5EF4-FFF2-40B4-BE49-F238E27FC236}">
+                  <a16:creationId xmlns:a16="http://schemas.microsoft.com/office/drawing/2014/main" id="{73097D12-5E38-44FB-A2CA-5670339E38C8}"/>
                 </a:ext>
               </a:extLst>
             </p:cNvPr>
@@ -5122,7 +5002,7 @@
           </p:nvSpPr>
           <p:spPr>
             <a:xfrm>
-              <a:off x="6261614" y="5313461"/>
+              <a:off x="3853186" y="4391866"/>
               <a:ext cx="630301" cy="246221"/>
             </a:xfrm>
             <a:prstGeom prst="rect">
@@ -5155,270 +5035,29 @@
             </a:p>
           </p:txBody>
         </p:sp>
-        <p:sp>
-          <p:nvSpPr>
-            <p:cNvPr id="81" name="Rectangle 80">
-              <a:extLst>
-                <a:ext uri="{FF2B5EF4-FFF2-40B4-BE49-F238E27FC236}">
-                  <a16:creationId xmlns:a16="http://schemas.microsoft.com/office/drawing/2014/main" id="{B3422A81-38AE-4B53-9474-19EA3BD724C8}"/>
-                </a:ext>
-              </a:extLst>
-            </p:cNvPr>
-            <p:cNvSpPr/>
-            <p:nvPr/>
-          </p:nvSpPr>
-          <p:spPr>
-            <a:xfrm>
-              <a:off x="6106189" y="2014962"/>
-              <a:ext cx="790545" cy="702018"/>
-            </a:xfrm>
-            <a:prstGeom prst="rect">
-              <a:avLst/>
-            </a:prstGeom>
-            <a:solidFill>
-              <a:sysClr val="window" lastClr="FFFFFF"/>
-            </a:solidFill>
-            <a:ln w="9525" cap="flat" cmpd="sng" algn="ctr">
-              <a:solidFill>
-                <a:sysClr val="windowText" lastClr="000000"/>
-              </a:solidFill>
-              <a:prstDash val="solid"/>
-            </a:ln>
-            <a:effectLst>
-              <a:outerShdw blurRad="40000" dist="23000" dir="5400000" rotWithShape="0">
-                <a:srgbClr val="000000">
-                  <a:alpha val="35000"/>
-                </a:srgbClr>
-              </a:outerShdw>
-            </a:effectLst>
-          </p:spPr>
-          <p:txBody>
-            <a:bodyPr rot="0" spcFirstLastPara="0" vertOverflow="overflow" horzOverflow="overflow" vert="horz" wrap="square" lIns="91440" tIns="45720" rIns="91440" bIns="45720" numCol="1" spcCol="0" rtlCol="0" fromWordArt="0" anchor="ctr" anchorCtr="0" forceAA="0" compatLnSpc="1">
-              <a:prstTxWarp prst="textNoShape">
-                <a:avLst/>
-              </a:prstTxWarp>
-              <a:noAutofit/>
-            </a:bodyPr>
-            <a:lstStyle/>
-            <a:p>
-              <a:pPr algn="ctr" defTabSz="457200"/>
-              <a:r>
-                <a:rPr lang="en-GB" sz="800" kern="0">
-                  <a:solidFill>
-                    <a:prstClr val="black"/>
-                  </a:solidFill>
-                  <a:latin typeface="Arial"/>
-                </a:rPr>
-                <a:t>VTMaK RTI Exec image</a:t>
-              </a:r>
-              <a:endParaRPr lang="en-GB" sz="800" kern="0" dirty="0">
-                <a:solidFill>
-                  <a:prstClr val="black"/>
-                </a:solidFill>
-                <a:latin typeface="Arial"/>
-              </a:endParaRPr>
-            </a:p>
-          </p:txBody>
-        </p:sp>
-        <p:sp>
-          <p:nvSpPr>
-            <p:cNvPr id="82" name="TextBox 81">
-              <a:extLst>
-                <a:ext uri="{FF2B5EF4-FFF2-40B4-BE49-F238E27FC236}">
-                  <a16:creationId xmlns:a16="http://schemas.microsoft.com/office/drawing/2014/main" id="{ED28F82A-5ED5-440B-A13C-6A7192F54338}"/>
-                </a:ext>
-              </a:extLst>
-            </p:cNvPr>
-            <p:cNvSpPr txBox="1"/>
-            <p:nvPr/>
-          </p:nvSpPr>
-          <p:spPr>
-            <a:xfrm>
-              <a:off x="8079733" y="2073200"/>
-              <a:ext cx="1766105" cy="553998"/>
-            </a:xfrm>
-            <a:prstGeom prst="rect">
-              <a:avLst/>
-            </a:prstGeom>
-            <a:noFill/>
-          </p:spPr>
-          <p:txBody>
-            <a:bodyPr wrap="square" rtlCol="0">
-              <a:spAutoFit/>
-            </a:bodyPr>
-            <a:lstStyle/>
-            <a:p>
-              <a:pPr defTabSz="457200"/>
-              <a:r>
-                <a:rPr lang="en-GB" sz="1000" i="1">
-                  <a:solidFill>
-                    <a:prstClr val="black"/>
-                  </a:solidFill>
-                  <a:latin typeface="Arial"/>
-                </a:rPr>
-                <a:t>There is an LRC Base image for specific RTIs (Pitch, VTMaK, Portico)</a:t>
-              </a:r>
-              <a:endParaRPr lang="en-GB" sz="1000" i="1" dirty="0">
-                <a:solidFill>
-                  <a:prstClr val="black"/>
-                </a:solidFill>
-                <a:latin typeface="Arial"/>
-              </a:endParaRPr>
-            </a:p>
-          </p:txBody>
-        </p:sp>
-        <p:grpSp>
-          <p:nvGrpSpPr>
-            <p:cNvPr id="83" name="Group 82">
-              <a:extLst>
-                <a:ext uri="{FF2B5EF4-FFF2-40B4-BE49-F238E27FC236}">
-                  <a16:creationId xmlns:a16="http://schemas.microsoft.com/office/drawing/2014/main" id="{3C52D57E-9A6D-4D4C-BD09-086D5B943E5C}"/>
-                </a:ext>
-              </a:extLst>
-            </p:cNvPr>
-            <p:cNvGrpSpPr/>
-            <p:nvPr/>
-          </p:nvGrpSpPr>
-          <p:grpSpPr>
-            <a:xfrm>
-              <a:off x="6671513" y="4814870"/>
-              <a:ext cx="597768" cy="144016"/>
-              <a:chOff x="5220072" y="2986291"/>
-              <a:chExt cx="864096" cy="226685"/>
-            </a:xfrm>
-          </p:grpSpPr>
-          <p:cxnSp>
-            <p:nvCxnSpPr>
-              <p:cNvPr id="84" name="Straight Arrow Connector 83">
-                <a:extLst>
-                  <a:ext uri="{FF2B5EF4-FFF2-40B4-BE49-F238E27FC236}">
-                    <a16:creationId xmlns:a16="http://schemas.microsoft.com/office/drawing/2014/main" id="{69F701FF-807F-47C2-A223-6CE674C221B6}"/>
-                  </a:ext>
-                </a:extLst>
-              </p:cNvPr>
-              <p:cNvCxnSpPr>
-                <a:cxnSpLocks/>
-              </p:cNvCxnSpPr>
-              <p:nvPr/>
-            </p:nvCxnSpPr>
-            <p:spPr>
-              <a:xfrm>
-                <a:off x="5220072" y="3094112"/>
-                <a:ext cx="864096" cy="0"/>
-              </a:xfrm>
-              <a:prstGeom prst="straightConnector1">
-                <a:avLst/>
-              </a:prstGeom>
-              <a:noFill/>
-              <a:ln w="25400" cap="flat" cmpd="sng" algn="ctr">
-                <a:solidFill>
-                  <a:sysClr val="windowText" lastClr="000000"/>
-                </a:solidFill>
-                <a:prstDash val="solid"/>
-                <a:round/>
-                <a:headEnd type="none" w="lg" len="lg"/>
-                <a:tailEnd type="none"/>
-              </a:ln>
-              <a:effectLst/>
-            </p:spPr>
-          </p:cxnSp>
-          <p:sp>
-            <p:nvSpPr>
-              <p:cNvPr id="85" name="Flowchart: Decision 84">
-                <a:extLst>
-                  <a:ext uri="{FF2B5EF4-FFF2-40B4-BE49-F238E27FC236}">
-                    <a16:creationId xmlns:a16="http://schemas.microsoft.com/office/drawing/2014/main" id="{9A2EDB23-57B9-4542-9C1D-53E16EEF88B0}"/>
-                  </a:ext>
-                </a:extLst>
-              </p:cNvPr>
-              <p:cNvSpPr>
-                <a:spLocks noChangeAspect="1"/>
-              </p:cNvSpPr>
-              <p:nvPr/>
-            </p:nvSpPr>
-            <p:spPr>
-              <a:xfrm>
-                <a:off x="5220072" y="2986291"/>
-                <a:ext cx="338336" cy="226685"/>
-              </a:xfrm>
-              <a:prstGeom prst="flowChartDecision">
-                <a:avLst/>
-              </a:prstGeom>
-              <a:solidFill>
-                <a:sysClr val="window" lastClr="FFFFFF"/>
-              </a:solidFill>
-              <a:ln w="25400" cap="flat" cmpd="sng" algn="ctr">
-                <a:solidFill>
-                  <a:sysClr val="windowText" lastClr="000000"/>
-                </a:solidFill>
-                <a:prstDash val="solid"/>
-              </a:ln>
-              <a:effectLst/>
-            </p:spPr>
-            <p:txBody>
-              <a:bodyPr rtlCol="0" anchor="ctr"/>
-              <a:lstStyle/>
-              <a:p>
-                <a:pPr marL="0" marR="0" lvl="0" indent="0" algn="ctr" defTabSz="457200" eaLnBrk="1" fontAlgn="auto" latinLnBrk="0" hangingPunct="1">
-                  <a:lnSpc>
-                    <a:spcPct val="100000"/>
-                  </a:lnSpc>
-                  <a:spcBef>
-                    <a:spcPts val="0"/>
-                  </a:spcBef>
-                  <a:spcAft>
-                    <a:spcPts val="0"/>
-                  </a:spcAft>
-                  <a:buClrTx/>
-                  <a:buSzTx/>
-                  <a:buFontTx/>
-                  <a:buNone/>
-                  <a:tabLst/>
-                  <a:defRPr/>
-                </a:pPr>
-                <a:endParaRPr kumimoji="0" lang="en-GB" sz="1800" b="0" i="0" u="none" strike="noStrike" kern="0" cap="none" spc="0" normalizeH="0" baseline="0" noProof="0">
-                  <a:ln>
-                    <a:noFill/>
-                  </a:ln>
-                  <a:solidFill>
-                    <a:prstClr val="white"/>
-                  </a:solidFill>
-                  <a:effectLst/>
-                  <a:uLnTx/>
-                  <a:uFillTx/>
-                  <a:latin typeface="Arial"/>
-                  <a:ea typeface="+mn-ea"/>
-                  <a:cs typeface="+mn-cs"/>
-                </a:endParaRPr>
-              </a:p>
-            </p:txBody>
-          </p:sp>
-        </p:grpSp>
         <p:cxnSp>
           <p:nvCxnSpPr>
-            <p:cNvPr id="89" name="Connector: Elbow 88">
-              <a:extLst>
-                <a:ext uri="{FF2B5EF4-FFF2-40B4-BE49-F238E27FC236}">
-                  <a16:creationId xmlns:a16="http://schemas.microsoft.com/office/drawing/2014/main" id="{A20152A1-1CB7-44E3-9068-794EFC17716C}"/>
+            <p:cNvPr id="100" name="Connector: Elbow 99">
+              <a:extLst>
+                <a:ext uri="{FF2B5EF4-FFF2-40B4-BE49-F238E27FC236}">
+                  <a16:creationId xmlns:a16="http://schemas.microsoft.com/office/drawing/2014/main" id="{96B073A5-7002-4E83-8F95-1B9830BE135B}"/>
                 </a:ext>
               </a:extLst>
             </p:cNvPr>
             <p:cNvCxnSpPr>
               <a:cxnSpLocks/>
-              <a:stCxn id="42" idx="0"/>
-              <a:endCxn id="62" idx="2"/>
+              <a:stCxn id="86" idx="0"/>
+              <a:endCxn id="97" idx="1"/>
             </p:cNvCxnSpPr>
             <p:nvPr/>
           </p:nvCxnSpPr>
           <p:spPr>
-            <a:xfrm rot="16200000" flipV="1">
-              <a:off x="5980412" y="4251156"/>
-              <a:ext cx="562409" cy="2"/>
-            </a:xfrm>
-            <a:prstGeom prst="bentConnector3">
-              <a:avLst>
-                <a:gd name="adj1" fmla="val 50000"/>
-              </a:avLst>
+            <a:xfrm rot="5400000" flipH="1" flipV="1">
+              <a:off x="4266015" y="2769365"/>
+              <a:ext cx="2166564" cy="1007807"/>
+            </a:xfrm>
+            <a:prstGeom prst="bentConnector2">
+              <a:avLst/>
             </a:prstGeom>
             <a:noFill/>
             <a:ln w="25400" cap="flat" cmpd="sng" algn="ctr">
@@ -5439,10 +5078,10 @@
         </p:cxnSp>
         <p:sp>
           <p:nvSpPr>
-            <p:cNvPr id="111" name="TextBox 110">
-              <a:extLst>
-                <a:ext uri="{FF2B5EF4-FFF2-40B4-BE49-F238E27FC236}">
-                  <a16:creationId xmlns:a16="http://schemas.microsoft.com/office/drawing/2014/main" id="{15F35287-29E2-4BD7-91B8-09856C79F9A1}"/>
+            <p:cNvPr id="101" name="TextBox 100">
+              <a:extLst>
+                <a:ext uri="{FF2B5EF4-FFF2-40B4-BE49-F238E27FC236}">
+                  <a16:creationId xmlns:a16="http://schemas.microsoft.com/office/drawing/2014/main" id="{19170083-CB58-4C08-96C2-570FCCD3AA09}"/>
                 </a:ext>
               </a:extLst>
             </p:cNvPr>
@@ -5451,7 +5090,7 @@
           </p:nvSpPr>
           <p:spPr>
             <a:xfrm>
-              <a:off x="5278252" y="3363130"/>
+              <a:off x="5063275" y="2241744"/>
               <a:ext cx="441146" cy="246221"/>
             </a:xfrm>
             <a:prstGeom prst="rect">
@@ -5486,10 +5125,10 @@
         </p:sp>
         <p:sp>
           <p:nvSpPr>
-            <p:cNvPr id="112" name="TextBox 111">
-              <a:extLst>
-                <a:ext uri="{FF2B5EF4-FFF2-40B4-BE49-F238E27FC236}">
-                  <a16:creationId xmlns:a16="http://schemas.microsoft.com/office/drawing/2014/main" id="{29CFA9B6-8B27-45AA-BA8D-D29BF47F930D}"/>
+            <p:cNvPr id="102" name="TextBox 101">
+              <a:extLst>
+                <a:ext uri="{FF2B5EF4-FFF2-40B4-BE49-F238E27FC236}">
+                  <a16:creationId xmlns:a16="http://schemas.microsoft.com/office/drawing/2014/main" id="{8DC4E213-1AFF-48B9-B0A2-004CA5087307}"/>
                 </a:ext>
               </a:extLst>
             </p:cNvPr>
@@ -5498,7 +5137,7 @@
           </p:nvSpPr>
           <p:spPr>
             <a:xfrm>
-              <a:off x="6266372" y="4105629"/>
+              <a:off x="6272242" y="2722042"/>
               <a:ext cx="441146" cy="246221"/>
             </a:xfrm>
             <a:prstGeom prst="rect">
@@ -5533,10 +5172,10 @@
         </p:sp>
         <p:sp>
           <p:nvSpPr>
-            <p:cNvPr id="113" name="TextBox 112">
-              <a:extLst>
-                <a:ext uri="{FF2B5EF4-FFF2-40B4-BE49-F238E27FC236}">
-                  <a16:creationId xmlns:a16="http://schemas.microsoft.com/office/drawing/2014/main" id="{A4F4B4C4-D115-4E6A-B0C5-BB393CCD8613}"/>
+            <p:cNvPr id="103" name="TextBox 102">
+              <a:extLst>
+                <a:ext uri="{FF2B5EF4-FFF2-40B4-BE49-F238E27FC236}">
+                  <a16:creationId xmlns:a16="http://schemas.microsoft.com/office/drawing/2014/main" id="{8BED0991-0F0B-469D-9313-149404A39498}"/>
                 </a:ext>
               </a:extLst>
             </p:cNvPr>
@@ -5545,7 +5184,7 @@
           </p:nvSpPr>
           <p:spPr>
             <a:xfrm>
-              <a:off x="6708707" y="3333180"/>
+              <a:off x="6911687" y="2278978"/>
               <a:ext cx="441146" cy="246221"/>
             </a:xfrm>
             <a:prstGeom prst="rect">
@@ -5580,26 +5219,26 @@
         </p:sp>
         <p:cxnSp>
           <p:nvCxnSpPr>
-            <p:cNvPr id="129" name="Straight Arrow Connector 128">
-              <a:extLst>
-                <a:ext uri="{FF2B5EF4-FFF2-40B4-BE49-F238E27FC236}">
-                  <a16:creationId xmlns:a16="http://schemas.microsoft.com/office/drawing/2014/main" id="{265820B3-D797-433C-9C61-34B8268FA723}"/>
+            <p:cNvPr id="104" name="Connector: Elbow 103">
+              <a:extLst>
+                <a:ext uri="{FF2B5EF4-FFF2-40B4-BE49-F238E27FC236}">
+                  <a16:creationId xmlns:a16="http://schemas.microsoft.com/office/drawing/2014/main" id="{A987274E-0B64-4FB0-BBAD-C517E7C254E2}"/>
                 </a:ext>
               </a:extLst>
             </p:cNvPr>
             <p:cNvCxnSpPr>
               <a:cxnSpLocks/>
-              <a:stCxn id="41" idx="3"/>
-              <a:endCxn id="62" idx="1"/>
+              <a:stCxn id="96" idx="0"/>
+              <a:endCxn id="97" idx="3"/>
             </p:cNvCxnSpPr>
             <p:nvPr/>
           </p:nvCxnSpPr>
           <p:spPr>
-            <a:xfrm>
-              <a:off x="5248025" y="3614409"/>
-              <a:ext cx="618317" cy="4534"/>
-            </a:xfrm>
-            <a:prstGeom prst="straightConnector1">
+            <a:xfrm rot="16200000" flipV="1">
+              <a:off x="6062365" y="2771368"/>
+              <a:ext cx="2164505" cy="1001741"/>
+            </a:xfrm>
+            <a:prstGeom prst="bentConnector2">
               <a:avLst/>
             </a:prstGeom>
             <a:noFill/>
@@ -5621,24 +5260,23 @@
         </p:cxnSp>
         <p:cxnSp>
           <p:nvCxnSpPr>
-            <p:cNvPr id="132" name="Straight Arrow Connector 131">
-              <a:extLst>
-                <a:ext uri="{FF2B5EF4-FFF2-40B4-BE49-F238E27FC236}">
-                  <a16:creationId xmlns:a16="http://schemas.microsoft.com/office/drawing/2014/main" id="{BCF08F1D-440F-4B7B-95A2-F6F903F01AE3}"/>
+            <p:cNvPr id="105" name="Straight Arrow Connector 104">
+              <a:extLst>
+                <a:ext uri="{FF2B5EF4-FFF2-40B4-BE49-F238E27FC236}">
+                  <a16:creationId xmlns:a16="http://schemas.microsoft.com/office/drawing/2014/main" id="{95DB4422-639F-4A2A-8F3C-4D514C1FEFE7}"/>
                 </a:ext>
               </a:extLst>
             </p:cNvPr>
             <p:cNvCxnSpPr>
-              <a:cxnSpLocks/>
-              <a:stCxn id="51" idx="1"/>
-              <a:endCxn id="62" idx="3"/>
+              <a:stCxn id="79" idx="0"/>
+              <a:endCxn id="97" idx="2"/>
             </p:cNvCxnSpPr>
             <p:nvPr/>
           </p:nvCxnSpPr>
           <p:spPr>
-            <a:xfrm flipH="1">
-              <a:off x="6656887" y="3618942"/>
-              <a:ext cx="615556" cy="1"/>
+            <a:xfrm flipV="1">
+              <a:off x="6248273" y="2540995"/>
+              <a:ext cx="201" cy="534408"/>
             </a:xfrm>
             <a:prstGeom prst="straightConnector1">
               <a:avLst/>
@@ -5662,577 +5300,19 @@
         </p:cxnSp>
         <p:sp>
           <p:nvSpPr>
-            <p:cNvPr id="137" name="TextBox 136">
-              <a:extLst>
-                <a:ext uri="{FF2B5EF4-FFF2-40B4-BE49-F238E27FC236}">
-                  <a16:creationId xmlns:a16="http://schemas.microsoft.com/office/drawing/2014/main" id="{817B20A8-F676-478B-84B3-7E92E6DC20FC}"/>
-                </a:ext>
-              </a:extLst>
-            </p:cNvPr>
-            <p:cNvSpPr txBox="1"/>
+            <p:cNvPr id="55" name="Rectangle 54">
+              <a:extLst>
+                <a:ext uri="{FF2B5EF4-FFF2-40B4-BE49-F238E27FC236}">
+                  <a16:creationId xmlns:a16="http://schemas.microsoft.com/office/drawing/2014/main" id="{F2FE8DB1-29AA-45C5-B42A-4B91F4B889DC}"/>
+                </a:ext>
+              </a:extLst>
+            </p:cNvPr>
+            <p:cNvSpPr/>
             <p:nvPr/>
           </p:nvSpPr>
           <p:spPr>
             <a:xfrm>
-              <a:off x="2735939" y="2894378"/>
-              <a:ext cx="1354705" cy="246221"/>
-            </a:xfrm>
-            <a:prstGeom prst="rect">
-              <a:avLst/>
-            </a:prstGeom>
-            <a:noFill/>
-          </p:spPr>
-          <p:txBody>
-            <a:bodyPr wrap="square" rtlCol="0">
-              <a:spAutoFit/>
-            </a:bodyPr>
-            <a:lstStyle/>
-            <a:p>
-              <a:pPr defTabSz="457200"/>
-              <a:r>
-                <a:rPr lang="en-GB" sz="1000">
-                  <a:solidFill>
-                    <a:prstClr val="black"/>
-                  </a:solidFill>
-                  <a:latin typeface="Arial"/>
-                </a:rPr>
-                <a:t>Host volume mounts</a:t>
-              </a:r>
-              <a:endParaRPr lang="en-GB" sz="1000" dirty="0">
-                <a:solidFill>
-                  <a:prstClr val="black"/>
-                </a:solidFill>
-                <a:latin typeface="Arial"/>
-              </a:endParaRPr>
-            </a:p>
-          </p:txBody>
-        </p:sp>
-        <p:grpSp>
-          <p:nvGrpSpPr>
-            <p:cNvPr id="139" name="Group 138">
-              <a:extLst>
-                <a:ext uri="{FF2B5EF4-FFF2-40B4-BE49-F238E27FC236}">
-                  <a16:creationId xmlns:a16="http://schemas.microsoft.com/office/drawing/2014/main" id="{F038715C-E98F-4ECA-8680-B0D71D237218}"/>
-                </a:ext>
-              </a:extLst>
-            </p:cNvPr>
-            <p:cNvGrpSpPr/>
-            <p:nvPr/>
-          </p:nvGrpSpPr>
-          <p:grpSpPr>
-            <a:xfrm rot="5400000">
-              <a:off x="4564791" y="4193022"/>
-              <a:ext cx="582976" cy="144777"/>
-              <a:chOff x="5220072" y="2986291"/>
-              <a:chExt cx="864096" cy="226685"/>
-            </a:xfrm>
-          </p:grpSpPr>
-          <p:cxnSp>
-            <p:nvCxnSpPr>
-              <p:cNvPr id="140" name="Straight Arrow Connector 139">
-                <a:extLst>
-                  <a:ext uri="{FF2B5EF4-FFF2-40B4-BE49-F238E27FC236}">
-                    <a16:creationId xmlns:a16="http://schemas.microsoft.com/office/drawing/2014/main" id="{4349F94E-7901-4EBF-A7D2-C457152113DC}"/>
-                  </a:ext>
-                </a:extLst>
-              </p:cNvPr>
-              <p:cNvCxnSpPr>
-                <a:cxnSpLocks/>
-              </p:cNvCxnSpPr>
-              <p:nvPr/>
-            </p:nvCxnSpPr>
-            <p:spPr>
-              <a:xfrm>
-                <a:off x="5220072" y="3094112"/>
-                <a:ext cx="864096" cy="0"/>
-              </a:xfrm>
-              <a:prstGeom prst="straightConnector1">
-                <a:avLst/>
-              </a:prstGeom>
-              <a:noFill/>
-              <a:ln w="25400" cap="flat" cmpd="sng" algn="ctr">
-                <a:solidFill>
-                  <a:sysClr val="windowText" lastClr="000000"/>
-                </a:solidFill>
-                <a:prstDash val="solid"/>
-                <a:round/>
-                <a:headEnd type="none" w="lg" len="lg"/>
-                <a:tailEnd type="none"/>
-              </a:ln>
-              <a:effectLst/>
-            </p:spPr>
-          </p:cxnSp>
-          <p:sp>
-            <p:nvSpPr>
-              <p:cNvPr id="141" name="Flowchart: Decision 140">
-                <a:extLst>
-                  <a:ext uri="{FF2B5EF4-FFF2-40B4-BE49-F238E27FC236}">
-                    <a16:creationId xmlns:a16="http://schemas.microsoft.com/office/drawing/2014/main" id="{DC79200C-264D-4E13-BAA8-DD9E4104C7A2}"/>
-                  </a:ext>
-                </a:extLst>
-              </p:cNvPr>
-              <p:cNvSpPr>
-                <a:spLocks noChangeAspect="1"/>
-              </p:cNvSpPr>
-              <p:nvPr/>
-            </p:nvSpPr>
-            <p:spPr>
-              <a:xfrm>
-                <a:off x="5220072" y="2986291"/>
-                <a:ext cx="338336" cy="226685"/>
-              </a:xfrm>
-              <a:prstGeom prst="flowChartDecision">
-                <a:avLst/>
-              </a:prstGeom>
-              <a:solidFill>
-                <a:sysClr val="window" lastClr="FFFFFF"/>
-              </a:solidFill>
-              <a:ln w="25400" cap="flat" cmpd="sng" algn="ctr">
-                <a:solidFill>
-                  <a:sysClr val="windowText" lastClr="000000"/>
-                </a:solidFill>
-                <a:prstDash val="solid"/>
-              </a:ln>
-              <a:effectLst/>
-            </p:spPr>
-            <p:txBody>
-              <a:bodyPr rtlCol="0" anchor="ctr"/>
-              <a:lstStyle/>
-              <a:p>
-                <a:pPr marL="0" marR="0" lvl="0" indent="0" algn="ctr" defTabSz="457200" eaLnBrk="1" fontAlgn="auto" latinLnBrk="0" hangingPunct="1">
-                  <a:lnSpc>
-                    <a:spcPct val="100000"/>
-                  </a:lnSpc>
-                  <a:spcBef>
-                    <a:spcPts val="0"/>
-                  </a:spcBef>
-                  <a:spcAft>
-                    <a:spcPts val="0"/>
-                  </a:spcAft>
-                  <a:buClrTx/>
-                  <a:buSzTx/>
-                  <a:buFontTx/>
-                  <a:buNone/>
-                  <a:tabLst/>
-                  <a:defRPr/>
-                </a:pPr>
-                <a:endParaRPr kumimoji="0" lang="en-GB" sz="1800" b="0" i="0" u="none" strike="noStrike" kern="0" cap="none" spc="0" normalizeH="0" baseline="0" noProof="0">
-                  <a:ln>
-                    <a:noFill/>
-                  </a:ln>
-                  <a:solidFill>
-                    <a:prstClr val="white"/>
-                  </a:solidFill>
-                  <a:effectLst/>
-                  <a:uLnTx/>
-                  <a:uFillTx/>
-                  <a:latin typeface="Arial"/>
-                  <a:ea typeface="+mn-ea"/>
-                  <a:cs typeface="+mn-cs"/>
-                </a:endParaRPr>
-              </a:p>
-            </p:txBody>
-          </p:sp>
-        </p:grpSp>
-        <p:grpSp>
-          <p:nvGrpSpPr>
-            <p:cNvPr id="5" name="Group 4">
-              <a:extLst>
-                <a:ext uri="{FF2B5EF4-FFF2-40B4-BE49-F238E27FC236}">
-                  <a16:creationId xmlns:a16="http://schemas.microsoft.com/office/drawing/2014/main" id="{8DE8C910-C7B2-429B-AE53-47CBE2134258}"/>
-                </a:ext>
-              </a:extLst>
-            </p:cNvPr>
-            <p:cNvGrpSpPr/>
-            <p:nvPr/>
-          </p:nvGrpSpPr>
-          <p:grpSpPr>
-            <a:xfrm>
-              <a:off x="3866752" y="3316000"/>
-              <a:ext cx="582976" cy="144777"/>
-              <a:chOff x="3857759" y="3392944"/>
-              <a:chExt cx="582976" cy="144777"/>
-            </a:xfrm>
-          </p:grpSpPr>
-          <p:cxnSp>
-            <p:nvCxnSpPr>
-              <p:cNvPr id="143" name="Straight Arrow Connector 142">
-                <a:extLst>
-                  <a:ext uri="{FF2B5EF4-FFF2-40B4-BE49-F238E27FC236}">
-                    <a16:creationId xmlns:a16="http://schemas.microsoft.com/office/drawing/2014/main" id="{50D16562-4A17-4680-A36C-B8BEB6B86E1C}"/>
-                  </a:ext>
-                </a:extLst>
-              </p:cNvPr>
-              <p:cNvCxnSpPr>
-                <a:cxnSpLocks/>
-                <a:stCxn id="144" idx="1"/>
-              </p:cNvCxnSpPr>
-              <p:nvPr/>
-            </p:nvCxnSpPr>
-            <p:spPr>
-              <a:xfrm flipH="1">
-                <a:off x="3857759" y="3465332"/>
-                <a:ext cx="582976" cy="3527"/>
-              </a:xfrm>
-              <a:prstGeom prst="straightConnector1">
-                <a:avLst/>
-              </a:prstGeom>
-              <a:noFill/>
-              <a:ln w="25400" cap="flat" cmpd="sng" algn="ctr">
-                <a:solidFill>
-                  <a:sysClr val="windowText" lastClr="000000"/>
-                </a:solidFill>
-                <a:prstDash val="solid"/>
-                <a:round/>
-                <a:headEnd type="none" w="lg" len="lg"/>
-                <a:tailEnd type="none"/>
-              </a:ln>
-              <a:effectLst/>
-            </p:spPr>
-          </p:cxnSp>
-          <p:sp>
-            <p:nvSpPr>
-              <p:cNvPr id="144" name="Flowchart: Decision 143">
-                <a:extLst>
-                  <a:ext uri="{FF2B5EF4-FFF2-40B4-BE49-F238E27FC236}">
-                    <a16:creationId xmlns:a16="http://schemas.microsoft.com/office/drawing/2014/main" id="{8DD3CB7E-3DFF-4C0A-9780-37E26086167E}"/>
-                  </a:ext>
-                </a:extLst>
-              </p:cNvPr>
-              <p:cNvSpPr>
-                <a:spLocks noChangeAspect="1"/>
-              </p:cNvSpPr>
-              <p:nvPr/>
-            </p:nvSpPr>
-            <p:spPr>
-              <a:xfrm rot="10800000">
-                <a:off x="4212471" y="3392944"/>
-                <a:ext cx="228264" cy="144777"/>
-              </a:xfrm>
-              <a:prstGeom prst="flowChartDecision">
-                <a:avLst/>
-              </a:prstGeom>
-              <a:solidFill>
-                <a:sysClr val="window" lastClr="FFFFFF"/>
-              </a:solidFill>
-              <a:ln w="25400" cap="flat" cmpd="sng" algn="ctr">
-                <a:solidFill>
-                  <a:sysClr val="windowText" lastClr="000000"/>
-                </a:solidFill>
-                <a:prstDash val="solid"/>
-              </a:ln>
-              <a:effectLst/>
-            </p:spPr>
-            <p:txBody>
-              <a:bodyPr rtlCol="0" anchor="ctr"/>
-              <a:lstStyle/>
-              <a:p>
-                <a:pPr marL="0" marR="0" lvl="0" indent="0" algn="ctr" defTabSz="457200" eaLnBrk="1" fontAlgn="auto" latinLnBrk="0" hangingPunct="1">
-                  <a:lnSpc>
-                    <a:spcPct val="100000"/>
-                  </a:lnSpc>
-                  <a:spcBef>
-                    <a:spcPts val="0"/>
-                  </a:spcBef>
-                  <a:spcAft>
-                    <a:spcPts val="0"/>
-                  </a:spcAft>
-                  <a:buClrTx/>
-                  <a:buSzTx/>
-                  <a:buFontTx/>
-                  <a:buNone/>
-                  <a:tabLst/>
-                  <a:defRPr/>
-                </a:pPr>
-                <a:endParaRPr kumimoji="0" lang="en-GB" sz="1800" b="0" i="0" u="none" strike="noStrike" kern="0" cap="none" spc="0" normalizeH="0" baseline="0" noProof="0">
-                  <a:ln>
-                    <a:noFill/>
-                  </a:ln>
-                  <a:solidFill>
-                    <a:prstClr val="white"/>
-                  </a:solidFill>
-                  <a:effectLst/>
-                  <a:uLnTx/>
-                  <a:uFillTx/>
-                  <a:latin typeface="Arial"/>
-                  <a:ea typeface="+mn-ea"/>
-                  <a:cs typeface="+mn-cs"/>
-                </a:endParaRPr>
-              </a:p>
-            </p:txBody>
-          </p:sp>
-        </p:grpSp>
-        <p:grpSp>
-          <p:nvGrpSpPr>
-            <p:cNvPr id="56" name="Group 55">
-              <a:extLst>
-                <a:ext uri="{FF2B5EF4-FFF2-40B4-BE49-F238E27FC236}">
-                  <a16:creationId xmlns:a16="http://schemas.microsoft.com/office/drawing/2014/main" id="{2006D740-070C-4832-AE3C-ACA0C3655BFC}"/>
-                </a:ext>
-              </a:extLst>
-            </p:cNvPr>
-            <p:cNvGrpSpPr/>
-            <p:nvPr/>
-          </p:nvGrpSpPr>
-          <p:grpSpPr>
-            <a:xfrm>
-              <a:off x="3857759" y="3778849"/>
-              <a:ext cx="582976" cy="144777"/>
-              <a:chOff x="3857759" y="3392944"/>
-              <a:chExt cx="582976" cy="144777"/>
-            </a:xfrm>
-          </p:grpSpPr>
-          <p:cxnSp>
-            <p:nvCxnSpPr>
-              <p:cNvPr id="60" name="Straight Arrow Connector 59">
-                <a:extLst>
-                  <a:ext uri="{FF2B5EF4-FFF2-40B4-BE49-F238E27FC236}">
-                    <a16:creationId xmlns:a16="http://schemas.microsoft.com/office/drawing/2014/main" id="{9B4054A3-3884-48C5-AF64-BD3BBD514E44}"/>
-                  </a:ext>
-                </a:extLst>
-              </p:cNvPr>
-              <p:cNvCxnSpPr>
-                <a:cxnSpLocks/>
-                <a:stCxn id="63" idx="1"/>
-              </p:cNvCxnSpPr>
-              <p:nvPr/>
-            </p:nvCxnSpPr>
-            <p:spPr>
-              <a:xfrm flipH="1">
-                <a:off x="3857759" y="3465332"/>
-                <a:ext cx="582976" cy="3527"/>
-              </a:xfrm>
-              <a:prstGeom prst="straightConnector1">
-                <a:avLst/>
-              </a:prstGeom>
-              <a:noFill/>
-              <a:ln w="25400" cap="flat" cmpd="sng" algn="ctr">
-                <a:solidFill>
-                  <a:sysClr val="windowText" lastClr="000000"/>
-                </a:solidFill>
-                <a:prstDash val="solid"/>
-                <a:round/>
-                <a:headEnd type="none" w="lg" len="lg"/>
-                <a:tailEnd type="none"/>
-              </a:ln>
-              <a:effectLst/>
-            </p:spPr>
-          </p:cxnSp>
-          <p:sp>
-            <p:nvSpPr>
-              <p:cNvPr id="63" name="Flowchart: Decision 62">
-                <a:extLst>
-                  <a:ext uri="{FF2B5EF4-FFF2-40B4-BE49-F238E27FC236}">
-                    <a16:creationId xmlns:a16="http://schemas.microsoft.com/office/drawing/2014/main" id="{DA634D1F-69DB-4F38-80E0-469BB229B264}"/>
-                  </a:ext>
-                </a:extLst>
-              </p:cNvPr>
-              <p:cNvSpPr>
-                <a:spLocks noChangeAspect="1"/>
-              </p:cNvSpPr>
-              <p:nvPr/>
-            </p:nvSpPr>
-            <p:spPr>
-              <a:xfrm rot="10800000">
-                <a:off x="4212471" y="3392944"/>
-                <a:ext cx="228264" cy="144777"/>
-              </a:xfrm>
-              <a:prstGeom prst="flowChartDecision">
-                <a:avLst/>
-              </a:prstGeom>
-              <a:solidFill>
-                <a:sysClr val="window" lastClr="FFFFFF"/>
-              </a:solidFill>
-              <a:ln w="25400" cap="flat" cmpd="sng" algn="ctr">
-                <a:solidFill>
-                  <a:sysClr val="windowText" lastClr="000000"/>
-                </a:solidFill>
-                <a:prstDash val="solid"/>
-              </a:ln>
-              <a:effectLst/>
-            </p:spPr>
-            <p:txBody>
-              <a:bodyPr rtlCol="0" anchor="ctr"/>
-              <a:lstStyle/>
-              <a:p>
-                <a:pPr marL="0" marR="0" lvl="0" indent="0" algn="ctr" defTabSz="457200" eaLnBrk="1" fontAlgn="auto" latinLnBrk="0" hangingPunct="1">
-                  <a:lnSpc>
-                    <a:spcPct val="100000"/>
-                  </a:lnSpc>
-                  <a:spcBef>
-                    <a:spcPts val="0"/>
-                  </a:spcBef>
-                  <a:spcAft>
-                    <a:spcPts val="0"/>
-                  </a:spcAft>
-                  <a:buClrTx/>
-                  <a:buSzTx/>
-                  <a:buFontTx/>
-                  <a:buNone/>
-                  <a:tabLst/>
-                  <a:defRPr/>
-                </a:pPr>
-                <a:endParaRPr kumimoji="0" lang="en-GB" sz="1800" b="0" i="0" u="none" strike="noStrike" kern="0" cap="none" spc="0" normalizeH="0" baseline="0" noProof="0">
-                  <a:ln>
-                    <a:noFill/>
-                  </a:ln>
-                  <a:solidFill>
-                    <a:prstClr val="white"/>
-                  </a:solidFill>
-                  <a:effectLst/>
-                  <a:uLnTx/>
-                  <a:uFillTx/>
-                  <a:latin typeface="Arial"/>
-                  <a:ea typeface="+mn-ea"/>
-                  <a:cs typeface="+mn-cs"/>
-                </a:endParaRPr>
-              </a:p>
-            </p:txBody>
-          </p:sp>
-        </p:grpSp>
-        <p:grpSp>
-          <p:nvGrpSpPr>
-            <p:cNvPr id="65" name="Group 64">
-              <a:extLst>
-                <a:ext uri="{FF2B5EF4-FFF2-40B4-BE49-F238E27FC236}">
-                  <a16:creationId xmlns:a16="http://schemas.microsoft.com/office/drawing/2014/main" id="{2F87A45B-CED0-4643-9212-50B4E820B1F1}"/>
-                </a:ext>
-              </a:extLst>
-            </p:cNvPr>
-            <p:cNvGrpSpPr/>
-            <p:nvPr/>
-          </p:nvGrpSpPr>
-          <p:grpSpPr>
-            <a:xfrm>
-              <a:off x="5234045" y="4807473"/>
-              <a:ext cx="624037" cy="144777"/>
-              <a:chOff x="3857759" y="3392944"/>
-              <a:chExt cx="582976" cy="144777"/>
-            </a:xfrm>
-          </p:grpSpPr>
-          <p:cxnSp>
-            <p:nvCxnSpPr>
-              <p:cNvPr id="66" name="Straight Arrow Connector 65">
-                <a:extLst>
-                  <a:ext uri="{FF2B5EF4-FFF2-40B4-BE49-F238E27FC236}">
-                    <a16:creationId xmlns:a16="http://schemas.microsoft.com/office/drawing/2014/main" id="{C0C818E4-AF95-4F3E-88EA-D54AC048BFEF}"/>
-                  </a:ext>
-                </a:extLst>
-              </p:cNvPr>
-              <p:cNvCxnSpPr>
-                <a:cxnSpLocks/>
-                <a:stCxn id="68" idx="1"/>
-              </p:cNvCxnSpPr>
-              <p:nvPr/>
-            </p:nvCxnSpPr>
-            <p:spPr>
-              <a:xfrm flipH="1">
-                <a:off x="3857759" y="3465332"/>
-                <a:ext cx="582976" cy="0"/>
-              </a:xfrm>
-              <a:prstGeom prst="straightConnector1">
-                <a:avLst/>
-              </a:prstGeom>
-              <a:noFill/>
-              <a:ln w="25400" cap="flat" cmpd="sng" algn="ctr">
-                <a:solidFill>
-                  <a:sysClr val="windowText" lastClr="000000"/>
-                </a:solidFill>
-                <a:prstDash val="solid"/>
-                <a:round/>
-                <a:headEnd type="none" w="lg" len="lg"/>
-                <a:tailEnd type="none"/>
-              </a:ln>
-              <a:effectLst/>
-            </p:spPr>
-          </p:cxnSp>
-          <p:sp>
-            <p:nvSpPr>
-              <p:cNvPr id="68" name="Flowchart: Decision 67">
-                <a:extLst>
-                  <a:ext uri="{FF2B5EF4-FFF2-40B4-BE49-F238E27FC236}">
-                    <a16:creationId xmlns:a16="http://schemas.microsoft.com/office/drawing/2014/main" id="{72ACD57A-E284-4F91-80A3-CBF3897EF787}"/>
-                  </a:ext>
-                </a:extLst>
-              </p:cNvPr>
-              <p:cNvSpPr>
-                <a:spLocks noChangeAspect="1"/>
-              </p:cNvSpPr>
-              <p:nvPr/>
-            </p:nvSpPr>
-            <p:spPr>
-              <a:xfrm rot="10800000">
-                <a:off x="4212471" y="3392944"/>
-                <a:ext cx="228264" cy="144777"/>
-              </a:xfrm>
-              <a:prstGeom prst="flowChartDecision">
-                <a:avLst/>
-              </a:prstGeom>
-              <a:solidFill>
-                <a:sysClr val="window" lastClr="FFFFFF"/>
-              </a:solidFill>
-              <a:ln w="25400" cap="flat" cmpd="sng" algn="ctr">
-                <a:solidFill>
-                  <a:sysClr val="windowText" lastClr="000000"/>
-                </a:solidFill>
-                <a:prstDash val="solid"/>
-              </a:ln>
-              <a:effectLst/>
-            </p:spPr>
-            <p:txBody>
-              <a:bodyPr rtlCol="0" anchor="ctr"/>
-              <a:lstStyle/>
-              <a:p>
-                <a:pPr marL="0" marR="0" lvl="0" indent="0" algn="ctr" defTabSz="457200" eaLnBrk="1" fontAlgn="auto" latinLnBrk="0" hangingPunct="1">
-                  <a:lnSpc>
-                    <a:spcPct val="100000"/>
-                  </a:lnSpc>
-                  <a:spcBef>
-                    <a:spcPts val="0"/>
-                  </a:spcBef>
-                  <a:spcAft>
-                    <a:spcPts val="0"/>
-                  </a:spcAft>
-                  <a:buClrTx/>
-                  <a:buSzTx/>
-                  <a:buFontTx/>
-                  <a:buNone/>
-                  <a:tabLst/>
-                  <a:defRPr/>
-                </a:pPr>
-                <a:endParaRPr kumimoji="0" lang="en-GB" sz="1800" b="0" i="0" u="none" strike="noStrike" kern="0" cap="none" spc="0" normalizeH="0" baseline="0" noProof="0">
-                  <a:ln>
-                    <a:noFill/>
-                  </a:ln>
-                  <a:solidFill>
-                    <a:prstClr val="white"/>
-                  </a:solidFill>
-                  <a:effectLst/>
-                  <a:uLnTx/>
-                  <a:uFillTx/>
-                  <a:latin typeface="Arial"/>
-                  <a:ea typeface="+mn-ea"/>
-                  <a:cs typeface="+mn-cs"/>
-                </a:endParaRPr>
-              </a:p>
-            </p:txBody>
-          </p:sp>
-        </p:grpSp>
-        <p:sp>
-          <p:nvSpPr>
-            <p:cNvPr id="64" name="Rectangle 63">
-              <a:extLst>
-                <a:ext uri="{FF2B5EF4-FFF2-40B4-BE49-F238E27FC236}">
-                  <a16:creationId xmlns:a16="http://schemas.microsoft.com/office/drawing/2014/main" id="{CB6754E8-E8AB-431D-9F6C-F085EB6323EB}"/>
-                </a:ext>
-              </a:extLst>
-            </p:cNvPr>
-            <p:cNvSpPr/>
-            <p:nvPr/>
-          </p:nvSpPr>
-          <p:spPr>
-            <a:xfrm>
-              <a:off x="4446413" y="4532361"/>
+              <a:off x="5853000" y="4359548"/>
               <a:ext cx="790545" cy="702018"/>
             </a:xfrm>
             <a:prstGeom prst="rect">
@@ -6277,11 +5357,416 @@
             </a:p>
           </p:txBody>
         </p:sp>
+        <p:cxnSp>
+          <p:nvCxnSpPr>
+            <p:cNvPr id="145" name="Straight Arrow Connector 144">
+              <a:extLst>
+                <a:ext uri="{FF2B5EF4-FFF2-40B4-BE49-F238E27FC236}">
+                  <a16:creationId xmlns:a16="http://schemas.microsoft.com/office/drawing/2014/main" id="{CDD16E87-CE5A-41EE-BD56-B5716F004363}"/>
+                </a:ext>
+              </a:extLst>
+            </p:cNvPr>
+            <p:cNvCxnSpPr>
+              <a:cxnSpLocks/>
+              <a:stCxn id="96" idx="1"/>
+              <a:endCxn id="55" idx="3"/>
+            </p:cNvCxnSpPr>
+            <p:nvPr/>
+          </p:nvCxnSpPr>
+          <p:spPr>
+            <a:xfrm flipH="1">
+              <a:off x="6643545" y="4705500"/>
+              <a:ext cx="606669" cy="5057"/>
+            </a:xfrm>
+            <a:prstGeom prst="straightConnector1">
+              <a:avLst/>
+            </a:prstGeom>
+            <a:noFill/>
+            <a:ln w="25400" cap="flat" cmpd="sng" algn="ctr">
+              <a:solidFill>
+                <a:sysClr val="windowText" lastClr="000000"/>
+              </a:solidFill>
+              <a:prstDash val="solid"/>
+              <a:round/>
+              <a:headEnd type="none" w="lg" len="lg"/>
+              <a:tailEnd type="none"/>
+            </a:ln>
+            <a:effectLst/>
+          </p:spPr>
+        </p:cxnSp>
+        <p:sp>
+          <p:nvSpPr>
+            <p:cNvPr id="146" name="Flowchart: Decision 145">
+              <a:extLst>
+                <a:ext uri="{FF2B5EF4-FFF2-40B4-BE49-F238E27FC236}">
+                  <a16:creationId xmlns:a16="http://schemas.microsoft.com/office/drawing/2014/main" id="{6A8140FE-CA88-4361-A528-66238C403476}"/>
+                </a:ext>
+              </a:extLst>
+            </p:cNvPr>
+            <p:cNvSpPr>
+              <a:spLocks noChangeAspect="1"/>
+            </p:cNvSpPr>
+            <p:nvPr/>
+          </p:nvSpPr>
+          <p:spPr>
+            <a:xfrm rot="10800000">
+              <a:off x="7014723" y="4633110"/>
+              <a:ext cx="228264" cy="144777"/>
+            </a:xfrm>
+            <a:prstGeom prst="flowChartDecision">
+              <a:avLst/>
+            </a:prstGeom>
+            <a:solidFill>
+              <a:sysClr val="window" lastClr="FFFFFF"/>
+            </a:solidFill>
+            <a:ln w="25400" cap="flat" cmpd="sng" algn="ctr">
+              <a:solidFill>
+                <a:sysClr val="windowText" lastClr="000000"/>
+              </a:solidFill>
+              <a:prstDash val="solid"/>
+            </a:ln>
+            <a:effectLst/>
+          </p:spPr>
+          <p:txBody>
+            <a:bodyPr rtlCol="0" anchor="ctr"/>
+            <a:lstStyle/>
+            <a:p>
+              <a:pPr marL="0" marR="0" lvl="0" indent="0" algn="ctr" defTabSz="457200" eaLnBrk="1" fontAlgn="auto" latinLnBrk="0" hangingPunct="1">
+                <a:lnSpc>
+                  <a:spcPct val="100000"/>
+                </a:lnSpc>
+                <a:spcBef>
+                  <a:spcPts val="0"/>
+                </a:spcBef>
+                <a:spcAft>
+                  <a:spcPts val="0"/>
+                </a:spcAft>
+                <a:buClrTx/>
+                <a:buSzTx/>
+                <a:buFontTx/>
+                <a:buNone/>
+                <a:tabLst/>
+                <a:defRPr/>
+              </a:pPr>
+              <a:endParaRPr kumimoji="0" lang="en-GB" sz="1800" b="0" i="0" u="none" strike="noStrike" kern="0" cap="none" spc="0" normalizeH="0" baseline="0" noProof="0">
+                <a:ln>
+                  <a:noFill/>
+                </a:ln>
+                <a:solidFill>
+                  <a:prstClr val="white"/>
+                </a:solidFill>
+                <a:effectLst/>
+                <a:uLnTx/>
+                <a:uFillTx/>
+                <a:latin typeface="Arial"/>
+                <a:ea typeface="+mn-ea"/>
+                <a:cs typeface="+mn-cs"/>
+              </a:endParaRPr>
+            </a:p>
+          </p:txBody>
+        </p:sp>
+        <p:cxnSp>
+          <p:nvCxnSpPr>
+            <p:cNvPr id="10" name="Connector: Elbow 9">
+              <a:extLst>
+                <a:ext uri="{FF2B5EF4-FFF2-40B4-BE49-F238E27FC236}">
+                  <a16:creationId xmlns:a16="http://schemas.microsoft.com/office/drawing/2014/main" id="{CCFBE632-B315-4EA7-8936-433320AB7401}"/>
+                </a:ext>
+              </a:extLst>
+            </p:cNvPr>
+            <p:cNvCxnSpPr>
+              <a:stCxn id="61" idx="3"/>
+              <a:endCxn id="96" idx="2"/>
+            </p:cNvCxnSpPr>
+            <p:nvPr/>
+          </p:nvCxnSpPr>
+          <p:spPr>
+            <a:xfrm flipV="1">
+              <a:off x="6643544" y="5056509"/>
+              <a:ext cx="1001943" cy="606319"/>
+            </a:xfrm>
+            <a:prstGeom prst="bentConnector2">
+              <a:avLst/>
+            </a:prstGeom>
+            <a:noFill/>
+            <a:ln w="25400" cap="flat" cmpd="sng" algn="ctr">
+              <a:solidFill>
+                <a:sysClr val="windowText" lastClr="000000"/>
+              </a:solidFill>
+              <a:prstDash val="solid"/>
+              <a:round/>
+              <a:headEnd type="none" w="lg" len="lg"/>
+              <a:tailEnd type="none"/>
+            </a:ln>
+            <a:effectLst/>
+          </p:spPr>
+        </p:cxnSp>
+        <p:cxnSp>
+          <p:nvCxnSpPr>
+            <p:cNvPr id="50" name="Connector: Elbow 49">
+              <a:extLst>
+                <a:ext uri="{FF2B5EF4-FFF2-40B4-BE49-F238E27FC236}">
+                  <a16:creationId xmlns:a16="http://schemas.microsoft.com/office/drawing/2014/main" id="{40AA7859-2583-4EF6-9A74-18F18878F14A}"/>
+                </a:ext>
+              </a:extLst>
+            </p:cNvPr>
+            <p:cNvCxnSpPr>
+              <a:cxnSpLocks/>
+              <a:stCxn id="61" idx="1"/>
+              <a:endCxn id="86" idx="2"/>
+            </p:cNvCxnSpPr>
+            <p:nvPr/>
+          </p:nvCxnSpPr>
+          <p:spPr>
+            <a:xfrm rot="10800000">
+              <a:off x="4845395" y="5058568"/>
+              <a:ext cx="1007605" cy="604260"/>
+            </a:xfrm>
+            <a:prstGeom prst="bentConnector2">
+              <a:avLst/>
+            </a:prstGeom>
+            <a:noFill/>
+            <a:ln w="25400" cap="flat" cmpd="sng" algn="ctr">
+              <a:solidFill>
+                <a:sysClr val="windowText" lastClr="000000"/>
+              </a:solidFill>
+              <a:prstDash val="solid"/>
+              <a:round/>
+              <a:headEnd type="none" w="lg" len="lg"/>
+              <a:tailEnd type="none"/>
+            </a:ln>
+            <a:effectLst/>
+          </p:spPr>
+        </p:cxnSp>
+        <p:sp>
+          <p:nvSpPr>
+            <p:cNvPr id="56" name="Flowchart: Decision 55">
+              <a:extLst>
+                <a:ext uri="{FF2B5EF4-FFF2-40B4-BE49-F238E27FC236}">
+                  <a16:creationId xmlns:a16="http://schemas.microsoft.com/office/drawing/2014/main" id="{1511B632-09B2-497F-8BF0-218BB225FE37}"/>
+                </a:ext>
+              </a:extLst>
+            </p:cNvPr>
+            <p:cNvSpPr>
+              <a:spLocks noChangeAspect="1"/>
+            </p:cNvSpPr>
+            <p:nvPr/>
+          </p:nvSpPr>
+          <p:spPr>
+            <a:xfrm rot="5400000">
+              <a:off x="7532347" y="5105693"/>
+              <a:ext cx="228264" cy="144777"/>
+            </a:xfrm>
+            <a:prstGeom prst="flowChartDecision">
+              <a:avLst/>
+            </a:prstGeom>
+            <a:solidFill>
+              <a:sysClr val="window" lastClr="FFFFFF"/>
+            </a:solidFill>
+            <a:ln w="25400" cap="flat" cmpd="sng" algn="ctr">
+              <a:solidFill>
+                <a:sysClr val="windowText" lastClr="000000"/>
+              </a:solidFill>
+              <a:prstDash val="solid"/>
+            </a:ln>
+            <a:effectLst/>
+          </p:spPr>
+          <p:txBody>
+            <a:bodyPr rtlCol="0" anchor="ctr"/>
+            <a:lstStyle/>
+            <a:p>
+              <a:pPr marL="0" marR="0" lvl="0" indent="0" algn="ctr" defTabSz="457200" eaLnBrk="1" fontAlgn="auto" latinLnBrk="0" hangingPunct="1">
+                <a:lnSpc>
+                  <a:spcPct val="100000"/>
+                </a:lnSpc>
+                <a:spcBef>
+                  <a:spcPts val="0"/>
+                </a:spcBef>
+                <a:spcAft>
+                  <a:spcPts val="0"/>
+                </a:spcAft>
+                <a:buClrTx/>
+                <a:buSzTx/>
+                <a:buFontTx/>
+                <a:buNone/>
+                <a:tabLst/>
+                <a:defRPr/>
+              </a:pPr>
+              <a:endParaRPr kumimoji="0" lang="en-GB" sz="1800" b="0" i="0" u="none" strike="noStrike" kern="0" cap="none" spc="0" normalizeH="0" baseline="0" noProof="0">
+                <a:ln>
+                  <a:noFill/>
+                </a:ln>
+                <a:solidFill>
+                  <a:prstClr val="white"/>
+                </a:solidFill>
+                <a:effectLst/>
+                <a:uLnTx/>
+                <a:uFillTx/>
+                <a:latin typeface="Arial"/>
+                <a:ea typeface="+mn-ea"/>
+                <a:cs typeface="+mn-cs"/>
+              </a:endParaRPr>
+            </a:p>
+          </p:txBody>
+        </p:sp>
+        <p:sp>
+          <p:nvSpPr>
+            <p:cNvPr id="60" name="Flowchart: Decision 59">
+              <a:extLst>
+                <a:ext uri="{FF2B5EF4-FFF2-40B4-BE49-F238E27FC236}">
+                  <a16:creationId xmlns:a16="http://schemas.microsoft.com/office/drawing/2014/main" id="{4036AB8B-321F-4E30-837E-04963B69123B}"/>
+                </a:ext>
+              </a:extLst>
+            </p:cNvPr>
+            <p:cNvSpPr>
+              <a:spLocks noChangeAspect="1"/>
+            </p:cNvSpPr>
+            <p:nvPr/>
+          </p:nvSpPr>
+          <p:spPr>
+            <a:xfrm rot="5400000">
+              <a:off x="4731260" y="5105693"/>
+              <a:ext cx="228264" cy="144777"/>
+            </a:xfrm>
+            <a:prstGeom prst="flowChartDecision">
+              <a:avLst/>
+            </a:prstGeom>
+            <a:solidFill>
+              <a:sysClr val="window" lastClr="FFFFFF"/>
+            </a:solidFill>
+            <a:ln w="25400" cap="flat" cmpd="sng" algn="ctr">
+              <a:solidFill>
+                <a:sysClr val="windowText" lastClr="000000"/>
+              </a:solidFill>
+              <a:prstDash val="solid"/>
+            </a:ln>
+            <a:effectLst/>
+          </p:spPr>
+          <p:txBody>
+            <a:bodyPr rtlCol="0" anchor="ctr"/>
+            <a:lstStyle/>
+            <a:p>
+              <a:pPr marL="0" marR="0" lvl="0" indent="0" algn="ctr" defTabSz="457200" eaLnBrk="1" fontAlgn="auto" latinLnBrk="0" hangingPunct="1">
+                <a:lnSpc>
+                  <a:spcPct val="100000"/>
+                </a:lnSpc>
+                <a:spcBef>
+                  <a:spcPts val="0"/>
+                </a:spcBef>
+                <a:spcAft>
+                  <a:spcPts val="0"/>
+                </a:spcAft>
+                <a:buClrTx/>
+                <a:buSzTx/>
+                <a:buFontTx/>
+                <a:buNone/>
+                <a:tabLst/>
+                <a:defRPr/>
+              </a:pPr>
+              <a:endParaRPr kumimoji="0" lang="en-GB" sz="1800" b="0" i="0" u="none" strike="noStrike" kern="0" cap="none" spc="0" normalizeH="0" baseline="0" noProof="0">
+                <a:ln>
+                  <a:noFill/>
+                </a:ln>
+                <a:solidFill>
+                  <a:prstClr val="white"/>
+                </a:solidFill>
+                <a:effectLst/>
+                <a:uLnTx/>
+                <a:uFillTx/>
+                <a:latin typeface="Arial"/>
+                <a:ea typeface="+mn-ea"/>
+                <a:cs typeface="+mn-cs"/>
+              </a:endParaRPr>
+            </a:p>
+          </p:txBody>
+        </p:sp>
+        <p:sp>
+          <p:nvSpPr>
+            <p:cNvPr id="62" name="TextBox 61">
+              <a:extLst>
+                <a:ext uri="{FF2B5EF4-FFF2-40B4-BE49-F238E27FC236}">
+                  <a16:creationId xmlns:a16="http://schemas.microsoft.com/office/drawing/2014/main" id="{3FA6F0D7-ACE4-4DAA-BBF6-E769E8222DCE}"/>
+                </a:ext>
+              </a:extLst>
+            </p:cNvPr>
+            <p:cNvSpPr txBox="1"/>
+            <p:nvPr/>
+          </p:nvSpPr>
+          <p:spPr>
+            <a:xfrm>
+              <a:off x="6269735" y="3974016"/>
+              <a:ext cx="603050" cy="246221"/>
+            </a:xfrm>
+            <a:prstGeom prst="rect">
+              <a:avLst/>
+            </a:prstGeom>
+            <a:noFill/>
+          </p:spPr>
+          <p:txBody>
+            <a:bodyPr wrap="none" rtlCol="0">
+              <a:spAutoFit/>
+            </a:bodyPr>
+            <a:lstStyle/>
+            <a:p>
+              <a:pPr defTabSz="457200"/>
+              <a:r>
+                <a:rPr lang="en-GB" sz="1000" dirty="0">
+                  <a:solidFill>
+                    <a:prstClr val="black"/>
+                  </a:solidFill>
+                  <a:latin typeface="Arial"/>
+                </a:rPr>
+                <a:t>mounts</a:t>
+              </a:r>
+            </a:p>
+          </p:txBody>
+        </p:sp>
+        <p:sp>
+          <p:nvSpPr>
+            <p:cNvPr id="63" name="TextBox 62">
+              <a:extLst>
+                <a:ext uri="{FF2B5EF4-FFF2-40B4-BE49-F238E27FC236}">
+                  <a16:creationId xmlns:a16="http://schemas.microsoft.com/office/drawing/2014/main" id="{CBBB806C-2C73-455F-8302-2BFDF311EF89}"/>
+                </a:ext>
+              </a:extLst>
+            </p:cNvPr>
+            <p:cNvSpPr txBox="1"/>
+            <p:nvPr/>
+          </p:nvSpPr>
+          <p:spPr>
+            <a:xfrm>
+              <a:off x="6668533" y="4365533"/>
+              <a:ext cx="603050" cy="246221"/>
+            </a:xfrm>
+            <a:prstGeom prst="rect">
+              <a:avLst/>
+            </a:prstGeom>
+            <a:noFill/>
+          </p:spPr>
+          <p:txBody>
+            <a:bodyPr wrap="none" rtlCol="0">
+              <a:spAutoFit/>
+            </a:bodyPr>
+            <a:lstStyle/>
+            <a:p>
+              <a:pPr defTabSz="457200"/>
+              <a:r>
+                <a:rPr lang="en-GB" sz="1000" dirty="0">
+                  <a:solidFill>
+                    <a:prstClr val="black"/>
+                  </a:solidFill>
+                  <a:latin typeface="Arial"/>
+                </a:rPr>
+                <a:t>mounts</a:t>
+              </a:r>
+            </a:p>
+          </p:txBody>
+        </p:sp>
       </p:grpSp>
     </p:spTree>
     <p:extLst>
       <p:ext uri="{BB962C8B-B14F-4D97-AF65-F5344CB8AC3E}">
-        <p14:creationId xmlns:p14="http://schemas.microsoft.com/office/powerpoint/2010/main" val="623275624"/>
+        <p14:creationId xmlns:p14="http://schemas.microsoft.com/office/powerpoint/2010/main" val="1890011738"/>
       </p:ext>
     </p:extLst>
   </p:cSld>
@@ -6469,65 +5954,7 @@
           </p:nvSpPr>
           <p:spPr>
             <a:xfrm>
-              <a:off x="1374245" y="3936211"/>
-              <a:ext cx="362816" cy="362816"/>
-            </a:xfrm>
-            <a:prstGeom prst="rect">
-              <a:avLst/>
-            </a:prstGeom>
-            <a:solidFill>
-              <a:srgbClr val="00B0F0"/>
-            </a:solidFill>
-            <a:ln w="9525" cap="flat" cmpd="sng" algn="ctr">
-              <a:solidFill>
-                <a:sysClr val="windowText" lastClr="000000"/>
-              </a:solidFill>
-              <a:prstDash val="solid"/>
-            </a:ln>
-            <a:effectLst>
-              <a:outerShdw blurRad="40000" dist="23000" dir="5400000" rotWithShape="0">
-                <a:srgbClr val="000000">
-                  <a:alpha val="35000"/>
-                </a:srgbClr>
-              </a:outerShdw>
-            </a:effectLst>
-          </p:spPr>
-          <p:txBody>
-            <a:bodyPr rot="0" spcFirstLastPara="0" vertOverflow="overflow" horzOverflow="overflow" vert="horz" wrap="square" lIns="91440" tIns="45720" rIns="91440" bIns="45720" numCol="1" spcCol="0" rtlCol="0" fromWordArt="0" anchor="ctr" anchorCtr="0" forceAA="0" compatLnSpc="1">
-              <a:prstTxWarp prst="textNoShape">
-                <a:avLst/>
-              </a:prstTxWarp>
-              <a:noAutofit/>
-            </a:bodyPr>
-            <a:lstStyle/>
-            <a:p>
-              <a:pPr algn="ctr" defTabSz="457200"/>
-              <a:endParaRPr lang="en-GB" sz="800" kern="0">
-                <a:solidFill>
-                  <a:prstClr val="black"/>
-                </a:solidFill>
-                <a:latin typeface="Arial"/>
-              </a:endParaRPr>
-            </a:p>
-          </p:txBody>
-        </p:sp>
-        <p:sp>
-          <p:nvSpPr>
-            <p:cNvPr id="15" name="Rectangle 14">
-              <a:extLst>
-                <a:ext uri="{FF2B5EF4-FFF2-40B4-BE49-F238E27FC236}">
-                  <a16:creationId xmlns:a16="http://schemas.microsoft.com/office/drawing/2014/main" id="{F64C0CF7-B5C4-4561-BCCD-5735959C96F8}"/>
-                </a:ext>
-              </a:extLst>
-            </p:cNvPr>
-            <p:cNvSpPr>
-              <a:spLocks noChangeAspect="1"/>
-            </p:cNvSpPr>
-            <p:nvPr/>
-          </p:nvSpPr>
-          <p:spPr>
-            <a:xfrm>
-              <a:off x="1783444" y="3936213"/>
+              <a:off x="1550509" y="3938018"/>
               <a:ext cx="362816" cy="362816"/>
             </a:xfrm>
             <a:prstGeom prst="rect">
@@ -6585,7 +6012,7 @@
           </p:nvSpPr>
           <p:spPr>
             <a:xfrm>
-              <a:off x="2184337" y="3936212"/>
+              <a:off x="1969072" y="3936212"/>
               <a:ext cx="362816" cy="362816"/>
             </a:xfrm>
             <a:prstGeom prst="rect">
@@ -6643,7 +6070,7 @@
           </p:nvSpPr>
           <p:spPr>
             <a:xfrm>
-              <a:off x="2596788" y="3936211"/>
+              <a:off x="2381523" y="3936211"/>
               <a:ext cx="362816" cy="362816"/>
             </a:xfrm>
             <a:prstGeom prst="rect">
@@ -7308,10 +6735,10 @@
       </p:sp>
       <p:grpSp>
         <p:nvGrpSpPr>
-          <p:cNvPr id="9" name="Group 8">
+          <p:cNvPr id="29" name="Group 28">
             <a:extLst>
               <a:ext uri="{FF2B5EF4-FFF2-40B4-BE49-F238E27FC236}">
-                <a16:creationId xmlns:a16="http://schemas.microsoft.com/office/drawing/2014/main" id="{7FD63E8D-5EC5-4CEC-9025-940DC5061BEA}"/>
+                <a16:creationId xmlns:a16="http://schemas.microsoft.com/office/drawing/2014/main" id="{D270F43D-0F88-477D-A411-D18B0851CF7A}"/>
               </a:ext>
             </a:extLst>
           </p:cNvPr>
@@ -7425,346 +6852,6 @@
         </p:pic>
         <p:sp>
           <p:nvSpPr>
-            <p:cNvPr id="14" name="Rectangle 13">
-              <a:extLst>
-                <a:ext uri="{FF2B5EF4-FFF2-40B4-BE49-F238E27FC236}">
-                  <a16:creationId xmlns:a16="http://schemas.microsoft.com/office/drawing/2014/main" id="{CDE7EF88-E3A9-4A68-8724-37508A728C8A}"/>
-                </a:ext>
-              </a:extLst>
-            </p:cNvPr>
-            <p:cNvSpPr>
-              <a:spLocks noChangeAspect="1"/>
-            </p:cNvSpPr>
-            <p:nvPr/>
-          </p:nvSpPr>
-          <p:spPr>
-            <a:xfrm>
-              <a:off x="3513011" y="3982706"/>
-              <a:ext cx="362816" cy="362816"/>
-            </a:xfrm>
-            <a:prstGeom prst="rect">
-              <a:avLst/>
-            </a:prstGeom>
-            <a:solidFill>
-              <a:srgbClr val="00B0F0"/>
-            </a:solidFill>
-            <a:ln w="9525" cap="flat" cmpd="sng" algn="ctr">
-              <a:solidFill>
-                <a:sysClr val="windowText" lastClr="000000"/>
-              </a:solidFill>
-              <a:prstDash val="solid"/>
-            </a:ln>
-            <a:effectLst>
-              <a:outerShdw blurRad="40000" dist="23000" dir="5400000" rotWithShape="0">
-                <a:srgbClr val="000000">
-                  <a:alpha val="35000"/>
-                </a:srgbClr>
-              </a:outerShdw>
-            </a:effectLst>
-          </p:spPr>
-          <p:txBody>
-            <a:bodyPr rot="0" spcFirstLastPara="0" vertOverflow="overflow" horzOverflow="overflow" vert="horz" wrap="square" lIns="91440" tIns="45720" rIns="91440" bIns="45720" numCol="1" spcCol="0" rtlCol="0" fromWordArt="0" anchor="ctr" anchorCtr="0" forceAA="0" compatLnSpc="1">
-              <a:prstTxWarp prst="textNoShape">
-                <a:avLst/>
-              </a:prstTxWarp>
-              <a:noAutofit/>
-            </a:bodyPr>
-            <a:lstStyle/>
-            <a:p>
-              <a:pPr algn="ctr" defTabSz="457200"/>
-              <a:endParaRPr lang="en-GB" sz="800" kern="0">
-                <a:solidFill>
-                  <a:prstClr val="black"/>
-                </a:solidFill>
-                <a:latin typeface="Arial"/>
-              </a:endParaRPr>
-            </a:p>
-          </p:txBody>
-        </p:sp>
-        <p:sp>
-          <p:nvSpPr>
-            <p:cNvPr id="15" name="Rectangle 14">
-              <a:extLst>
-                <a:ext uri="{FF2B5EF4-FFF2-40B4-BE49-F238E27FC236}">
-                  <a16:creationId xmlns:a16="http://schemas.microsoft.com/office/drawing/2014/main" id="{F64C0CF7-B5C4-4561-BCCD-5735959C96F8}"/>
-                </a:ext>
-              </a:extLst>
-            </p:cNvPr>
-            <p:cNvSpPr>
-              <a:spLocks noChangeAspect="1"/>
-            </p:cNvSpPr>
-            <p:nvPr/>
-          </p:nvSpPr>
-          <p:spPr>
-            <a:xfrm>
-              <a:off x="3922210" y="3982708"/>
-              <a:ext cx="362816" cy="362816"/>
-            </a:xfrm>
-            <a:prstGeom prst="rect">
-              <a:avLst/>
-            </a:prstGeom>
-            <a:solidFill>
-              <a:srgbClr val="00B0F0"/>
-            </a:solidFill>
-            <a:ln w="9525" cap="flat" cmpd="sng" algn="ctr">
-              <a:solidFill>
-                <a:sysClr val="windowText" lastClr="000000"/>
-              </a:solidFill>
-              <a:prstDash val="solid"/>
-            </a:ln>
-            <a:effectLst>
-              <a:outerShdw blurRad="40000" dist="23000" dir="5400000" rotWithShape="0">
-                <a:srgbClr val="000000">
-                  <a:alpha val="35000"/>
-                </a:srgbClr>
-              </a:outerShdw>
-            </a:effectLst>
-          </p:spPr>
-          <p:txBody>
-            <a:bodyPr rot="0" spcFirstLastPara="0" vertOverflow="overflow" horzOverflow="overflow" vert="horz" wrap="square" lIns="91440" tIns="45720" rIns="91440" bIns="45720" numCol="1" spcCol="0" rtlCol="0" fromWordArt="0" anchor="ctr" anchorCtr="0" forceAA="0" compatLnSpc="1">
-              <a:prstTxWarp prst="textNoShape">
-                <a:avLst/>
-              </a:prstTxWarp>
-              <a:noAutofit/>
-            </a:bodyPr>
-            <a:lstStyle/>
-            <a:p>
-              <a:pPr algn="ctr" defTabSz="457200"/>
-              <a:endParaRPr lang="en-GB" sz="800" kern="0">
-                <a:solidFill>
-                  <a:prstClr val="black"/>
-                </a:solidFill>
-                <a:latin typeface="Arial"/>
-              </a:endParaRPr>
-            </a:p>
-          </p:txBody>
-        </p:sp>
-        <p:sp>
-          <p:nvSpPr>
-            <p:cNvPr id="16" name="Rectangle 15">
-              <a:extLst>
-                <a:ext uri="{FF2B5EF4-FFF2-40B4-BE49-F238E27FC236}">
-                  <a16:creationId xmlns:a16="http://schemas.microsoft.com/office/drawing/2014/main" id="{8A01EF84-1360-45D6-ADEE-166D2394A1D3}"/>
-                </a:ext>
-              </a:extLst>
-            </p:cNvPr>
-            <p:cNvSpPr>
-              <a:spLocks noChangeAspect="1"/>
-            </p:cNvSpPr>
-            <p:nvPr/>
-          </p:nvSpPr>
-          <p:spPr>
-            <a:xfrm>
-              <a:off x="4323103" y="3982707"/>
-              <a:ext cx="362816" cy="362816"/>
-            </a:xfrm>
-            <a:prstGeom prst="rect">
-              <a:avLst/>
-            </a:prstGeom>
-            <a:solidFill>
-              <a:srgbClr val="00B0F0"/>
-            </a:solidFill>
-            <a:ln w="9525" cap="flat" cmpd="sng" algn="ctr">
-              <a:solidFill>
-                <a:sysClr val="windowText" lastClr="000000"/>
-              </a:solidFill>
-              <a:prstDash val="solid"/>
-            </a:ln>
-            <a:effectLst>
-              <a:outerShdw blurRad="40000" dist="23000" dir="5400000" rotWithShape="0">
-                <a:srgbClr val="000000">
-                  <a:alpha val="35000"/>
-                </a:srgbClr>
-              </a:outerShdw>
-            </a:effectLst>
-          </p:spPr>
-          <p:txBody>
-            <a:bodyPr rot="0" spcFirstLastPara="0" vertOverflow="overflow" horzOverflow="overflow" vert="horz" wrap="square" lIns="91440" tIns="45720" rIns="91440" bIns="45720" numCol="1" spcCol="0" rtlCol="0" fromWordArt="0" anchor="ctr" anchorCtr="0" forceAA="0" compatLnSpc="1">
-              <a:prstTxWarp prst="textNoShape">
-                <a:avLst/>
-              </a:prstTxWarp>
-              <a:noAutofit/>
-            </a:bodyPr>
-            <a:lstStyle/>
-            <a:p>
-              <a:pPr algn="ctr" defTabSz="457200"/>
-              <a:endParaRPr lang="en-GB" sz="800" kern="0">
-                <a:solidFill>
-                  <a:prstClr val="black"/>
-                </a:solidFill>
-                <a:latin typeface="Arial"/>
-              </a:endParaRPr>
-            </a:p>
-          </p:txBody>
-        </p:sp>
-        <p:sp>
-          <p:nvSpPr>
-            <p:cNvPr id="17" name="Rectangle 16">
-              <a:extLst>
-                <a:ext uri="{FF2B5EF4-FFF2-40B4-BE49-F238E27FC236}">
-                  <a16:creationId xmlns:a16="http://schemas.microsoft.com/office/drawing/2014/main" id="{8F82442F-8B47-44CF-B8FA-8912574418CF}"/>
-                </a:ext>
-              </a:extLst>
-            </p:cNvPr>
-            <p:cNvSpPr>
-              <a:spLocks noChangeAspect="1"/>
-            </p:cNvSpPr>
-            <p:nvPr/>
-          </p:nvSpPr>
-          <p:spPr>
-            <a:xfrm>
-              <a:off x="4735554" y="3982706"/>
-              <a:ext cx="362816" cy="362816"/>
-            </a:xfrm>
-            <a:prstGeom prst="rect">
-              <a:avLst/>
-            </a:prstGeom>
-            <a:solidFill>
-              <a:srgbClr val="00B0F0"/>
-            </a:solidFill>
-            <a:ln w="9525" cap="flat" cmpd="sng" algn="ctr">
-              <a:solidFill>
-                <a:sysClr val="windowText" lastClr="000000"/>
-              </a:solidFill>
-              <a:prstDash val="solid"/>
-            </a:ln>
-            <a:effectLst>
-              <a:outerShdw blurRad="40000" dist="23000" dir="5400000" rotWithShape="0">
-                <a:srgbClr val="000000">
-                  <a:alpha val="35000"/>
-                </a:srgbClr>
-              </a:outerShdw>
-            </a:effectLst>
-          </p:spPr>
-          <p:txBody>
-            <a:bodyPr rot="0" spcFirstLastPara="0" vertOverflow="overflow" horzOverflow="overflow" vert="horz" wrap="square" lIns="91440" tIns="45720" rIns="91440" bIns="45720" numCol="1" spcCol="0" rtlCol="0" fromWordArt="0" anchor="ctr" anchorCtr="0" forceAA="0" compatLnSpc="1">
-              <a:prstTxWarp prst="textNoShape">
-                <a:avLst/>
-              </a:prstTxWarp>
-              <a:noAutofit/>
-            </a:bodyPr>
-            <a:lstStyle/>
-            <a:p>
-              <a:pPr algn="ctr" defTabSz="457200"/>
-              <a:endParaRPr lang="en-GB" sz="800" kern="0">
-                <a:solidFill>
-                  <a:prstClr val="black"/>
-                </a:solidFill>
-                <a:latin typeface="Arial"/>
-              </a:endParaRPr>
-            </a:p>
-          </p:txBody>
-        </p:sp>
-        <p:sp>
-          <p:nvSpPr>
-            <p:cNvPr id="18" name="Oval 17">
-              <a:extLst>
-                <a:ext uri="{FF2B5EF4-FFF2-40B4-BE49-F238E27FC236}">
-                  <a16:creationId xmlns:a16="http://schemas.microsoft.com/office/drawing/2014/main" id="{FB2DCC61-BD6E-4266-9903-F6F7E476CBA3}"/>
-                </a:ext>
-              </a:extLst>
-            </p:cNvPr>
-            <p:cNvSpPr>
-              <a:spLocks noChangeAspect="1"/>
-            </p:cNvSpPr>
-            <p:nvPr/>
-          </p:nvSpPr>
-          <p:spPr>
-            <a:xfrm>
-              <a:off x="3641437" y="4283383"/>
-              <a:ext cx="124277" cy="124277"/>
-            </a:xfrm>
-            <a:prstGeom prst="ellipse">
-              <a:avLst/>
-            </a:prstGeom>
-            <a:solidFill>
-              <a:schemeClr val="accent5">
-                <a:lumMod val="20000"/>
-                <a:lumOff val="80000"/>
-              </a:schemeClr>
-            </a:solidFill>
-          </p:spPr>
-          <p:style>
-            <a:lnRef idx="2">
-              <a:schemeClr val="accent1">
-                <a:shade val="50000"/>
-              </a:schemeClr>
-            </a:lnRef>
-            <a:fillRef idx="1">
-              <a:schemeClr val="accent1"/>
-            </a:fillRef>
-            <a:effectRef idx="0">
-              <a:schemeClr val="accent1"/>
-            </a:effectRef>
-            <a:fontRef idx="minor">
-              <a:schemeClr val="lt1"/>
-            </a:fontRef>
-          </p:style>
-          <p:txBody>
-            <a:bodyPr rtlCol="0" anchor="ctr"/>
-            <a:lstStyle/>
-            <a:p>
-              <a:pPr algn="ctr"/>
-              <a:endParaRPr lang="en-GB"/>
-            </a:p>
-          </p:txBody>
-        </p:sp>
-        <p:sp>
-          <p:nvSpPr>
-            <p:cNvPr id="20" name="Oval 19">
-              <a:extLst>
-                <a:ext uri="{FF2B5EF4-FFF2-40B4-BE49-F238E27FC236}">
-                  <a16:creationId xmlns:a16="http://schemas.microsoft.com/office/drawing/2014/main" id="{5E5126D9-94B7-4CE6-8C1A-4AF28AEE8135}"/>
-                </a:ext>
-              </a:extLst>
-            </p:cNvPr>
-            <p:cNvSpPr>
-              <a:spLocks noChangeAspect="1"/>
-            </p:cNvSpPr>
-            <p:nvPr/>
-          </p:nvSpPr>
-          <p:spPr>
-            <a:xfrm>
-              <a:off x="4428065" y="4283383"/>
-              <a:ext cx="124277" cy="124277"/>
-            </a:xfrm>
-            <a:prstGeom prst="ellipse">
-              <a:avLst/>
-            </a:prstGeom>
-            <a:solidFill>
-              <a:schemeClr val="accent5">
-                <a:lumMod val="20000"/>
-                <a:lumOff val="80000"/>
-              </a:schemeClr>
-            </a:solidFill>
-          </p:spPr>
-          <p:style>
-            <a:lnRef idx="2">
-              <a:schemeClr val="accent1">
-                <a:shade val="50000"/>
-              </a:schemeClr>
-            </a:lnRef>
-            <a:fillRef idx="1">
-              <a:schemeClr val="accent1"/>
-            </a:fillRef>
-            <a:effectRef idx="0">
-              <a:schemeClr val="accent1"/>
-            </a:effectRef>
-            <a:fontRef idx="minor">
-              <a:schemeClr val="lt1"/>
-            </a:fontRef>
-          </p:style>
-          <p:txBody>
-            <a:bodyPr rtlCol="0" anchor="ctr"/>
-            <a:lstStyle/>
-            <a:p>
-              <a:pPr algn="ctr"/>
-              <a:endParaRPr lang="en-GB"/>
-            </a:p>
-          </p:txBody>
-        </p:sp>
-        <p:sp>
-          <p:nvSpPr>
             <p:cNvPr id="22" name="Rectangle 21">
               <a:extLst>
                 <a:ext uri="{FF2B5EF4-FFF2-40B4-BE49-F238E27FC236}">
@@ -8160,7 +7247,7 @@
           </p:nvSpPr>
           <p:spPr>
             <a:xfrm>
-              <a:off x="3641437" y="4896213"/>
+              <a:off x="3755737" y="4896213"/>
               <a:ext cx="124277" cy="124277"/>
             </a:xfrm>
             <a:prstGeom prst="ellipse">
@@ -8256,7 +7343,7 @@
           </p:nvCxnSpPr>
           <p:spPr>
             <a:xfrm>
-              <a:off x="3703576" y="5020490"/>
+              <a:off x="3817876" y="5020490"/>
               <a:ext cx="0" cy="468473"/>
             </a:xfrm>
             <a:prstGeom prst="line">
@@ -8295,7 +7382,7 @@
           </p:nvSpPr>
           <p:spPr>
             <a:xfrm>
-              <a:off x="4428065" y="4919012"/>
+              <a:off x="4591895" y="4919012"/>
               <a:ext cx="124277" cy="124277"/>
             </a:xfrm>
             <a:prstGeom prst="ellipse">
@@ -8351,8 +7438,8 @@
           </p:nvCxnSpPr>
           <p:spPr>
             <a:xfrm>
-              <a:off x="4490204" y="4407660"/>
-              <a:ext cx="0" cy="511352"/>
+              <a:off x="4648319" y="4407660"/>
+              <a:ext cx="5715" cy="511352"/>
             </a:xfrm>
             <a:prstGeom prst="line">
               <a:avLst/>
@@ -8391,9 +7478,9 @@
             <p:nvPr/>
           </p:nvCxnSpPr>
           <p:spPr>
-            <a:xfrm>
-              <a:off x="3703576" y="4407660"/>
-              <a:ext cx="0" cy="488553"/>
+            <a:xfrm flipH="1">
+              <a:off x="3817876" y="4407660"/>
+              <a:ext cx="3810" cy="488553"/>
             </a:xfrm>
             <a:prstGeom prst="line">
               <a:avLst/>
@@ -8426,13 +7513,14 @@
             </p:cNvPr>
             <p:cNvCxnSpPr>
               <a:cxnSpLocks/>
+              <a:stCxn id="81" idx="4"/>
             </p:cNvCxnSpPr>
             <p:nvPr/>
           </p:nvCxnSpPr>
           <p:spPr>
-            <a:xfrm>
-              <a:off x="4486861" y="5021353"/>
-              <a:ext cx="0" cy="467610"/>
+            <a:xfrm flipH="1">
+              <a:off x="4652129" y="5043289"/>
+              <a:ext cx="1905" cy="445674"/>
             </a:xfrm>
             <a:prstGeom prst="line">
               <a:avLst/>
@@ -8550,8 +7638,8 @@
           </p:nvCxnSpPr>
           <p:spPr>
             <a:xfrm>
-              <a:off x="3641437" y="3845862"/>
-              <a:ext cx="1374641" cy="0"/>
+              <a:off x="3767167" y="3845862"/>
+              <a:ext cx="965065" cy="0"/>
             </a:xfrm>
             <a:prstGeom prst="line">
               <a:avLst/>
@@ -8586,7 +7674,7 @@
           </p:nvSpPr>
           <p:spPr>
             <a:xfrm>
-              <a:off x="3948077" y="3602480"/>
+              <a:off x="3767167" y="3613067"/>
               <a:ext cx="1087157" cy="246221"/>
             </a:xfrm>
             <a:prstGeom prst="rect">
@@ -8618,14 +7706,14 @@
             </p:cNvPr>
             <p:cNvCxnSpPr>
               <a:cxnSpLocks/>
-              <a:endCxn id="16" idx="0"/>
+              <a:endCxn id="43" idx="0"/>
             </p:cNvCxnSpPr>
             <p:nvPr/>
           </p:nvCxnSpPr>
           <p:spPr>
-            <a:xfrm>
-              <a:off x="4504511" y="3845862"/>
-              <a:ext cx="0" cy="136845"/>
+            <a:xfrm flipH="1">
+              <a:off x="4655613" y="3840480"/>
+              <a:ext cx="207" cy="135525"/>
             </a:xfrm>
             <a:prstGeom prst="line">
               <a:avLst/>
@@ -8657,14 +7745,14 @@
             </p:cNvPr>
             <p:cNvCxnSpPr>
               <a:cxnSpLocks/>
-              <a:endCxn id="15" idx="0"/>
+              <a:endCxn id="42" idx="0"/>
             </p:cNvCxnSpPr>
             <p:nvPr/>
           </p:nvCxnSpPr>
           <p:spPr>
             <a:xfrm>
-              <a:off x="4103618" y="3845862"/>
-              <a:ext cx="0" cy="136846"/>
+              <a:off x="4243162" y="3840480"/>
+              <a:ext cx="0" cy="135526"/>
             </a:xfrm>
             <a:prstGeom prst="line">
               <a:avLst/>
@@ -8696,53 +7784,14 @@
             </p:cNvPr>
             <p:cNvCxnSpPr>
               <a:cxnSpLocks/>
-              <a:endCxn id="14" idx="0"/>
+              <a:endCxn id="41" idx="0"/>
             </p:cNvCxnSpPr>
             <p:nvPr/>
           </p:nvCxnSpPr>
           <p:spPr>
             <a:xfrm>
-              <a:off x="3694419" y="3845862"/>
-              <a:ext cx="0" cy="136844"/>
-            </a:xfrm>
-            <a:prstGeom prst="line">
-              <a:avLst/>
-            </a:prstGeom>
-          </p:spPr>
-          <p:style>
-            <a:lnRef idx="1">
-              <a:schemeClr val="accent1"/>
-            </a:lnRef>
-            <a:fillRef idx="0">
-              <a:schemeClr val="accent1"/>
-            </a:fillRef>
-            <a:effectRef idx="0">
-              <a:schemeClr val="accent1"/>
-            </a:effectRef>
-            <a:fontRef idx="minor">
-              <a:schemeClr val="tx1"/>
-            </a:fontRef>
-          </p:style>
-        </p:cxnSp>
-        <p:cxnSp>
-          <p:nvCxnSpPr>
-            <p:cNvPr id="168" name="Straight Connector 167">
-              <a:extLst>
-                <a:ext uri="{FF2B5EF4-FFF2-40B4-BE49-F238E27FC236}">
-                  <a16:creationId xmlns:a16="http://schemas.microsoft.com/office/drawing/2014/main" id="{D800B475-CFA9-472E-A0DF-52EB88DA5E76}"/>
-                </a:ext>
-              </a:extLst>
-            </p:cNvPr>
-            <p:cNvCxnSpPr>
-              <a:cxnSpLocks/>
-              <a:endCxn id="17" idx="0"/>
-            </p:cNvCxnSpPr>
-            <p:nvPr/>
-          </p:nvCxnSpPr>
-          <p:spPr>
-            <a:xfrm>
-              <a:off x="4916962" y="3845862"/>
-              <a:ext cx="0" cy="136844"/>
+              <a:off x="3824599" y="3840480"/>
+              <a:ext cx="0" cy="137332"/>
             </a:xfrm>
             <a:prstGeom prst="line">
               <a:avLst/>
@@ -8967,7 +8016,7 @@
           </p:nvSpPr>
           <p:spPr>
             <a:xfrm>
-              <a:off x="4606502" y="4708291"/>
+              <a:off x="4711478" y="4693840"/>
               <a:ext cx="896399" cy="246221"/>
             </a:xfrm>
             <a:prstGeom prst="rect">
@@ -8985,6 +8034,288 @@
                 <a:rPr lang="en-GB" sz="1000" b="1"/>
                 <a:t>host network</a:t>
               </a:r>
+            </a:p>
+          </p:txBody>
+        </p:sp>
+        <p:sp>
+          <p:nvSpPr>
+            <p:cNvPr id="41" name="Rectangle 40">
+              <a:extLst>
+                <a:ext uri="{FF2B5EF4-FFF2-40B4-BE49-F238E27FC236}">
+                  <a16:creationId xmlns:a16="http://schemas.microsoft.com/office/drawing/2014/main" id="{27EDC0E8-84AA-48A8-AFF1-B8465F89FBD1}"/>
+                </a:ext>
+              </a:extLst>
+            </p:cNvPr>
+            <p:cNvSpPr>
+              <a:spLocks noChangeAspect="1"/>
+            </p:cNvSpPr>
+            <p:nvPr/>
+          </p:nvSpPr>
+          <p:spPr>
+            <a:xfrm>
+              <a:off x="3643191" y="3977812"/>
+              <a:ext cx="362816" cy="362816"/>
+            </a:xfrm>
+            <a:prstGeom prst="rect">
+              <a:avLst/>
+            </a:prstGeom>
+            <a:solidFill>
+              <a:srgbClr val="00B0F0"/>
+            </a:solidFill>
+            <a:ln w="9525" cap="flat" cmpd="sng" algn="ctr">
+              <a:solidFill>
+                <a:sysClr val="windowText" lastClr="000000"/>
+              </a:solidFill>
+              <a:prstDash val="solid"/>
+            </a:ln>
+            <a:effectLst>
+              <a:outerShdw blurRad="40000" dist="23000" dir="5400000" rotWithShape="0">
+                <a:srgbClr val="000000">
+                  <a:alpha val="35000"/>
+                </a:srgbClr>
+              </a:outerShdw>
+            </a:effectLst>
+          </p:spPr>
+          <p:txBody>
+            <a:bodyPr rot="0" spcFirstLastPara="0" vertOverflow="overflow" horzOverflow="overflow" vert="horz" wrap="square" lIns="91440" tIns="45720" rIns="91440" bIns="45720" numCol="1" spcCol="0" rtlCol="0" fromWordArt="0" anchor="ctr" anchorCtr="0" forceAA="0" compatLnSpc="1">
+              <a:prstTxWarp prst="textNoShape">
+                <a:avLst/>
+              </a:prstTxWarp>
+              <a:noAutofit/>
+            </a:bodyPr>
+            <a:lstStyle/>
+            <a:p>
+              <a:pPr algn="ctr" defTabSz="457200"/>
+              <a:endParaRPr lang="en-GB" sz="800" kern="0">
+                <a:solidFill>
+                  <a:prstClr val="black"/>
+                </a:solidFill>
+                <a:latin typeface="Arial"/>
+              </a:endParaRPr>
+            </a:p>
+          </p:txBody>
+        </p:sp>
+        <p:sp>
+          <p:nvSpPr>
+            <p:cNvPr id="42" name="Rectangle 41">
+              <a:extLst>
+                <a:ext uri="{FF2B5EF4-FFF2-40B4-BE49-F238E27FC236}">
+                  <a16:creationId xmlns:a16="http://schemas.microsoft.com/office/drawing/2014/main" id="{673476C8-D2F3-433F-BCB0-19154AB3166C}"/>
+                </a:ext>
+              </a:extLst>
+            </p:cNvPr>
+            <p:cNvSpPr>
+              <a:spLocks noChangeAspect="1"/>
+            </p:cNvSpPr>
+            <p:nvPr/>
+          </p:nvSpPr>
+          <p:spPr>
+            <a:xfrm>
+              <a:off x="4061754" y="3976006"/>
+              <a:ext cx="362816" cy="362816"/>
+            </a:xfrm>
+            <a:prstGeom prst="rect">
+              <a:avLst/>
+            </a:prstGeom>
+            <a:solidFill>
+              <a:srgbClr val="00B0F0"/>
+            </a:solidFill>
+            <a:ln w="9525" cap="flat" cmpd="sng" algn="ctr">
+              <a:solidFill>
+                <a:sysClr val="windowText" lastClr="000000"/>
+              </a:solidFill>
+              <a:prstDash val="solid"/>
+            </a:ln>
+            <a:effectLst>
+              <a:outerShdw blurRad="40000" dist="23000" dir="5400000" rotWithShape="0">
+                <a:srgbClr val="000000">
+                  <a:alpha val="35000"/>
+                </a:srgbClr>
+              </a:outerShdw>
+            </a:effectLst>
+          </p:spPr>
+          <p:txBody>
+            <a:bodyPr rot="0" spcFirstLastPara="0" vertOverflow="overflow" horzOverflow="overflow" vert="horz" wrap="square" lIns="91440" tIns="45720" rIns="91440" bIns="45720" numCol="1" spcCol="0" rtlCol="0" fromWordArt="0" anchor="ctr" anchorCtr="0" forceAA="0" compatLnSpc="1">
+              <a:prstTxWarp prst="textNoShape">
+                <a:avLst/>
+              </a:prstTxWarp>
+              <a:noAutofit/>
+            </a:bodyPr>
+            <a:lstStyle/>
+            <a:p>
+              <a:pPr algn="ctr" defTabSz="457200"/>
+              <a:endParaRPr lang="en-GB" sz="800" kern="0">
+                <a:solidFill>
+                  <a:prstClr val="black"/>
+                </a:solidFill>
+                <a:latin typeface="Arial"/>
+              </a:endParaRPr>
+            </a:p>
+          </p:txBody>
+        </p:sp>
+        <p:sp>
+          <p:nvSpPr>
+            <p:cNvPr id="43" name="Rectangle 42">
+              <a:extLst>
+                <a:ext uri="{FF2B5EF4-FFF2-40B4-BE49-F238E27FC236}">
+                  <a16:creationId xmlns:a16="http://schemas.microsoft.com/office/drawing/2014/main" id="{6A3DCB5D-8AB9-4761-AF11-D98E199B366E}"/>
+                </a:ext>
+              </a:extLst>
+            </p:cNvPr>
+            <p:cNvSpPr>
+              <a:spLocks noChangeAspect="1"/>
+            </p:cNvSpPr>
+            <p:nvPr/>
+          </p:nvSpPr>
+          <p:spPr>
+            <a:xfrm>
+              <a:off x="4474205" y="3976005"/>
+              <a:ext cx="362816" cy="362816"/>
+            </a:xfrm>
+            <a:prstGeom prst="rect">
+              <a:avLst/>
+            </a:prstGeom>
+            <a:solidFill>
+              <a:srgbClr val="00B0F0"/>
+            </a:solidFill>
+            <a:ln w="9525" cap="flat" cmpd="sng" algn="ctr">
+              <a:solidFill>
+                <a:sysClr val="windowText" lastClr="000000"/>
+              </a:solidFill>
+              <a:prstDash val="solid"/>
+            </a:ln>
+            <a:effectLst>
+              <a:outerShdw blurRad="40000" dist="23000" dir="5400000" rotWithShape="0">
+                <a:srgbClr val="000000">
+                  <a:alpha val="35000"/>
+                </a:srgbClr>
+              </a:outerShdw>
+            </a:effectLst>
+          </p:spPr>
+          <p:txBody>
+            <a:bodyPr rot="0" spcFirstLastPara="0" vertOverflow="overflow" horzOverflow="overflow" vert="horz" wrap="square" lIns="91440" tIns="45720" rIns="91440" bIns="45720" numCol="1" spcCol="0" rtlCol="0" fromWordArt="0" anchor="ctr" anchorCtr="0" forceAA="0" compatLnSpc="1">
+              <a:prstTxWarp prst="textNoShape">
+                <a:avLst/>
+              </a:prstTxWarp>
+              <a:noAutofit/>
+            </a:bodyPr>
+            <a:lstStyle/>
+            <a:p>
+              <a:pPr algn="ctr" defTabSz="457200"/>
+              <a:endParaRPr lang="en-GB" sz="800" kern="0">
+                <a:solidFill>
+                  <a:prstClr val="black"/>
+                </a:solidFill>
+                <a:latin typeface="Arial"/>
+              </a:endParaRPr>
+            </a:p>
+          </p:txBody>
+        </p:sp>
+        <p:sp>
+          <p:nvSpPr>
+            <p:cNvPr id="18" name="Oval 17">
+              <a:extLst>
+                <a:ext uri="{FF2B5EF4-FFF2-40B4-BE49-F238E27FC236}">
+                  <a16:creationId xmlns:a16="http://schemas.microsoft.com/office/drawing/2014/main" id="{FB2DCC61-BD6E-4266-9903-F6F7E476CBA3}"/>
+                </a:ext>
+              </a:extLst>
+            </p:cNvPr>
+            <p:cNvSpPr>
+              <a:spLocks noChangeAspect="1"/>
+            </p:cNvSpPr>
+            <p:nvPr/>
+          </p:nvSpPr>
+          <p:spPr>
+            <a:xfrm>
+              <a:off x="3759547" y="4283383"/>
+              <a:ext cx="124277" cy="124277"/>
+            </a:xfrm>
+            <a:prstGeom prst="ellipse">
+              <a:avLst/>
+            </a:prstGeom>
+            <a:solidFill>
+              <a:schemeClr val="accent5">
+                <a:lumMod val="20000"/>
+                <a:lumOff val="80000"/>
+              </a:schemeClr>
+            </a:solidFill>
+          </p:spPr>
+          <p:style>
+            <a:lnRef idx="2">
+              <a:schemeClr val="accent1">
+                <a:shade val="50000"/>
+              </a:schemeClr>
+            </a:lnRef>
+            <a:fillRef idx="1">
+              <a:schemeClr val="accent1"/>
+            </a:fillRef>
+            <a:effectRef idx="0">
+              <a:schemeClr val="accent1"/>
+            </a:effectRef>
+            <a:fontRef idx="minor">
+              <a:schemeClr val="lt1"/>
+            </a:fontRef>
+          </p:style>
+          <p:txBody>
+            <a:bodyPr rtlCol="0" anchor="ctr"/>
+            <a:lstStyle/>
+            <a:p>
+              <a:pPr algn="ctr"/>
+              <a:endParaRPr lang="en-GB"/>
+            </a:p>
+          </p:txBody>
+        </p:sp>
+        <p:sp>
+          <p:nvSpPr>
+            <p:cNvPr id="20" name="Oval 19">
+              <a:extLst>
+                <a:ext uri="{FF2B5EF4-FFF2-40B4-BE49-F238E27FC236}">
+                  <a16:creationId xmlns:a16="http://schemas.microsoft.com/office/drawing/2014/main" id="{5E5126D9-94B7-4CE6-8C1A-4AF28AEE8135}"/>
+                </a:ext>
+              </a:extLst>
+            </p:cNvPr>
+            <p:cNvSpPr>
+              <a:spLocks noChangeAspect="1"/>
+            </p:cNvSpPr>
+            <p:nvPr/>
+          </p:nvSpPr>
+          <p:spPr>
+            <a:xfrm>
+              <a:off x="4586180" y="4283383"/>
+              <a:ext cx="124277" cy="124277"/>
+            </a:xfrm>
+            <a:prstGeom prst="ellipse">
+              <a:avLst/>
+            </a:prstGeom>
+            <a:solidFill>
+              <a:schemeClr val="accent5">
+                <a:lumMod val="20000"/>
+                <a:lumOff val="80000"/>
+              </a:schemeClr>
+            </a:solidFill>
+          </p:spPr>
+          <p:style>
+            <a:lnRef idx="2">
+              <a:schemeClr val="accent1">
+                <a:shade val="50000"/>
+              </a:schemeClr>
+            </a:lnRef>
+            <a:fillRef idx="1">
+              <a:schemeClr val="accent1"/>
+            </a:fillRef>
+            <a:effectRef idx="0">
+              <a:schemeClr val="accent1"/>
+            </a:effectRef>
+            <a:fontRef idx="minor">
+              <a:schemeClr val="lt1"/>
+            </a:fontRef>
+          </p:style>
+          <p:txBody>
+            <a:bodyPr rtlCol="0" anchor="ctr"/>
+            <a:lstStyle/>
+            <a:p>
+              <a:pPr algn="ctr"/>
+              <a:endParaRPr lang="en-GB"/>
             </a:p>
           </p:txBody>
         </p:sp>
@@ -9049,10 +8380,10 @@
       </p:sp>
       <p:grpSp>
         <p:nvGrpSpPr>
-          <p:cNvPr id="31" name="Group 30">
+          <p:cNvPr id="13" name="Group 12">
             <a:extLst>
               <a:ext uri="{FF2B5EF4-FFF2-40B4-BE49-F238E27FC236}">
-                <a16:creationId xmlns:a16="http://schemas.microsoft.com/office/drawing/2014/main" id="{C3629911-764A-4BC8-8EBA-3E9971821C30}"/>
+                <a16:creationId xmlns:a16="http://schemas.microsoft.com/office/drawing/2014/main" id="{E76704CE-A38E-4A40-A95C-7D4EAE26BDFF}"/>
               </a:ext>
             </a:extLst>
           </p:cNvPr>
@@ -9166,10 +8497,10 @@
         </p:pic>
         <p:sp>
           <p:nvSpPr>
-            <p:cNvPr id="56" name="Rectangle 55">
-              <a:extLst>
-                <a:ext uri="{FF2B5EF4-FFF2-40B4-BE49-F238E27FC236}">
-                  <a16:creationId xmlns:a16="http://schemas.microsoft.com/office/drawing/2014/main" id="{46DB014D-69EA-4BA4-90F2-F57AAF676A0C}"/>
+            <p:cNvPr id="62" name="Oval 61">
+              <a:extLst>
+                <a:ext uri="{FF2B5EF4-FFF2-40B4-BE49-F238E27FC236}">
+                  <a16:creationId xmlns:a16="http://schemas.microsoft.com/office/drawing/2014/main" id="{FBC7C76E-8404-4649-B166-92023CEED03E}"/>
                 </a:ext>
               </a:extLst>
             </p:cNvPr>
@@ -9180,239 +8511,7 @@
           </p:nvSpPr>
           <p:spPr>
             <a:xfrm>
-              <a:off x="2482542" y="4190301"/>
-              <a:ext cx="362816" cy="362816"/>
-            </a:xfrm>
-            <a:prstGeom prst="rect">
-              <a:avLst/>
-            </a:prstGeom>
-            <a:solidFill>
-              <a:srgbClr val="00B0F0"/>
-            </a:solidFill>
-            <a:ln w="9525" cap="flat" cmpd="sng" algn="ctr">
-              <a:solidFill>
-                <a:sysClr val="windowText" lastClr="000000"/>
-              </a:solidFill>
-              <a:prstDash val="solid"/>
-            </a:ln>
-            <a:effectLst>
-              <a:outerShdw blurRad="40000" dist="23000" dir="5400000" rotWithShape="0">
-                <a:srgbClr val="000000">
-                  <a:alpha val="35000"/>
-                </a:srgbClr>
-              </a:outerShdw>
-            </a:effectLst>
-          </p:spPr>
-          <p:txBody>
-            <a:bodyPr rot="0" spcFirstLastPara="0" vertOverflow="overflow" horzOverflow="overflow" vert="horz" wrap="square" lIns="91440" tIns="45720" rIns="91440" bIns="45720" numCol="1" spcCol="0" rtlCol="0" fromWordArt="0" anchor="ctr" anchorCtr="0" forceAA="0" compatLnSpc="1">
-              <a:prstTxWarp prst="textNoShape">
-                <a:avLst/>
-              </a:prstTxWarp>
-              <a:noAutofit/>
-            </a:bodyPr>
-            <a:lstStyle/>
-            <a:p>
-              <a:pPr algn="ctr" defTabSz="457200"/>
-              <a:endParaRPr lang="en-GB" sz="800" kern="0">
-                <a:solidFill>
-                  <a:prstClr val="black"/>
-                </a:solidFill>
-                <a:latin typeface="Arial"/>
-              </a:endParaRPr>
-            </a:p>
-          </p:txBody>
-        </p:sp>
-        <p:sp>
-          <p:nvSpPr>
-            <p:cNvPr id="57" name="Rectangle 56">
-              <a:extLst>
-                <a:ext uri="{FF2B5EF4-FFF2-40B4-BE49-F238E27FC236}">
-                  <a16:creationId xmlns:a16="http://schemas.microsoft.com/office/drawing/2014/main" id="{CAB43A0D-9E80-4E0F-90FB-3265919512BE}"/>
-                </a:ext>
-              </a:extLst>
-            </p:cNvPr>
-            <p:cNvSpPr>
-              <a:spLocks noChangeAspect="1"/>
-            </p:cNvSpPr>
-            <p:nvPr/>
-          </p:nvSpPr>
-          <p:spPr>
-            <a:xfrm>
-              <a:off x="2891741" y="4190303"/>
-              <a:ext cx="362816" cy="362816"/>
-            </a:xfrm>
-            <a:prstGeom prst="rect">
-              <a:avLst/>
-            </a:prstGeom>
-            <a:solidFill>
-              <a:srgbClr val="00B0F0"/>
-            </a:solidFill>
-            <a:ln w="9525" cap="flat" cmpd="sng" algn="ctr">
-              <a:solidFill>
-                <a:sysClr val="windowText" lastClr="000000"/>
-              </a:solidFill>
-              <a:prstDash val="solid"/>
-            </a:ln>
-            <a:effectLst>
-              <a:outerShdw blurRad="40000" dist="23000" dir="5400000" rotWithShape="0">
-                <a:srgbClr val="000000">
-                  <a:alpha val="35000"/>
-                </a:srgbClr>
-              </a:outerShdw>
-            </a:effectLst>
-          </p:spPr>
-          <p:txBody>
-            <a:bodyPr rot="0" spcFirstLastPara="0" vertOverflow="overflow" horzOverflow="overflow" vert="horz" wrap="square" lIns="91440" tIns="45720" rIns="91440" bIns="45720" numCol="1" spcCol="0" rtlCol="0" fromWordArt="0" anchor="ctr" anchorCtr="0" forceAA="0" compatLnSpc="1">
-              <a:prstTxWarp prst="textNoShape">
-                <a:avLst/>
-              </a:prstTxWarp>
-              <a:noAutofit/>
-            </a:bodyPr>
-            <a:lstStyle/>
-            <a:p>
-              <a:pPr algn="ctr" defTabSz="457200"/>
-              <a:endParaRPr lang="en-GB" sz="800" kern="0">
-                <a:solidFill>
-                  <a:prstClr val="black"/>
-                </a:solidFill>
-                <a:latin typeface="Arial"/>
-              </a:endParaRPr>
-            </a:p>
-          </p:txBody>
-        </p:sp>
-        <p:sp>
-          <p:nvSpPr>
-            <p:cNvPr id="58" name="Rectangle 57">
-              <a:extLst>
-                <a:ext uri="{FF2B5EF4-FFF2-40B4-BE49-F238E27FC236}">
-                  <a16:creationId xmlns:a16="http://schemas.microsoft.com/office/drawing/2014/main" id="{34421A27-2245-4FE2-A74A-B204C6773212}"/>
-                </a:ext>
-              </a:extLst>
-            </p:cNvPr>
-            <p:cNvSpPr>
-              <a:spLocks noChangeAspect="1"/>
-            </p:cNvSpPr>
-            <p:nvPr/>
-          </p:nvSpPr>
-          <p:spPr>
-            <a:xfrm>
-              <a:off x="3292634" y="4190302"/>
-              <a:ext cx="362816" cy="362816"/>
-            </a:xfrm>
-            <a:prstGeom prst="rect">
-              <a:avLst/>
-            </a:prstGeom>
-            <a:solidFill>
-              <a:srgbClr val="00B0F0"/>
-            </a:solidFill>
-            <a:ln w="9525" cap="flat" cmpd="sng" algn="ctr">
-              <a:solidFill>
-                <a:sysClr val="windowText" lastClr="000000"/>
-              </a:solidFill>
-              <a:prstDash val="solid"/>
-            </a:ln>
-            <a:effectLst>
-              <a:outerShdw blurRad="40000" dist="23000" dir="5400000" rotWithShape="0">
-                <a:srgbClr val="000000">
-                  <a:alpha val="35000"/>
-                </a:srgbClr>
-              </a:outerShdw>
-            </a:effectLst>
-          </p:spPr>
-          <p:txBody>
-            <a:bodyPr rot="0" spcFirstLastPara="0" vertOverflow="overflow" horzOverflow="overflow" vert="horz" wrap="square" lIns="91440" tIns="45720" rIns="91440" bIns="45720" numCol="1" spcCol="0" rtlCol="0" fromWordArt="0" anchor="ctr" anchorCtr="0" forceAA="0" compatLnSpc="1">
-              <a:prstTxWarp prst="textNoShape">
-                <a:avLst/>
-              </a:prstTxWarp>
-              <a:noAutofit/>
-            </a:bodyPr>
-            <a:lstStyle/>
-            <a:p>
-              <a:pPr algn="ctr" defTabSz="457200"/>
-              <a:endParaRPr lang="en-GB" sz="800" kern="0">
-                <a:solidFill>
-                  <a:prstClr val="black"/>
-                </a:solidFill>
-                <a:latin typeface="Arial"/>
-              </a:endParaRPr>
-            </a:p>
-          </p:txBody>
-        </p:sp>
-        <p:sp>
-          <p:nvSpPr>
-            <p:cNvPr id="59" name="Rectangle 58">
-              <a:extLst>
-                <a:ext uri="{FF2B5EF4-FFF2-40B4-BE49-F238E27FC236}">
-                  <a16:creationId xmlns:a16="http://schemas.microsoft.com/office/drawing/2014/main" id="{BFA58C68-141A-4A5E-BFB7-E13ABBA2AF2D}"/>
-                </a:ext>
-              </a:extLst>
-            </p:cNvPr>
-            <p:cNvSpPr>
-              <a:spLocks noChangeAspect="1"/>
-            </p:cNvSpPr>
-            <p:nvPr/>
-          </p:nvSpPr>
-          <p:spPr>
-            <a:xfrm>
-              <a:off x="3705085" y="4190301"/>
-              <a:ext cx="362816" cy="362816"/>
-            </a:xfrm>
-            <a:prstGeom prst="rect">
-              <a:avLst/>
-            </a:prstGeom>
-            <a:solidFill>
-              <a:srgbClr val="00B0F0"/>
-            </a:solidFill>
-            <a:ln w="9525" cap="flat" cmpd="sng" algn="ctr">
-              <a:solidFill>
-                <a:sysClr val="windowText" lastClr="000000"/>
-              </a:solidFill>
-              <a:prstDash val="solid"/>
-            </a:ln>
-            <a:effectLst>
-              <a:outerShdw blurRad="40000" dist="23000" dir="5400000" rotWithShape="0">
-                <a:srgbClr val="000000">
-                  <a:alpha val="35000"/>
-                </a:srgbClr>
-              </a:outerShdw>
-            </a:effectLst>
-          </p:spPr>
-          <p:txBody>
-            <a:bodyPr rot="0" spcFirstLastPara="0" vertOverflow="overflow" horzOverflow="overflow" vert="horz" wrap="square" lIns="91440" tIns="45720" rIns="91440" bIns="45720" numCol="1" spcCol="0" rtlCol="0" fromWordArt="0" anchor="ctr" anchorCtr="0" forceAA="0" compatLnSpc="1">
-              <a:prstTxWarp prst="textNoShape">
-                <a:avLst/>
-              </a:prstTxWarp>
-              <a:noAutofit/>
-            </a:bodyPr>
-            <a:lstStyle/>
-            <a:p>
-              <a:pPr algn="ctr" defTabSz="457200"/>
-              <a:endParaRPr lang="en-GB" sz="800" kern="0">
-                <a:solidFill>
-                  <a:prstClr val="black"/>
-                </a:solidFill>
-                <a:latin typeface="Arial"/>
-              </a:endParaRPr>
-            </a:p>
-          </p:txBody>
-        </p:sp>
-        <p:sp>
-          <p:nvSpPr>
-            <p:cNvPr id="62" name="Oval 61">
-              <a:extLst>
-                <a:ext uri="{FF2B5EF4-FFF2-40B4-BE49-F238E27FC236}">
-                  <a16:creationId xmlns:a16="http://schemas.microsoft.com/office/drawing/2014/main" id="{FBC7C76E-8404-4649-B166-92023CEED03E}"/>
-                </a:ext>
-              </a:extLst>
-            </p:cNvPr>
-            <p:cNvSpPr>
-              <a:spLocks noChangeAspect="1"/>
-            </p:cNvSpPr>
-            <p:nvPr/>
-          </p:nvSpPr>
-          <p:spPr>
-            <a:xfrm>
-              <a:off x="2601811" y="5110651"/>
+              <a:off x="2812825" y="5110651"/>
               <a:ext cx="124277" cy="124277"/>
             </a:xfrm>
             <a:prstGeom prst="ellipse">
@@ -9467,7 +8566,7 @@
           </p:nvCxnSpPr>
           <p:spPr>
             <a:xfrm>
-              <a:off x="2663950" y="5234928"/>
+              <a:off x="2874964" y="5234928"/>
               <a:ext cx="0" cy="452019"/>
             </a:xfrm>
             <a:prstGeom prst="line">
@@ -9506,7 +8605,7 @@
           </p:nvSpPr>
           <p:spPr>
             <a:xfrm>
-              <a:off x="3411903" y="5104174"/>
+              <a:off x="3641023" y="5115630"/>
               <a:ext cx="124277" cy="124277"/>
             </a:xfrm>
             <a:prstGeom prst="ellipse">
@@ -9597,7 +8696,7 @@
           </p:nvSpPr>
           <p:spPr>
             <a:xfrm>
-              <a:off x="3848804" y="4830067"/>
+              <a:off x="3730852" y="4852609"/>
               <a:ext cx="896399" cy="246221"/>
             </a:xfrm>
             <a:prstGeom prst="rect">
@@ -9629,15 +8728,15 @@
             </p:cNvPr>
             <p:cNvCxnSpPr>
               <a:cxnSpLocks/>
-              <a:stCxn id="56" idx="2"/>
+              <a:stCxn id="38" idx="2"/>
               <a:endCxn id="62" idx="0"/>
             </p:cNvCxnSpPr>
             <p:nvPr/>
           </p:nvCxnSpPr>
           <p:spPr>
             <a:xfrm>
-              <a:off x="2663950" y="4553117"/>
-              <a:ext cx="0" cy="557534"/>
+              <a:off x="2874964" y="4506899"/>
+              <a:ext cx="0" cy="603752"/>
             </a:xfrm>
             <a:prstGeom prst="line">
               <a:avLst/>
@@ -9670,15 +8769,15 @@
             </p:cNvPr>
             <p:cNvCxnSpPr>
               <a:cxnSpLocks/>
-              <a:stCxn id="58" idx="2"/>
+              <a:stCxn id="40" idx="2"/>
               <a:endCxn id="120" idx="0"/>
             </p:cNvCxnSpPr>
             <p:nvPr/>
           </p:nvCxnSpPr>
           <p:spPr>
-            <a:xfrm>
-              <a:off x="3474042" y="4553118"/>
-              <a:ext cx="0" cy="551056"/>
+            <a:xfrm flipH="1">
+              <a:off x="3703162" y="4505092"/>
+              <a:ext cx="2816" cy="610538"/>
             </a:xfrm>
             <a:prstGeom prst="line">
               <a:avLst/>
@@ -9711,56 +8810,15 @@
             </p:cNvPr>
             <p:cNvCxnSpPr>
               <a:cxnSpLocks/>
-              <a:stCxn id="57" idx="2"/>
+              <a:stCxn id="39" idx="2"/>
               <a:endCxn id="70" idx="0"/>
             </p:cNvCxnSpPr>
             <p:nvPr/>
           </p:nvCxnSpPr>
           <p:spPr>
-            <a:xfrm flipH="1">
-              <a:off x="3068995" y="4553119"/>
-              <a:ext cx="4154" cy="561448"/>
-            </a:xfrm>
-            <a:prstGeom prst="line">
-              <a:avLst/>
-            </a:prstGeom>
-            <a:ln w="19050"/>
-          </p:spPr>
-          <p:style>
-            <a:lnRef idx="1">
-              <a:schemeClr val="accent1"/>
-            </a:lnRef>
-            <a:fillRef idx="0">
-              <a:schemeClr val="accent1"/>
-            </a:fillRef>
-            <a:effectRef idx="0">
-              <a:schemeClr val="accent1"/>
-            </a:effectRef>
-            <a:fontRef idx="minor">
-              <a:schemeClr val="tx1"/>
-            </a:fontRef>
-          </p:style>
-        </p:cxnSp>
-        <p:cxnSp>
-          <p:nvCxnSpPr>
-            <p:cNvPr id="146" name="Straight Connector 145">
-              <a:extLst>
-                <a:ext uri="{FF2B5EF4-FFF2-40B4-BE49-F238E27FC236}">
-                  <a16:creationId xmlns:a16="http://schemas.microsoft.com/office/drawing/2014/main" id="{94A80BE7-2E65-4DFD-9DC4-07878B0BB178}"/>
-                </a:ext>
-              </a:extLst>
-            </p:cNvPr>
-            <p:cNvCxnSpPr>
-              <a:cxnSpLocks/>
-              <a:stCxn id="59" idx="2"/>
-              <a:endCxn id="72" idx="0"/>
-            </p:cNvCxnSpPr>
-            <p:nvPr/>
-          </p:nvCxnSpPr>
-          <p:spPr>
-            <a:xfrm flipH="1">
-              <a:off x="3879089" y="4553117"/>
-              <a:ext cx="7404" cy="551057"/>
+            <a:xfrm>
+              <a:off x="3293527" y="4505093"/>
+              <a:ext cx="1722" cy="609474"/>
             </a:xfrm>
             <a:prstGeom prst="line">
               <a:avLst/>
@@ -9799,7 +8857,7 @@
           </p:nvCxnSpPr>
           <p:spPr>
             <a:xfrm>
-              <a:off x="3474042" y="5228451"/>
+              <a:off x="3703162" y="5239907"/>
               <a:ext cx="678" cy="450989"/>
             </a:xfrm>
             <a:prstGeom prst="line">
@@ -10417,7 +9475,7 @@
           </p:nvSpPr>
           <p:spPr>
             <a:xfrm>
-              <a:off x="3006856" y="5114567"/>
+              <a:off x="3233110" y="5114567"/>
               <a:ext cx="124277" cy="124277"/>
             </a:xfrm>
             <a:prstGeom prst="ellipse">
@@ -10472,102 +9530,8 @@
           </p:nvCxnSpPr>
           <p:spPr>
             <a:xfrm flipH="1">
-              <a:off x="3068657" y="5238844"/>
+              <a:off x="3294911" y="5238844"/>
               <a:ext cx="338" cy="456395"/>
-            </a:xfrm>
-            <a:prstGeom prst="line">
-              <a:avLst/>
-            </a:prstGeom>
-            <a:ln w="19050"/>
-          </p:spPr>
-          <p:style>
-            <a:lnRef idx="1">
-              <a:schemeClr val="accent1"/>
-            </a:lnRef>
-            <a:fillRef idx="0">
-              <a:schemeClr val="accent1"/>
-            </a:fillRef>
-            <a:effectRef idx="0">
-              <a:schemeClr val="accent1"/>
-            </a:effectRef>
-            <a:fontRef idx="minor">
-              <a:schemeClr val="tx1"/>
-            </a:fontRef>
-          </p:style>
-        </p:cxnSp>
-        <p:sp>
-          <p:nvSpPr>
-            <p:cNvPr id="72" name="Oval 71">
-              <a:extLst>
-                <a:ext uri="{FF2B5EF4-FFF2-40B4-BE49-F238E27FC236}">
-                  <a16:creationId xmlns:a16="http://schemas.microsoft.com/office/drawing/2014/main" id="{BD97F3BB-EF24-4C28-A497-8B9434B37853}"/>
-                </a:ext>
-              </a:extLst>
-            </p:cNvPr>
-            <p:cNvSpPr>
-              <a:spLocks noChangeAspect="1"/>
-            </p:cNvSpPr>
-            <p:nvPr/>
-          </p:nvSpPr>
-          <p:spPr>
-            <a:xfrm>
-              <a:off x="3816950" y="5104174"/>
-              <a:ext cx="124277" cy="124277"/>
-            </a:xfrm>
-            <a:prstGeom prst="ellipse">
-              <a:avLst/>
-            </a:prstGeom>
-            <a:solidFill>
-              <a:schemeClr val="accent5">
-                <a:lumMod val="20000"/>
-                <a:lumOff val="80000"/>
-              </a:schemeClr>
-            </a:solidFill>
-          </p:spPr>
-          <p:style>
-            <a:lnRef idx="2">
-              <a:schemeClr val="accent1">
-                <a:shade val="50000"/>
-              </a:schemeClr>
-            </a:lnRef>
-            <a:fillRef idx="1">
-              <a:schemeClr val="accent1"/>
-            </a:fillRef>
-            <a:effectRef idx="0">
-              <a:schemeClr val="accent1"/>
-            </a:effectRef>
-            <a:fontRef idx="minor">
-              <a:schemeClr val="lt1"/>
-            </a:fontRef>
-          </p:style>
-          <p:txBody>
-            <a:bodyPr rtlCol="0" anchor="ctr"/>
-            <a:lstStyle/>
-            <a:p>
-              <a:pPr algn="ctr"/>
-              <a:endParaRPr lang="en-GB"/>
-            </a:p>
-          </p:txBody>
-        </p:sp>
-        <p:cxnSp>
-          <p:nvCxnSpPr>
-            <p:cNvPr id="74" name="Straight Connector 73">
-              <a:extLst>
-                <a:ext uri="{FF2B5EF4-FFF2-40B4-BE49-F238E27FC236}">
-                  <a16:creationId xmlns:a16="http://schemas.microsoft.com/office/drawing/2014/main" id="{5573207F-D539-4681-8B94-C54BC58F6F28}"/>
-                </a:ext>
-              </a:extLst>
-            </p:cNvPr>
-            <p:cNvCxnSpPr>
-              <a:cxnSpLocks/>
-              <a:stCxn id="72" idx="4"/>
-            </p:cNvCxnSpPr>
-            <p:nvPr/>
-          </p:nvCxnSpPr>
-          <p:spPr>
-            <a:xfrm flipH="1">
-              <a:off x="3872485" y="5228451"/>
-              <a:ext cx="6604" cy="450989"/>
             </a:xfrm>
             <a:prstGeom prst="line">
               <a:avLst/>
@@ -10660,6 +9624,180 @@
                 <a:rPr lang="en-GB" sz="1000" b="1"/>
                 <a:t>host network</a:t>
               </a:r>
+            </a:p>
+          </p:txBody>
+        </p:sp>
+        <p:sp>
+          <p:nvSpPr>
+            <p:cNvPr id="38" name="Rectangle 37">
+              <a:extLst>
+                <a:ext uri="{FF2B5EF4-FFF2-40B4-BE49-F238E27FC236}">
+                  <a16:creationId xmlns:a16="http://schemas.microsoft.com/office/drawing/2014/main" id="{391AB432-AE19-4231-839B-713D54766DE2}"/>
+                </a:ext>
+              </a:extLst>
+            </p:cNvPr>
+            <p:cNvSpPr>
+              <a:spLocks noChangeAspect="1"/>
+            </p:cNvSpPr>
+            <p:nvPr/>
+          </p:nvSpPr>
+          <p:spPr>
+            <a:xfrm>
+              <a:off x="2693556" y="4144083"/>
+              <a:ext cx="362816" cy="362816"/>
+            </a:xfrm>
+            <a:prstGeom prst="rect">
+              <a:avLst/>
+            </a:prstGeom>
+            <a:solidFill>
+              <a:srgbClr val="00B0F0"/>
+            </a:solidFill>
+            <a:ln w="9525" cap="flat" cmpd="sng" algn="ctr">
+              <a:solidFill>
+                <a:sysClr val="windowText" lastClr="000000"/>
+              </a:solidFill>
+              <a:prstDash val="solid"/>
+            </a:ln>
+            <a:effectLst>
+              <a:outerShdw blurRad="40000" dist="23000" dir="5400000" rotWithShape="0">
+                <a:srgbClr val="000000">
+                  <a:alpha val="35000"/>
+                </a:srgbClr>
+              </a:outerShdw>
+            </a:effectLst>
+          </p:spPr>
+          <p:txBody>
+            <a:bodyPr rot="0" spcFirstLastPara="0" vertOverflow="overflow" horzOverflow="overflow" vert="horz" wrap="square" lIns="91440" tIns="45720" rIns="91440" bIns="45720" numCol="1" spcCol="0" rtlCol="0" fromWordArt="0" anchor="ctr" anchorCtr="0" forceAA="0" compatLnSpc="1">
+              <a:prstTxWarp prst="textNoShape">
+                <a:avLst/>
+              </a:prstTxWarp>
+              <a:noAutofit/>
+            </a:bodyPr>
+            <a:lstStyle/>
+            <a:p>
+              <a:pPr algn="ctr" defTabSz="457200"/>
+              <a:endParaRPr lang="en-GB" sz="800" kern="0">
+                <a:solidFill>
+                  <a:prstClr val="black"/>
+                </a:solidFill>
+                <a:latin typeface="Arial"/>
+              </a:endParaRPr>
+            </a:p>
+          </p:txBody>
+        </p:sp>
+        <p:sp>
+          <p:nvSpPr>
+            <p:cNvPr id="39" name="Rectangle 38">
+              <a:extLst>
+                <a:ext uri="{FF2B5EF4-FFF2-40B4-BE49-F238E27FC236}">
+                  <a16:creationId xmlns:a16="http://schemas.microsoft.com/office/drawing/2014/main" id="{FAC418E9-EAE1-4B43-B5E8-FCA402F8EE43}"/>
+                </a:ext>
+              </a:extLst>
+            </p:cNvPr>
+            <p:cNvSpPr>
+              <a:spLocks noChangeAspect="1"/>
+            </p:cNvSpPr>
+            <p:nvPr/>
+          </p:nvSpPr>
+          <p:spPr>
+            <a:xfrm>
+              <a:off x="3112119" y="4142277"/>
+              <a:ext cx="362816" cy="362816"/>
+            </a:xfrm>
+            <a:prstGeom prst="rect">
+              <a:avLst/>
+            </a:prstGeom>
+            <a:solidFill>
+              <a:srgbClr val="00B0F0"/>
+            </a:solidFill>
+            <a:ln w="9525" cap="flat" cmpd="sng" algn="ctr">
+              <a:solidFill>
+                <a:sysClr val="windowText" lastClr="000000"/>
+              </a:solidFill>
+              <a:prstDash val="solid"/>
+            </a:ln>
+            <a:effectLst>
+              <a:outerShdw blurRad="40000" dist="23000" dir="5400000" rotWithShape="0">
+                <a:srgbClr val="000000">
+                  <a:alpha val="35000"/>
+                </a:srgbClr>
+              </a:outerShdw>
+            </a:effectLst>
+          </p:spPr>
+          <p:txBody>
+            <a:bodyPr rot="0" spcFirstLastPara="0" vertOverflow="overflow" horzOverflow="overflow" vert="horz" wrap="square" lIns="91440" tIns="45720" rIns="91440" bIns="45720" numCol="1" spcCol="0" rtlCol="0" fromWordArt="0" anchor="ctr" anchorCtr="0" forceAA="0" compatLnSpc="1">
+              <a:prstTxWarp prst="textNoShape">
+                <a:avLst/>
+              </a:prstTxWarp>
+              <a:noAutofit/>
+            </a:bodyPr>
+            <a:lstStyle/>
+            <a:p>
+              <a:pPr algn="ctr" defTabSz="457200"/>
+              <a:endParaRPr lang="en-GB" sz="800" kern="0">
+                <a:solidFill>
+                  <a:prstClr val="black"/>
+                </a:solidFill>
+                <a:latin typeface="Arial"/>
+              </a:endParaRPr>
+            </a:p>
+          </p:txBody>
+        </p:sp>
+        <p:sp>
+          <p:nvSpPr>
+            <p:cNvPr id="40" name="Rectangle 39">
+              <a:extLst>
+                <a:ext uri="{FF2B5EF4-FFF2-40B4-BE49-F238E27FC236}">
+                  <a16:creationId xmlns:a16="http://schemas.microsoft.com/office/drawing/2014/main" id="{94EB3240-ED6E-4D7B-AB7F-C0956CBC8220}"/>
+                </a:ext>
+              </a:extLst>
+            </p:cNvPr>
+            <p:cNvSpPr>
+              <a:spLocks noChangeAspect="1"/>
+            </p:cNvSpPr>
+            <p:nvPr/>
+          </p:nvSpPr>
+          <p:spPr>
+            <a:xfrm>
+              <a:off x="3524570" y="4142276"/>
+              <a:ext cx="362816" cy="362816"/>
+            </a:xfrm>
+            <a:prstGeom prst="rect">
+              <a:avLst/>
+            </a:prstGeom>
+            <a:solidFill>
+              <a:srgbClr val="00B0F0"/>
+            </a:solidFill>
+            <a:ln w="9525" cap="flat" cmpd="sng" algn="ctr">
+              <a:solidFill>
+                <a:sysClr val="windowText" lastClr="000000"/>
+              </a:solidFill>
+              <a:prstDash val="solid"/>
+            </a:ln>
+            <a:effectLst>
+              <a:outerShdw blurRad="40000" dist="23000" dir="5400000" rotWithShape="0">
+                <a:srgbClr val="000000">
+                  <a:alpha val="35000"/>
+                </a:srgbClr>
+              </a:outerShdw>
+            </a:effectLst>
+          </p:spPr>
+          <p:txBody>
+            <a:bodyPr rot="0" spcFirstLastPara="0" vertOverflow="overflow" horzOverflow="overflow" vert="horz" wrap="square" lIns="91440" tIns="45720" rIns="91440" bIns="45720" numCol="1" spcCol="0" rtlCol="0" fromWordArt="0" anchor="ctr" anchorCtr="0" forceAA="0" compatLnSpc="1">
+              <a:prstTxWarp prst="textNoShape">
+                <a:avLst/>
+              </a:prstTxWarp>
+              <a:noAutofit/>
+            </a:bodyPr>
+            <a:lstStyle/>
+            <a:p>
+              <a:pPr algn="ctr" defTabSz="457200"/>
+              <a:endParaRPr lang="en-GB" sz="800" kern="0">
+                <a:solidFill>
+                  <a:prstClr val="black"/>
+                </a:solidFill>
+                <a:latin typeface="Arial"/>
+              </a:endParaRPr>
             </a:p>
           </p:txBody>
         </p:sp>
